--- a/Inferential Statistics.pptx
+++ b/Inferential Statistics.pptx
@@ -13,6 +13,15 @@
     <p:sldId id="290" r:id="rId7"/>
     <p:sldId id="291" r:id="rId8"/>
     <p:sldId id="292" r:id="rId9"/>
+    <p:sldId id="293" r:id="rId10"/>
+    <p:sldId id="294" r:id="rId11"/>
+    <p:sldId id="295" r:id="rId12"/>
+    <p:sldId id="308" r:id="rId13"/>
+    <p:sldId id="300" r:id="rId14"/>
+    <p:sldId id="301" r:id="rId15"/>
+    <p:sldId id="302" r:id="rId16"/>
+    <p:sldId id="305" r:id="rId17"/>
+    <p:sldId id="307" r:id="rId18"/>
   </p:sldIdLst>
   <p:sldSz cx="12192000" cy="6858000"/>
   <p:notesSz cx="6858000" cy="9144000"/>
@@ -120,6 +129,753 @@
 </file>
 
 <file path=ppt/diagrams/colors1.xml><?xml version="1.0" encoding="utf-8"?>
+<dgm:colorsDef xmlns:dgm="http://schemas.openxmlformats.org/drawingml/2006/diagram" xmlns:a="http://schemas.openxmlformats.org/drawingml/2006/main" uniqueId="urn:microsoft.com/office/officeart/2005/8/colors/accent1_2">
+  <dgm:title val=""/>
+  <dgm:desc val=""/>
+  <dgm:catLst>
+    <dgm:cat type="accent1" pri="11200"/>
+  </dgm:catLst>
+  <dgm:styleLbl name="node0">
+    <dgm:fillClrLst meth="repeat">
+      <a:schemeClr val="accent1"/>
+    </dgm:fillClrLst>
+    <dgm:linClrLst meth="repeat">
+      <a:schemeClr val="lt1"/>
+    </dgm:linClrLst>
+    <dgm:effectClrLst/>
+    <dgm:txLinClrLst/>
+    <dgm:txFillClrLst/>
+    <dgm:txEffectClrLst/>
+  </dgm:styleLbl>
+  <dgm:styleLbl name="alignNode1">
+    <dgm:fillClrLst meth="repeat">
+      <a:schemeClr val="accent1"/>
+    </dgm:fillClrLst>
+    <dgm:linClrLst meth="repeat">
+      <a:schemeClr val="accent1"/>
+    </dgm:linClrLst>
+    <dgm:effectClrLst/>
+    <dgm:txLinClrLst/>
+    <dgm:txFillClrLst/>
+    <dgm:txEffectClrLst/>
+  </dgm:styleLbl>
+  <dgm:styleLbl name="node1">
+    <dgm:fillClrLst meth="repeat">
+      <a:schemeClr val="accent1"/>
+    </dgm:fillClrLst>
+    <dgm:linClrLst meth="repeat">
+      <a:schemeClr val="lt1"/>
+    </dgm:linClrLst>
+    <dgm:effectClrLst/>
+    <dgm:txLinClrLst/>
+    <dgm:txFillClrLst/>
+    <dgm:txEffectClrLst/>
+  </dgm:styleLbl>
+  <dgm:styleLbl name="lnNode1">
+    <dgm:fillClrLst meth="repeat">
+      <a:schemeClr val="accent1"/>
+    </dgm:fillClrLst>
+    <dgm:linClrLst meth="repeat">
+      <a:schemeClr val="lt1"/>
+    </dgm:linClrLst>
+    <dgm:effectClrLst/>
+    <dgm:txLinClrLst/>
+    <dgm:txFillClrLst/>
+    <dgm:txEffectClrLst/>
+  </dgm:styleLbl>
+  <dgm:styleLbl name="vennNode1">
+    <dgm:fillClrLst meth="repeat">
+      <a:schemeClr val="accent1">
+        <a:alpha val="50000"/>
+      </a:schemeClr>
+    </dgm:fillClrLst>
+    <dgm:linClrLst meth="repeat">
+      <a:schemeClr val="lt1"/>
+    </dgm:linClrLst>
+    <dgm:effectClrLst/>
+    <dgm:txLinClrLst/>
+    <dgm:txFillClrLst/>
+    <dgm:txEffectClrLst/>
+  </dgm:styleLbl>
+  <dgm:styleLbl name="node2">
+    <dgm:fillClrLst meth="repeat">
+      <a:schemeClr val="accent1"/>
+    </dgm:fillClrLst>
+    <dgm:linClrLst meth="repeat">
+      <a:schemeClr val="lt1"/>
+    </dgm:linClrLst>
+    <dgm:effectClrLst/>
+    <dgm:txLinClrLst/>
+    <dgm:txFillClrLst/>
+    <dgm:txEffectClrLst/>
+  </dgm:styleLbl>
+  <dgm:styleLbl name="node3">
+    <dgm:fillClrLst meth="repeat">
+      <a:schemeClr val="accent1"/>
+    </dgm:fillClrLst>
+    <dgm:linClrLst meth="repeat">
+      <a:schemeClr val="lt1"/>
+    </dgm:linClrLst>
+    <dgm:effectClrLst/>
+    <dgm:txLinClrLst/>
+    <dgm:txFillClrLst/>
+    <dgm:txEffectClrLst/>
+  </dgm:styleLbl>
+  <dgm:styleLbl name="node4">
+    <dgm:fillClrLst meth="repeat">
+      <a:schemeClr val="accent1"/>
+    </dgm:fillClrLst>
+    <dgm:linClrLst meth="repeat">
+      <a:schemeClr val="lt1"/>
+    </dgm:linClrLst>
+    <dgm:effectClrLst/>
+    <dgm:txLinClrLst/>
+    <dgm:txFillClrLst/>
+    <dgm:txEffectClrLst/>
+  </dgm:styleLbl>
+  <dgm:styleLbl name="fgImgPlace1">
+    <dgm:fillClrLst meth="repeat">
+      <a:schemeClr val="accent1">
+        <a:tint val="50000"/>
+      </a:schemeClr>
+    </dgm:fillClrLst>
+    <dgm:linClrLst meth="repeat">
+      <a:schemeClr val="lt1"/>
+    </dgm:linClrLst>
+    <dgm:effectClrLst/>
+    <dgm:txLinClrLst/>
+    <dgm:txFillClrLst meth="repeat">
+      <a:schemeClr val="lt1"/>
+    </dgm:txFillClrLst>
+    <dgm:txEffectClrLst/>
+  </dgm:styleLbl>
+  <dgm:styleLbl name="alignImgPlace1">
+    <dgm:fillClrLst meth="repeat">
+      <a:schemeClr val="accent1">
+        <a:tint val="50000"/>
+      </a:schemeClr>
+    </dgm:fillClrLst>
+    <dgm:linClrLst meth="repeat">
+      <a:schemeClr val="lt1"/>
+    </dgm:linClrLst>
+    <dgm:effectClrLst/>
+    <dgm:txLinClrLst/>
+    <dgm:txFillClrLst meth="repeat">
+      <a:schemeClr val="lt1"/>
+    </dgm:txFillClrLst>
+    <dgm:txEffectClrLst/>
+  </dgm:styleLbl>
+  <dgm:styleLbl name="bgImgPlace1">
+    <dgm:fillClrLst meth="repeat">
+      <a:schemeClr val="accent1">
+        <a:tint val="50000"/>
+      </a:schemeClr>
+    </dgm:fillClrLst>
+    <dgm:linClrLst meth="repeat">
+      <a:schemeClr val="lt1"/>
+    </dgm:linClrLst>
+    <dgm:effectClrLst/>
+    <dgm:txLinClrLst/>
+    <dgm:txFillClrLst meth="repeat">
+      <a:schemeClr val="lt1"/>
+    </dgm:txFillClrLst>
+    <dgm:txEffectClrLst/>
+  </dgm:styleLbl>
+  <dgm:styleLbl name="sibTrans2D1">
+    <dgm:fillClrLst meth="repeat">
+      <a:schemeClr val="accent1">
+        <a:tint val="60000"/>
+      </a:schemeClr>
+    </dgm:fillClrLst>
+    <dgm:linClrLst meth="repeat">
+      <a:schemeClr val="accent1">
+        <a:tint val="60000"/>
+      </a:schemeClr>
+    </dgm:linClrLst>
+    <dgm:effectClrLst/>
+    <dgm:txLinClrLst/>
+    <dgm:txFillClrLst/>
+    <dgm:txEffectClrLst/>
+  </dgm:styleLbl>
+  <dgm:styleLbl name="fgSibTrans2D1">
+    <dgm:fillClrLst meth="repeat">
+      <a:schemeClr val="accent1">
+        <a:tint val="60000"/>
+      </a:schemeClr>
+    </dgm:fillClrLst>
+    <dgm:linClrLst meth="repeat">
+      <a:schemeClr val="accent1">
+        <a:tint val="60000"/>
+      </a:schemeClr>
+    </dgm:linClrLst>
+    <dgm:effectClrLst/>
+    <dgm:txLinClrLst/>
+    <dgm:txFillClrLst/>
+    <dgm:txEffectClrLst/>
+  </dgm:styleLbl>
+  <dgm:styleLbl name="bgSibTrans2D1">
+    <dgm:fillClrLst meth="repeat">
+      <a:schemeClr val="accent1">
+        <a:tint val="60000"/>
+      </a:schemeClr>
+    </dgm:fillClrLst>
+    <dgm:linClrLst meth="repeat">
+      <a:schemeClr val="accent1">
+        <a:tint val="60000"/>
+      </a:schemeClr>
+    </dgm:linClrLst>
+    <dgm:effectClrLst/>
+    <dgm:txLinClrLst/>
+    <dgm:txFillClrLst/>
+    <dgm:txEffectClrLst/>
+  </dgm:styleLbl>
+  <dgm:styleLbl name="sibTrans1D1">
+    <dgm:fillClrLst meth="repeat">
+      <a:schemeClr val="accent1"/>
+    </dgm:fillClrLst>
+    <dgm:linClrLst meth="repeat">
+      <a:schemeClr val="accent1"/>
+    </dgm:linClrLst>
+    <dgm:effectClrLst/>
+    <dgm:txLinClrLst/>
+    <dgm:txFillClrLst meth="repeat">
+      <a:schemeClr val="tx1"/>
+    </dgm:txFillClrLst>
+    <dgm:txEffectClrLst/>
+  </dgm:styleLbl>
+  <dgm:styleLbl name="callout">
+    <dgm:fillClrLst meth="repeat">
+      <a:schemeClr val="accent1"/>
+    </dgm:fillClrLst>
+    <dgm:linClrLst meth="repeat">
+      <a:schemeClr val="accent1">
+        <a:tint val="50000"/>
+      </a:schemeClr>
+    </dgm:linClrLst>
+    <dgm:effectClrLst/>
+    <dgm:txLinClrLst/>
+    <dgm:txFillClrLst meth="repeat">
+      <a:schemeClr val="tx1"/>
+    </dgm:txFillClrLst>
+    <dgm:txEffectClrLst/>
+  </dgm:styleLbl>
+  <dgm:styleLbl name="asst0">
+    <dgm:fillClrLst meth="repeat">
+      <a:schemeClr val="accent1"/>
+    </dgm:fillClrLst>
+    <dgm:linClrLst meth="repeat">
+      <a:schemeClr val="lt1"/>
+    </dgm:linClrLst>
+    <dgm:effectClrLst/>
+    <dgm:txLinClrLst/>
+    <dgm:txFillClrLst/>
+    <dgm:txEffectClrLst/>
+  </dgm:styleLbl>
+  <dgm:styleLbl name="asst1">
+    <dgm:fillClrLst meth="repeat">
+      <a:schemeClr val="accent1"/>
+    </dgm:fillClrLst>
+    <dgm:linClrLst meth="repeat">
+      <a:schemeClr val="lt1"/>
+    </dgm:linClrLst>
+    <dgm:effectClrLst/>
+    <dgm:txLinClrLst/>
+    <dgm:txFillClrLst/>
+    <dgm:txEffectClrLst/>
+  </dgm:styleLbl>
+  <dgm:styleLbl name="asst2">
+    <dgm:fillClrLst meth="repeat">
+      <a:schemeClr val="accent1"/>
+    </dgm:fillClrLst>
+    <dgm:linClrLst meth="repeat">
+      <a:schemeClr val="lt1"/>
+    </dgm:linClrLst>
+    <dgm:effectClrLst/>
+    <dgm:txLinClrLst/>
+    <dgm:txFillClrLst/>
+    <dgm:txEffectClrLst/>
+  </dgm:styleLbl>
+  <dgm:styleLbl name="asst3">
+    <dgm:fillClrLst meth="repeat">
+      <a:schemeClr val="accent1"/>
+    </dgm:fillClrLst>
+    <dgm:linClrLst meth="repeat">
+      <a:schemeClr val="lt1"/>
+    </dgm:linClrLst>
+    <dgm:effectClrLst/>
+    <dgm:txLinClrLst/>
+    <dgm:txFillClrLst/>
+    <dgm:txEffectClrLst/>
+  </dgm:styleLbl>
+  <dgm:styleLbl name="asst4">
+    <dgm:fillClrLst meth="repeat">
+      <a:schemeClr val="accent1"/>
+    </dgm:fillClrLst>
+    <dgm:linClrLst meth="repeat">
+      <a:schemeClr val="lt1"/>
+    </dgm:linClrLst>
+    <dgm:effectClrLst/>
+    <dgm:txLinClrLst/>
+    <dgm:txFillClrLst/>
+    <dgm:txEffectClrLst/>
+  </dgm:styleLbl>
+  <dgm:styleLbl name="parChTrans2D1">
+    <dgm:fillClrLst meth="repeat">
+      <a:schemeClr val="accent1">
+        <a:tint val="60000"/>
+      </a:schemeClr>
+    </dgm:fillClrLst>
+    <dgm:linClrLst meth="repeat">
+      <a:schemeClr val="accent1">
+        <a:tint val="60000"/>
+      </a:schemeClr>
+    </dgm:linClrLst>
+    <dgm:effectClrLst/>
+    <dgm:txLinClrLst/>
+    <dgm:txFillClrLst meth="repeat">
+      <a:schemeClr val="lt1"/>
+    </dgm:txFillClrLst>
+    <dgm:txEffectClrLst/>
+  </dgm:styleLbl>
+  <dgm:styleLbl name="parChTrans2D2">
+    <dgm:fillClrLst meth="repeat">
+      <a:schemeClr val="accent1"/>
+    </dgm:fillClrLst>
+    <dgm:linClrLst meth="repeat">
+      <a:schemeClr val="accent1"/>
+    </dgm:linClrLst>
+    <dgm:effectClrLst/>
+    <dgm:txLinClrLst/>
+    <dgm:txFillClrLst meth="repeat">
+      <a:schemeClr val="lt1"/>
+    </dgm:txFillClrLst>
+    <dgm:txEffectClrLst/>
+  </dgm:styleLbl>
+  <dgm:styleLbl name="parChTrans2D3">
+    <dgm:fillClrLst meth="repeat">
+      <a:schemeClr val="accent1"/>
+    </dgm:fillClrLst>
+    <dgm:linClrLst meth="repeat">
+      <a:schemeClr val="accent1"/>
+    </dgm:linClrLst>
+    <dgm:effectClrLst/>
+    <dgm:txLinClrLst/>
+    <dgm:txFillClrLst meth="repeat">
+      <a:schemeClr val="lt1"/>
+    </dgm:txFillClrLst>
+    <dgm:txEffectClrLst/>
+  </dgm:styleLbl>
+  <dgm:styleLbl name="parChTrans2D4">
+    <dgm:fillClrLst meth="repeat">
+      <a:schemeClr val="accent1"/>
+    </dgm:fillClrLst>
+    <dgm:linClrLst meth="repeat">
+      <a:schemeClr val="accent1"/>
+    </dgm:linClrLst>
+    <dgm:effectClrLst/>
+    <dgm:txLinClrLst/>
+    <dgm:txFillClrLst meth="repeat">
+      <a:schemeClr val="lt1"/>
+    </dgm:txFillClrLst>
+    <dgm:txEffectClrLst/>
+  </dgm:styleLbl>
+  <dgm:styleLbl name="parChTrans1D1">
+    <dgm:fillClrLst meth="repeat">
+      <a:schemeClr val="accent1"/>
+    </dgm:fillClrLst>
+    <dgm:linClrLst meth="repeat">
+      <a:schemeClr val="accent1">
+        <a:shade val="60000"/>
+      </a:schemeClr>
+    </dgm:linClrLst>
+    <dgm:effectClrLst/>
+    <dgm:txLinClrLst/>
+    <dgm:txFillClrLst meth="repeat">
+      <a:schemeClr val="tx1"/>
+    </dgm:txFillClrLst>
+    <dgm:txEffectClrLst/>
+  </dgm:styleLbl>
+  <dgm:styleLbl name="parChTrans1D2">
+    <dgm:fillClrLst meth="repeat">
+      <a:schemeClr val="accent1"/>
+    </dgm:fillClrLst>
+    <dgm:linClrLst meth="repeat">
+      <a:schemeClr val="accent1">
+        <a:shade val="60000"/>
+      </a:schemeClr>
+    </dgm:linClrLst>
+    <dgm:effectClrLst/>
+    <dgm:txLinClrLst/>
+    <dgm:txFillClrLst meth="repeat">
+      <a:schemeClr val="tx1"/>
+    </dgm:txFillClrLst>
+    <dgm:txEffectClrLst/>
+  </dgm:styleLbl>
+  <dgm:styleLbl name="parChTrans1D3">
+    <dgm:fillClrLst meth="repeat">
+      <a:schemeClr val="accent1"/>
+    </dgm:fillClrLst>
+    <dgm:linClrLst meth="repeat">
+      <a:schemeClr val="accent1">
+        <a:shade val="80000"/>
+      </a:schemeClr>
+    </dgm:linClrLst>
+    <dgm:effectClrLst/>
+    <dgm:txLinClrLst/>
+    <dgm:txFillClrLst meth="repeat">
+      <a:schemeClr val="tx1"/>
+    </dgm:txFillClrLst>
+    <dgm:txEffectClrLst/>
+  </dgm:styleLbl>
+  <dgm:styleLbl name="parChTrans1D4">
+    <dgm:fillClrLst meth="repeat">
+      <a:schemeClr val="accent1"/>
+    </dgm:fillClrLst>
+    <dgm:linClrLst meth="repeat">
+      <a:schemeClr val="accent1">
+        <a:shade val="80000"/>
+      </a:schemeClr>
+    </dgm:linClrLst>
+    <dgm:effectClrLst/>
+    <dgm:txLinClrLst/>
+    <dgm:txFillClrLst meth="repeat">
+      <a:schemeClr val="tx1"/>
+    </dgm:txFillClrLst>
+    <dgm:txEffectClrLst/>
+  </dgm:styleLbl>
+  <dgm:styleLbl name="fgAcc1">
+    <dgm:fillClrLst meth="repeat">
+      <a:schemeClr val="lt1">
+        <a:alpha val="90000"/>
+      </a:schemeClr>
+    </dgm:fillClrLst>
+    <dgm:linClrLst meth="repeat">
+      <a:schemeClr val="accent1"/>
+    </dgm:linClrLst>
+    <dgm:effectClrLst/>
+    <dgm:txLinClrLst/>
+    <dgm:txFillClrLst meth="repeat">
+      <a:schemeClr val="dk1"/>
+    </dgm:txFillClrLst>
+    <dgm:txEffectClrLst/>
+  </dgm:styleLbl>
+  <dgm:styleLbl name="conFgAcc1">
+    <dgm:fillClrLst meth="repeat">
+      <a:schemeClr val="lt1">
+        <a:alpha val="90000"/>
+      </a:schemeClr>
+    </dgm:fillClrLst>
+    <dgm:linClrLst meth="repeat">
+      <a:schemeClr val="accent1"/>
+    </dgm:linClrLst>
+    <dgm:effectClrLst/>
+    <dgm:txLinClrLst/>
+    <dgm:txFillClrLst meth="repeat">
+      <a:schemeClr val="dk1"/>
+    </dgm:txFillClrLst>
+    <dgm:txEffectClrLst/>
+  </dgm:styleLbl>
+  <dgm:styleLbl name="alignAcc1">
+    <dgm:fillClrLst meth="repeat">
+      <a:schemeClr val="lt1">
+        <a:alpha val="90000"/>
+      </a:schemeClr>
+    </dgm:fillClrLst>
+    <dgm:linClrLst meth="repeat">
+      <a:schemeClr val="accent1"/>
+    </dgm:linClrLst>
+    <dgm:effectClrLst/>
+    <dgm:txLinClrLst/>
+    <dgm:txFillClrLst meth="repeat">
+      <a:schemeClr val="dk1"/>
+    </dgm:txFillClrLst>
+    <dgm:txEffectClrLst/>
+  </dgm:styleLbl>
+  <dgm:styleLbl name="trAlignAcc1">
+    <dgm:fillClrLst meth="repeat">
+      <a:schemeClr val="lt1">
+        <a:alpha val="40000"/>
+      </a:schemeClr>
+    </dgm:fillClrLst>
+    <dgm:linClrLst meth="repeat">
+      <a:schemeClr val="accent1"/>
+    </dgm:linClrLst>
+    <dgm:effectClrLst/>
+    <dgm:txLinClrLst/>
+    <dgm:txFillClrLst meth="repeat">
+      <a:schemeClr val="dk1"/>
+    </dgm:txFillClrLst>
+    <dgm:txEffectClrLst/>
+  </dgm:styleLbl>
+  <dgm:styleLbl name="bgAcc1">
+    <dgm:fillClrLst meth="repeat">
+      <a:schemeClr val="lt1">
+        <a:alpha val="90000"/>
+      </a:schemeClr>
+    </dgm:fillClrLst>
+    <dgm:linClrLst meth="repeat">
+      <a:schemeClr val="accent1"/>
+    </dgm:linClrLst>
+    <dgm:effectClrLst/>
+    <dgm:txLinClrLst/>
+    <dgm:txFillClrLst meth="repeat">
+      <a:schemeClr val="dk1"/>
+    </dgm:txFillClrLst>
+    <dgm:txEffectClrLst/>
+  </dgm:styleLbl>
+  <dgm:styleLbl name="solidFgAcc1">
+    <dgm:fillClrLst meth="repeat">
+      <a:schemeClr val="lt1"/>
+    </dgm:fillClrLst>
+    <dgm:linClrLst meth="repeat">
+      <a:schemeClr val="accent1"/>
+    </dgm:linClrLst>
+    <dgm:effectClrLst/>
+    <dgm:txLinClrLst/>
+    <dgm:txFillClrLst meth="repeat">
+      <a:schemeClr val="dk1"/>
+    </dgm:txFillClrLst>
+    <dgm:txEffectClrLst/>
+  </dgm:styleLbl>
+  <dgm:styleLbl name="solidAlignAcc1">
+    <dgm:fillClrLst meth="repeat">
+      <a:schemeClr val="lt1"/>
+    </dgm:fillClrLst>
+    <dgm:linClrLst meth="repeat">
+      <a:schemeClr val="accent1"/>
+    </dgm:linClrLst>
+    <dgm:effectClrLst/>
+    <dgm:txLinClrLst/>
+    <dgm:txFillClrLst meth="repeat">
+      <a:schemeClr val="dk1"/>
+    </dgm:txFillClrLst>
+    <dgm:txEffectClrLst/>
+  </dgm:styleLbl>
+  <dgm:styleLbl name="solidBgAcc1">
+    <dgm:fillClrLst meth="repeat">
+      <a:schemeClr val="lt1"/>
+    </dgm:fillClrLst>
+    <dgm:linClrLst meth="repeat">
+      <a:schemeClr val="accent1"/>
+    </dgm:linClrLst>
+    <dgm:effectClrLst/>
+    <dgm:txLinClrLst/>
+    <dgm:txFillClrLst meth="repeat">
+      <a:schemeClr val="dk1"/>
+    </dgm:txFillClrLst>
+    <dgm:txEffectClrLst/>
+  </dgm:styleLbl>
+  <dgm:styleLbl name="fgAccFollowNode1">
+    <dgm:fillClrLst meth="repeat">
+      <a:schemeClr val="accent1">
+        <a:alpha val="90000"/>
+        <a:tint val="40000"/>
+      </a:schemeClr>
+    </dgm:fillClrLst>
+    <dgm:linClrLst meth="repeat">
+      <a:schemeClr val="accent1">
+        <a:alpha val="90000"/>
+        <a:tint val="40000"/>
+      </a:schemeClr>
+    </dgm:linClrLst>
+    <dgm:effectClrLst/>
+    <dgm:txLinClrLst/>
+    <dgm:txFillClrLst meth="repeat">
+      <a:schemeClr val="dk1"/>
+    </dgm:txFillClrLst>
+    <dgm:txEffectClrLst/>
+  </dgm:styleLbl>
+  <dgm:styleLbl name="alignAccFollowNode1">
+    <dgm:fillClrLst meth="repeat">
+      <a:schemeClr val="accent1">
+        <a:alpha val="90000"/>
+        <a:tint val="40000"/>
+      </a:schemeClr>
+    </dgm:fillClrLst>
+    <dgm:linClrLst meth="repeat">
+      <a:schemeClr val="accent1">
+        <a:alpha val="90000"/>
+        <a:tint val="40000"/>
+      </a:schemeClr>
+    </dgm:linClrLst>
+    <dgm:effectClrLst/>
+    <dgm:txLinClrLst/>
+    <dgm:txFillClrLst meth="repeat">
+      <a:schemeClr val="dk1"/>
+    </dgm:txFillClrLst>
+    <dgm:txEffectClrLst/>
+  </dgm:styleLbl>
+  <dgm:styleLbl name="bgAccFollowNode1">
+    <dgm:fillClrLst meth="repeat">
+      <a:schemeClr val="accent1">
+        <a:alpha val="90000"/>
+        <a:tint val="40000"/>
+      </a:schemeClr>
+    </dgm:fillClrLst>
+    <dgm:linClrLst meth="repeat">
+      <a:schemeClr val="accent1">
+        <a:alpha val="90000"/>
+        <a:tint val="40000"/>
+      </a:schemeClr>
+    </dgm:linClrLst>
+    <dgm:effectClrLst/>
+    <dgm:txLinClrLst/>
+    <dgm:txFillClrLst meth="repeat">
+      <a:schemeClr val="dk1"/>
+    </dgm:txFillClrLst>
+    <dgm:txEffectClrLst/>
+  </dgm:styleLbl>
+  <dgm:styleLbl name="fgAcc0">
+    <dgm:fillClrLst meth="repeat">
+      <a:schemeClr val="lt1">
+        <a:alpha val="90000"/>
+      </a:schemeClr>
+    </dgm:fillClrLst>
+    <dgm:linClrLst meth="repeat">
+      <a:schemeClr val="accent1"/>
+    </dgm:linClrLst>
+    <dgm:effectClrLst/>
+    <dgm:txLinClrLst/>
+    <dgm:txFillClrLst meth="repeat">
+      <a:schemeClr val="dk1"/>
+    </dgm:txFillClrLst>
+    <dgm:txEffectClrLst/>
+  </dgm:styleLbl>
+  <dgm:styleLbl name="fgAcc2">
+    <dgm:fillClrLst meth="repeat">
+      <a:schemeClr val="lt1">
+        <a:alpha val="90000"/>
+      </a:schemeClr>
+    </dgm:fillClrLst>
+    <dgm:linClrLst meth="repeat">
+      <a:schemeClr val="accent1"/>
+    </dgm:linClrLst>
+    <dgm:effectClrLst/>
+    <dgm:txLinClrLst/>
+    <dgm:txFillClrLst meth="repeat">
+      <a:schemeClr val="dk1"/>
+    </dgm:txFillClrLst>
+    <dgm:txEffectClrLst/>
+  </dgm:styleLbl>
+  <dgm:styleLbl name="fgAcc3">
+    <dgm:fillClrLst meth="repeat">
+      <a:schemeClr val="lt1">
+        <a:alpha val="90000"/>
+      </a:schemeClr>
+    </dgm:fillClrLst>
+    <dgm:linClrLst meth="repeat">
+      <a:schemeClr val="accent1"/>
+    </dgm:linClrLst>
+    <dgm:effectClrLst/>
+    <dgm:txLinClrLst/>
+    <dgm:txFillClrLst meth="repeat">
+      <a:schemeClr val="dk1"/>
+    </dgm:txFillClrLst>
+    <dgm:txEffectClrLst/>
+  </dgm:styleLbl>
+  <dgm:styleLbl name="fgAcc4">
+    <dgm:fillClrLst meth="repeat">
+      <a:schemeClr val="lt1">
+        <a:alpha val="90000"/>
+      </a:schemeClr>
+    </dgm:fillClrLst>
+    <dgm:linClrLst meth="repeat">
+      <a:schemeClr val="accent1"/>
+    </dgm:linClrLst>
+    <dgm:effectClrLst/>
+    <dgm:txLinClrLst/>
+    <dgm:txFillClrLst meth="repeat">
+      <a:schemeClr val="dk1"/>
+    </dgm:txFillClrLst>
+    <dgm:txEffectClrLst/>
+  </dgm:styleLbl>
+  <dgm:styleLbl name="bgShp">
+    <dgm:fillClrLst meth="repeat">
+      <a:schemeClr val="accent1">
+        <a:tint val="40000"/>
+      </a:schemeClr>
+    </dgm:fillClrLst>
+    <dgm:linClrLst meth="repeat">
+      <a:schemeClr val="accent1"/>
+    </dgm:linClrLst>
+    <dgm:effectClrLst/>
+    <dgm:txLinClrLst/>
+    <dgm:txFillClrLst meth="repeat">
+      <a:schemeClr val="dk1"/>
+    </dgm:txFillClrLst>
+    <dgm:txEffectClrLst/>
+  </dgm:styleLbl>
+  <dgm:styleLbl name="dkBgShp">
+    <dgm:fillClrLst meth="repeat">
+      <a:schemeClr val="accent1">
+        <a:shade val="80000"/>
+      </a:schemeClr>
+    </dgm:fillClrLst>
+    <dgm:linClrLst meth="repeat">
+      <a:schemeClr val="accent1"/>
+    </dgm:linClrLst>
+    <dgm:effectClrLst/>
+    <dgm:txLinClrLst/>
+    <dgm:txFillClrLst meth="repeat">
+      <a:schemeClr val="lt1"/>
+    </dgm:txFillClrLst>
+    <dgm:txEffectClrLst/>
+  </dgm:styleLbl>
+  <dgm:styleLbl name="trBgShp">
+    <dgm:fillClrLst meth="repeat">
+      <a:schemeClr val="accent1">
+        <a:tint val="50000"/>
+        <a:alpha val="40000"/>
+      </a:schemeClr>
+    </dgm:fillClrLst>
+    <dgm:linClrLst meth="repeat">
+      <a:schemeClr val="accent1"/>
+    </dgm:linClrLst>
+    <dgm:effectClrLst/>
+    <dgm:txLinClrLst/>
+    <dgm:txFillClrLst meth="repeat">
+      <a:schemeClr val="lt1"/>
+    </dgm:txFillClrLst>
+    <dgm:txEffectClrLst/>
+  </dgm:styleLbl>
+  <dgm:styleLbl name="fgShp">
+    <dgm:fillClrLst meth="repeat">
+      <a:schemeClr val="accent1">
+        <a:tint val="60000"/>
+      </a:schemeClr>
+    </dgm:fillClrLst>
+    <dgm:linClrLst meth="repeat">
+      <a:schemeClr val="lt1"/>
+    </dgm:linClrLst>
+    <dgm:effectClrLst/>
+    <dgm:txLinClrLst/>
+    <dgm:txFillClrLst meth="repeat">
+      <a:schemeClr val="dk1"/>
+    </dgm:txFillClrLst>
+    <dgm:txEffectClrLst/>
+  </dgm:styleLbl>
+  <dgm:styleLbl name="revTx">
+    <dgm:fillClrLst meth="repeat">
+      <a:schemeClr val="lt1">
+        <a:alpha val="0"/>
+      </a:schemeClr>
+    </dgm:fillClrLst>
+    <dgm:linClrLst meth="repeat">
+      <a:schemeClr val="dk1">
+        <a:alpha val="0"/>
+      </a:schemeClr>
+    </dgm:linClrLst>
+    <dgm:effectClrLst/>
+    <dgm:txLinClrLst/>
+    <dgm:txFillClrLst meth="repeat">
+      <a:schemeClr val="tx1"/>
+    </dgm:txFillClrLst>
+    <dgm:txEffectClrLst/>
+  </dgm:styleLbl>
+</dgm:colorsDef>
+</file>
+
+<file path=ppt/diagrams/colors2.xml><?xml version="1.0" encoding="utf-8"?>
 <dgm:colorsDef xmlns:dgm="http://schemas.openxmlformats.org/drawingml/2006/diagram" xmlns:a="http://schemas.openxmlformats.org/drawingml/2006/main" uniqueId="urn:microsoft.com/office/officeart/2005/8/colors/accent1_2">
   <dgm:title val=""/>
   <dgm:desc val=""/>
@@ -1718,6 +2474,622 @@
     <dgm:cxn modelId="{1AEA6569-66E6-43D3-A27E-FD2D0DB8C3C0}" type="presParOf" srcId="{D62DF232-DD6D-4003-B35B-0735778C3447}" destId="{D744AC4E-CB0E-49DC-A873-99DC02777D11}" srcOrd="1" destOrd="0" presId="urn:microsoft.com/office/officeart/2005/8/layout/orgChart1"/>
     <dgm:cxn modelId="{34BED693-D28E-40D3-91F6-3CEFD4873F47}" type="presParOf" srcId="{D62DF232-DD6D-4003-B35B-0735778C3447}" destId="{31733650-C903-48BB-8731-099C731CE7BE}" srcOrd="2" destOrd="0" presId="urn:microsoft.com/office/officeart/2005/8/layout/orgChart1"/>
     <dgm:cxn modelId="{4367BFC8-DB9F-407B-849D-753DFA382108}" type="presParOf" srcId="{92AC8CD9-FBF2-45FA-B94E-20827F155476}" destId="{ADBB6823-AE4B-48A4-91CE-AD125EBADB8C}" srcOrd="2" destOrd="0" presId="urn:microsoft.com/office/officeart/2005/8/layout/orgChart1"/>
+    <dgm:cxn modelId="{C8D0F248-E1CA-4909-8FC4-2CBC5481D7DC}" type="presParOf" srcId="{E625FD9C-19BE-4930-9EF7-6530A3FC83D0}" destId="{7426A61A-43EF-46FB-9503-0F3FC6916B30}" srcOrd="2" destOrd="0" presId="urn:microsoft.com/office/officeart/2005/8/layout/orgChart1"/>
+    <dgm:cxn modelId="{68457A5B-731E-4879-97F3-1718C1F35F93}" type="presParOf" srcId="{228C2850-21ED-4DAA-8384-2275AC747DE3}" destId="{41ADE7B2-EB17-4111-8A95-AFF0DBD81853}" srcOrd="2" destOrd="0" presId="urn:microsoft.com/office/officeart/2005/8/layout/orgChart1"/>
+  </dgm:cxnLst>
+  <dgm:bg/>
+  <dgm:whole/>
+  <dgm:extLst>
+    <a:ext uri="http://schemas.microsoft.com/office/drawing/2008/diagram">
+      <dsp:dataModelExt xmlns:dsp="http://schemas.microsoft.com/office/drawing/2008/diagram" relId="rId6" minVer="http://schemas.openxmlformats.org/drawingml/2006/diagram"/>
+    </a:ext>
+  </dgm:extLst>
+</dgm:dataModel>
+</file>
+
+<file path=ppt/diagrams/data2.xml><?xml version="1.0" encoding="utf-8"?>
+<dgm:dataModel xmlns:dgm="http://schemas.openxmlformats.org/drawingml/2006/diagram" xmlns:a="http://schemas.openxmlformats.org/drawingml/2006/main">
+  <dgm:ptLst>
+    <dgm:pt modelId="{8DA55284-1CCF-49BF-9981-C431AF9FA181}" type="doc">
+      <dgm:prSet loTypeId="urn:microsoft.com/office/officeart/2005/8/layout/orgChart1" loCatId="hierarchy" qsTypeId="urn:microsoft.com/office/officeart/2005/8/quickstyle/simple1" qsCatId="simple" csTypeId="urn:microsoft.com/office/officeart/2005/8/colors/accent1_2" csCatId="accent1" phldr="1"/>
+      <dgm:spPr/>
+      <dgm:t>
+        <a:bodyPr/>
+        <a:lstStyle/>
+        <a:p>
+          <a:endParaRPr lang="en-IN"/>
+        </a:p>
+      </dgm:t>
+    </dgm:pt>
+    <dgm:pt modelId="{4A55AC6D-A3E7-4082-8B98-3A352D9D867A}">
+      <dgm:prSet phldrT="[Text]"/>
+      <dgm:spPr/>
+      <dgm:t>
+        <a:bodyPr/>
+        <a:lstStyle/>
+        <a:p>
+          <a:r>
+            <a:rPr lang="en-IN" dirty="0"/>
+            <a:t>Y Discrete and X Discrete</a:t>
+          </a:r>
+        </a:p>
+      </dgm:t>
+    </dgm:pt>
+    <dgm:pt modelId="{309F2CA6-35F9-4942-B230-FA305C250E43}" type="parTrans" cxnId="{C8A14CF2-75F7-4343-95D2-AF03DBD4F580}">
+      <dgm:prSet/>
+      <dgm:spPr/>
+      <dgm:t>
+        <a:bodyPr/>
+        <a:lstStyle/>
+        <a:p>
+          <a:endParaRPr lang="en-IN"/>
+        </a:p>
+      </dgm:t>
+    </dgm:pt>
+    <dgm:pt modelId="{88423554-7CB0-4E13-A389-E4468546C87B}" type="sibTrans" cxnId="{C8A14CF2-75F7-4343-95D2-AF03DBD4F580}">
+      <dgm:prSet/>
+      <dgm:spPr/>
+      <dgm:t>
+        <a:bodyPr/>
+        <a:lstStyle/>
+        <a:p>
+          <a:endParaRPr lang="en-IN"/>
+        </a:p>
+      </dgm:t>
+    </dgm:pt>
+    <dgm:pt modelId="{3BEF6F94-F8FE-460F-A1BE-6ABD97875FAF}">
+      <dgm:prSet phldrT="[Text]"/>
+      <dgm:spPr/>
+      <dgm:t>
+        <a:bodyPr/>
+        <a:lstStyle/>
+        <a:p>
+          <a:r>
+            <a:rPr lang="en-IN" dirty="0"/>
+            <a:t>Comparing 1 Sample vs STD</a:t>
+          </a:r>
+        </a:p>
+      </dgm:t>
+    </dgm:pt>
+    <dgm:pt modelId="{3C43000F-AC48-41C1-97CD-B7959DF94C06}" type="parTrans" cxnId="{273768D7-4722-4182-86B7-FCBC7A35B5A2}">
+      <dgm:prSet/>
+      <dgm:spPr/>
+      <dgm:t>
+        <a:bodyPr/>
+        <a:lstStyle/>
+        <a:p>
+          <a:endParaRPr lang="en-IN"/>
+        </a:p>
+      </dgm:t>
+    </dgm:pt>
+    <dgm:pt modelId="{2337A00E-C0CE-45AF-9C05-5EB4628281D9}" type="sibTrans" cxnId="{273768D7-4722-4182-86B7-FCBC7A35B5A2}">
+      <dgm:prSet/>
+      <dgm:spPr/>
+      <dgm:t>
+        <a:bodyPr/>
+        <a:lstStyle/>
+        <a:p>
+          <a:endParaRPr lang="en-IN"/>
+        </a:p>
+      </dgm:t>
+    </dgm:pt>
+    <dgm:pt modelId="{8CB6A611-4AEF-40DB-866B-BF3ED8B4389D}">
+      <dgm:prSet phldrT="[Text]"/>
+      <dgm:spPr/>
+      <dgm:t>
+        <a:bodyPr/>
+        <a:lstStyle/>
+        <a:p>
+          <a:r>
+            <a:rPr lang="en-IN" dirty="0"/>
+            <a:t>Comparing 2 samples</a:t>
+          </a:r>
+        </a:p>
+      </dgm:t>
+    </dgm:pt>
+    <dgm:pt modelId="{BFD293B9-1B4D-4E84-B9F1-9EB7B13F61CF}" type="parTrans" cxnId="{C9E7CCC8-7A27-40B4-9326-19A12F8700B0}">
+      <dgm:prSet/>
+      <dgm:spPr/>
+      <dgm:t>
+        <a:bodyPr/>
+        <a:lstStyle/>
+        <a:p>
+          <a:endParaRPr lang="en-IN"/>
+        </a:p>
+      </dgm:t>
+    </dgm:pt>
+    <dgm:pt modelId="{ADF043C8-4A0C-45C4-8836-62E13AB212CA}" type="sibTrans" cxnId="{C9E7CCC8-7A27-40B4-9326-19A12F8700B0}">
+      <dgm:prSet/>
+      <dgm:spPr/>
+      <dgm:t>
+        <a:bodyPr/>
+        <a:lstStyle/>
+        <a:p>
+          <a:endParaRPr lang="en-IN"/>
+        </a:p>
+      </dgm:t>
+    </dgm:pt>
+    <dgm:pt modelId="{F7E227F4-4377-404A-9731-F3E28E23D38B}">
+      <dgm:prSet phldrT="[Text]"/>
+      <dgm:spPr/>
+      <dgm:t>
+        <a:bodyPr/>
+        <a:lstStyle/>
+        <a:p>
+          <a:r>
+            <a:rPr lang="en-IN" dirty="0"/>
+            <a:t>Comparing 3 or more samples</a:t>
+          </a:r>
+        </a:p>
+      </dgm:t>
+    </dgm:pt>
+    <dgm:pt modelId="{315856A1-3865-482B-AC2C-2EB771619FEF}" type="parTrans" cxnId="{A40C9E9C-E001-4B43-BEAF-50DEF2A48527}">
+      <dgm:prSet/>
+      <dgm:spPr/>
+      <dgm:t>
+        <a:bodyPr/>
+        <a:lstStyle/>
+        <a:p>
+          <a:endParaRPr lang="en-IN"/>
+        </a:p>
+      </dgm:t>
+    </dgm:pt>
+    <dgm:pt modelId="{B3026D53-DE4A-47FE-A0E2-3769C7079A6A}" type="sibTrans" cxnId="{A40C9E9C-E001-4B43-BEAF-50DEF2A48527}">
+      <dgm:prSet/>
+      <dgm:spPr/>
+      <dgm:t>
+        <a:bodyPr/>
+        <a:lstStyle/>
+        <a:p>
+          <a:endParaRPr lang="en-IN"/>
+        </a:p>
+      </dgm:t>
+    </dgm:pt>
+    <dgm:pt modelId="{62529482-48BF-48AB-A244-8A97731CCF80}">
+      <dgm:prSet phldrT="[Text]"/>
+      <dgm:spPr/>
+      <dgm:t>
+        <a:bodyPr/>
+        <a:lstStyle/>
+        <a:p>
+          <a:r>
+            <a:rPr lang="en-IN" dirty="0"/>
+            <a:t>1 proportion test</a:t>
+          </a:r>
+        </a:p>
+      </dgm:t>
+    </dgm:pt>
+    <dgm:pt modelId="{A21A008D-AED6-410C-8AE4-127F0FB04A43}" type="parTrans" cxnId="{3E093F29-4B7B-4A96-886B-A0C99DC15D03}">
+      <dgm:prSet/>
+      <dgm:spPr/>
+      <dgm:t>
+        <a:bodyPr/>
+        <a:lstStyle/>
+        <a:p>
+          <a:endParaRPr lang="en-IN"/>
+        </a:p>
+      </dgm:t>
+    </dgm:pt>
+    <dgm:pt modelId="{E5EE6DFE-1F1C-4F2D-BAAC-6B6333789D87}" type="sibTrans" cxnId="{3E093F29-4B7B-4A96-886B-A0C99DC15D03}">
+      <dgm:prSet/>
+      <dgm:spPr/>
+      <dgm:t>
+        <a:bodyPr/>
+        <a:lstStyle/>
+        <a:p>
+          <a:endParaRPr lang="en-IN"/>
+        </a:p>
+      </dgm:t>
+    </dgm:pt>
+    <dgm:pt modelId="{DC43CF29-5289-43D1-A614-B0335DB3776B}">
+      <dgm:prSet phldrT="[Text]"/>
+      <dgm:spPr/>
+      <dgm:t>
+        <a:bodyPr/>
+        <a:lstStyle/>
+        <a:p>
+          <a:r>
+            <a:rPr lang="en-IN" dirty="0"/>
+            <a:t>2 Proportion test</a:t>
+          </a:r>
+        </a:p>
+      </dgm:t>
+    </dgm:pt>
+    <dgm:pt modelId="{DF1157DA-35E4-4C4C-B5B5-B85B2566805B}" type="parTrans" cxnId="{BFED1E56-A21B-4E86-AAC9-071440D5066C}">
+      <dgm:prSet/>
+      <dgm:spPr/>
+      <dgm:t>
+        <a:bodyPr/>
+        <a:lstStyle/>
+        <a:p>
+          <a:endParaRPr lang="en-IN"/>
+        </a:p>
+      </dgm:t>
+    </dgm:pt>
+    <dgm:pt modelId="{6C5FCCC2-93F5-4E42-BD3F-B3CAD277ACB1}" type="sibTrans" cxnId="{BFED1E56-A21B-4E86-AAC9-071440D5066C}">
+      <dgm:prSet/>
+      <dgm:spPr/>
+      <dgm:t>
+        <a:bodyPr/>
+        <a:lstStyle/>
+        <a:p>
+          <a:endParaRPr lang="en-IN"/>
+        </a:p>
+      </dgm:t>
+    </dgm:pt>
+    <dgm:pt modelId="{CE57C6CE-9196-4E9C-ABAC-9683D4D5682E}">
+      <dgm:prSet phldrT="[Text]"/>
+      <dgm:spPr/>
+      <dgm:t>
+        <a:bodyPr/>
+        <a:lstStyle/>
+        <a:p>
+          <a:r>
+            <a:rPr lang="en-IN" dirty="0"/>
+            <a:t>Chi square test</a:t>
+          </a:r>
+        </a:p>
+      </dgm:t>
+    </dgm:pt>
+    <dgm:pt modelId="{8C2A6E66-24DC-42AA-AC96-A6272C2DEB1C}" type="parTrans" cxnId="{42EF6F26-3CFB-4E21-AF40-C4C9E5398126}">
+      <dgm:prSet/>
+      <dgm:spPr/>
+      <dgm:t>
+        <a:bodyPr/>
+        <a:lstStyle/>
+        <a:p>
+          <a:endParaRPr lang="en-IN"/>
+        </a:p>
+      </dgm:t>
+    </dgm:pt>
+    <dgm:pt modelId="{BA29B194-3764-4665-A01F-7CA96211976A}" type="sibTrans" cxnId="{42EF6F26-3CFB-4E21-AF40-C4C9E5398126}">
+      <dgm:prSet/>
+      <dgm:spPr/>
+      <dgm:t>
+        <a:bodyPr/>
+        <a:lstStyle/>
+        <a:p>
+          <a:endParaRPr lang="en-IN"/>
+        </a:p>
+      </dgm:t>
+    </dgm:pt>
+    <dgm:pt modelId="{1F86791B-A5E0-4A22-9807-CAD6B0586C04}" type="pres">
+      <dgm:prSet presAssocID="{8DA55284-1CCF-49BF-9981-C431AF9FA181}" presName="hierChild1" presStyleCnt="0">
+        <dgm:presLayoutVars>
+          <dgm:orgChart val="1"/>
+          <dgm:chPref val="1"/>
+          <dgm:dir/>
+          <dgm:animOne val="branch"/>
+          <dgm:animLvl val="lvl"/>
+          <dgm:resizeHandles/>
+        </dgm:presLayoutVars>
+      </dgm:prSet>
+      <dgm:spPr/>
+    </dgm:pt>
+    <dgm:pt modelId="{228C2850-21ED-4DAA-8384-2275AC747DE3}" type="pres">
+      <dgm:prSet presAssocID="{4A55AC6D-A3E7-4082-8B98-3A352D9D867A}" presName="hierRoot1" presStyleCnt="0">
+        <dgm:presLayoutVars>
+          <dgm:hierBranch val="init"/>
+        </dgm:presLayoutVars>
+      </dgm:prSet>
+      <dgm:spPr/>
+    </dgm:pt>
+    <dgm:pt modelId="{06E5122C-2BDF-4C9F-8C4F-52324AA17F80}" type="pres">
+      <dgm:prSet presAssocID="{4A55AC6D-A3E7-4082-8B98-3A352D9D867A}" presName="rootComposite1" presStyleCnt="0"/>
+      <dgm:spPr/>
+    </dgm:pt>
+    <dgm:pt modelId="{709FC6EA-C7F0-418B-ABCC-DA68F57C2C2F}" type="pres">
+      <dgm:prSet presAssocID="{4A55AC6D-A3E7-4082-8B98-3A352D9D867A}" presName="rootText1" presStyleLbl="node0" presStyleIdx="0" presStyleCnt="1">
+        <dgm:presLayoutVars>
+          <dgm:chPref val="3"/>
+        </dgm:presLayoutVars>
+      </dgm:prSet>
+      <dgm:spPr/>
+    </dgm:pt>
+    <dgm:pt modelId="{5903DD3C-06F7-4446-AD27-811A20D1E646}" type="pres">
+      <dgm:prSet presAssocID="{4A55AC6D-A3E7-4082-8B98-3A352D9D867A}" presName="rootConnector1" presStyleLbl="node1" presStyleIdx="0" presStyleCnt="0"/>
+      <dgm:spPr/>
+    </dgm:pt>
+    <dgm:pt modelId="{F1319B9D-7492-4B1C-8494-280DE83B8CF6}" type="pres">
+      <dgm:prSet presAssocID="{4A55AC6D-A3E7-4082-8B98-3A352D9D867A}" presName="hierChild2" presStyleCnt="0"/>
+      <dgm:spPr/>
+    </dgm:pt>
+    <dgm:pt modelId="{238602D2-C068-43F2-A1A0-1588172155E9}" type="pres">
+      <dgm:prSet presAssocID="{3C43000F-AC48-41C1-97CD-B7959DF94C06}" presName="Name37" presStyleLbl="parChTrans1D2" presStyleIdx="0" presStyleCnt="3"/>
+      <dgm:spPr/>
+    </dgm:pt>
+    <dgm:pt modelId="{F6C4FB96-1B6B-4D0B-A0D2-EB776AC9BA3F}" type="pres">
+      <dgm:prSet presAssocID="{3BEF6F94-F8FE-460F-A1BE-6ABD97875FAF}" presName="hierRoot2" presStyleCnt="0">
+        <dgm:presLayoutVars>
+          <dgm:hierBranch val="init"/>
+        </dgm:presLayoutVars>
+      </dgm:prSet>
+      <dgm:spPr/>
+    </dgm:pt>
+    <dgm:pt modelId="{7BEB8E56-B030-435E-ACC0-43E4C4E5C263}" type="pres">
+      <dgm:prSet presAssocID="{3BEF6F94-F8FE-460F-A1BE-6ABD97875FAF}" presName="rootComposite" presStyleCnt="0"/>
+      <dgm:spPr/>
+    </dgm:pt>
+    <dgm:pt modelId="{2D5D1C48-F656-47B5-B75E-15647533336D}" type="pres">
+      <dgm:prSet presAssocID="{3BEF6F94-F8FE-460F-A1BE-6ABD97875FAF}" presName="rootText" presStyleLbl="node2" presStyleIdx="0" presStyleCnt="3">
+        <dgm:presLayoutVars>
+          <dgm:chPref val="3"/>
+        </dgm:presLayoutVars>
+      </dgm:prSet>
+      <dgm:spPr/>
+    </dgm:pt>
+    <dgm:pt modelId="{F2923F78-16D9-4787-94B0-6FDE5A9AE9D5}" type="pres">
+      <dgm:prSet presAssocID="{3BEF6F94-F8FE-460F-A1BE-6ABD97875FAF}" presName="rootConnector" presStyleLbl="node2" presStyleIdx="0" presStyleCnt="3"/>
+      <dgm:spPr/>
+    </dgm:pt>
+    <dgm:pt modelId="{4DBBB0FD-15C5-4560-B312-34F20C7C82F0}" type="pres">
+      <dgm:prSet presAssocID="{3BEF6F94-F8FE-460F-A1BE-6ABD97875FAF}" presName="hierChild4" presStyleCnt="0"/>
+      <dgm:spPr/>
+    </dgm:pt>
+    <dgm:pt modelId="{214C405F-360A-46F1-9308-B6EEB7D28035}" type="pres">
+      <dgm:prSet presAssocID="{A21A008D-AED6-410C-8AE4-127F0FB04A43}" presName="Name37" presStyleLbl="parChTrans1D3" presStyleIdx="0" presStyleCnt="3"/>
+      <dgm:spPr/>
+    </dgm:pt>
+    <dgm:pt modelId="{E9F9956F-6246-4707-9E6D-A448C9E7323A}" type="pres">
+      <dgm:prSet presAssocID="{62529482-48BF-48AB-A244-8A97731CCF80}" presName="hierRoot2" presStyleCnt="0">
+        <dgm:presLayoutVars>
+          <dgm:hierBranch val="init"/>
+        </dgm:presLayoutVars>
+      </dgm:prSet>
+      <dgm:spPr/>
+    </dgm:pt>
+    <dgm:pt modelId="{897BB96A-F634-49E1-8A33-9BEA3F0FC54B}" type="pres">
+      <dgm:prSet presAssocID="{62529482-48BF-48AB-A244-8A97731CCF80}" presName="rootComposite" presStyleCnt="0"/>
+      <dgm:spPr/>
+    </dgm:pt>
+    <dgm:pt modelId="{3D1242C6-6CBF-4BC9-82CB-6F98B2DDFF50}" type="pres">
+      <dgm:prSet presAssocID="{62529482-48BF-48AB-A244-8A97731CCF80}" presName="rootText" presStyleLbl="node3" presStyleIdx="0" presStyleCnt="3">
+        <dgm:presLayoutVars>
+          <dgm:chPref val="3"/>
+        </dgm:presLayoutVars>
+      </dgm:prSet>
+      <dgm:spPr/>
+    </dgm:pt>
+    <dgm:pt modelId="{02E49C11-8CE2-4377-B961-9ABC2933E227}" type="pres">
+      <dgm:prSet presAssocID="{62529482-48BF-48AB-A244-8A97731CCF80}" presName="rootConnector" presStyleLbl="node3" presStyleIdx="0" presStyleCnt="3"/>
+      <dgm:spPr/>
+    </dgm:pt>
+    <dgm:pt modelId="{AF23C316-58A7-4C08-A60B-8747648E26C6}" type="pres">
+      <dgm:prSet presAssocID="{62529482-48BF-48AB-A244-8A97731CCF80}" presName="hierChild4" presStyleCnt="0"/>
+      <dgm:spPr/>
+    </dgm:pt>
+    <dgm:pt modelId="{60BB7493-0FAF-4BBD-B3B5-79119D95053B}" type="pres">
+      <dgm:prSet presAssocID="{62529482-48BF-48AB-A244-8A97731CCF80}" presName="hierChild5" presStyleCnt="0"/>
+      <dgm:spPr/>
+    </dgm:pt>
+    <dgm:pt modelId="{D361885D-DB0D-4372-A253-9BE8CF6D0582}" type="pres">
+      <dgm:prSet presAssocID="{3BEF6F94-F8FE-460F-A1BE-6ABD97875FAF}" presName="hierChild5" presStyleCnt="0"/>
+      <dgm:spPr/>
+    </dgm:pt>
+    <dgm:pt modelId="{488EAE43-3466-4138-ACC5-4D1425CA0AED}" type="pres">
+      <dgm:prSet presAssocID="{BFD293B9-1B4D-4E84-B9F1-9EB7B13F61CF}" presName="Name37" presStyleLbl="parChTrans1D2" presStyleIdx="1" presStyleCnt="3"/>
+      <dgm:spPr/>
+    </dgm:pt>
+    <dgm:pt modelId="{60D2B8E8-889B-43C7-8D0E-4AD313770ECA}" type="pres">
+      <dgm:prSet presAssocID="{8CB6A611-4AEF-40DB-866B-BF3ED8B4389D}" presName="hierRoot2" presStyleCnt="0">
+        <dgm:presLayoutVars>
+          <dgm:hierBranch val="init"/>
+        </dgm:presLayoutVars>
+      </dgm:prSet>
+      <dgm:spPr/>
+    </dgm:pt>
+    <dgm:pt modelId="{8A4B86A1-1117-4550-B351-3842CE1C7F00}" type="pres">
+      <dgm:prSet presAssocID="{8CB6A611-4AEF-40DB-866B-BF3ED8B4389D}" presName="rootComposite" presStyleCnt="0"/>
+      <dgm:spPr/>
+    </dgm:pt>
+    <dgm:pt modelId="{E7980DA6-D7F5-4899-BB40-5D2D54294AC5}" type="pres">
+      <dgm:prSet presAssocID="{8CB6A611-4AEF-40DB-866B-BF3ED8B4389D}" presName="rootText" presStyleLbl="node2" presStyleIdx="1" presStyleCnt="3">
+        <dgm:presLayoutVars>
+          <dgm:chPref val="3"/>
+        </dgm:presLayoutVars>
+      </dgm:prSet>
+      <dgm:spPr/>
+    </dgm:pt>
+    <dgm:pt modelId="{FC607072-4115-4787-A327-4E69653660CB}" type="pres">
+      <dgm:prSet presAssocID="{8CB6A611-4AEF-40DB-866B-BF3ED8B4389D}" presName="rootConnector" presStyleLbl="node2" presStyleIdx="1" presStyleCnt="3"/>
+      <dgm:spPr/>
+    </dgm:pt>
+    <dgm:pt modelId="{D72A4BF6-2D89-4051-A309-5626A92BC9A7}" type="pres">
+      <dgm:prSet presAssocID="{8CB6A611-4AEF-40DB-866B-BF3ED8B4389D}" presName="hierChild4" presStyleCnt="0"/>
+      <dgm:spPr/>
+    </dgm:pt>
+    <dgm:pt modelId="{D244FA5F-90FB-4EE4-BB3D-77805BD144D9}" type="pres">
+      <dgm:prSet presAssocID="{DF1157DA-35E4-4C4C-B5B5-B85B2566805B}" presName="Name37" presStyleLbl="parChTrans1D3" presStyleIdx="1" presStyleCnt="3"/>
+      <dgm:spPr/>
+    </dgm:pt>
+    <dgm:pt modelId="{E2DB266D-1E13-43E9-9649-2D4D9633C830}" type="pres">
+      <dgm:prSet presAssocID="{DC43CF29-5289-43D1-A614-B0335DB3776B}" presName="hierRoot2" presStyleCnt="0">
+        <dgm:presLayoutVars>
+          <dgm:hierBranch val="init"/>
+        </dgm:presLayoutVars>
+      </dgm:prSet>
+      <dgm:spPr/>
+    </dgm:pt>
+    <dgm:pt modelId="{4EC4CC51-9BCD-4AFF-9DEB-9E5FA4BD1926}" type="pres">
+      <dgm:prSet presAssocID="{DC43CF29-5289-43D1-A614-B0335DB3776B}" presName="rootComposite" presStyleCnt="0"/>
+      <dgm:spPr/>
+    </dgm:pt>
+    <dgm:pt modelId="{17277B9A-E85E-4E05-BEA2-85A42A0067EB}" type="pres">
+      <dgm:prSet presAssocID="{DC43CF29-5289-43D1-A614-B0335DB3776B}" presName="rootText" presStyleLbl="node3" presStyleIdx="1" presStyleCnt="3">
+        <dgm:presLayoutVars>
+          <dgm:chPref val="3"/>
+        </dgm:presLayoutVars>
+      </dgm:prSet>
+      <dgm:spPr/>
+    </dgm:pt>
+    <dgm:pt modelId="{80180DF4-1044-4364-AA6A-BCBCEED9C6E5}" type="pres">
+      <dgm:prSet presAssocID="{DC43CF29-5289-43D1-A614-B0335DB3776B}" presName="rootConnector" presStyleLbl="node3" presStyleIdx="1" presStyleCnt="3"/>
+      <dgm:spPr/>
+    </dgm:pt>
+    <dgm:pt modelId="{A58C6CEB-2DF8-4D60-91E6-00819146C501}" type="pres">
+      <dgm:prSet presAssocID="{DC43CF29-5289-43D1-A614-B0335DB3776B}" presName="hierChild4" presStyleCnt="0"/>
+      <dgm:spPr/>
+    </dgm:pt>
+    <dgm:pt modelId="{15D429D7-34CC-4022-B290-93C1446DAB6D}" type="pres">
+      <dgm:prSet presAssocID="{DC43CF29-5289-43D1-A614-B0335DB3776B}" presName="hierChild5" presStyleCnt="0"/>
+      <dgm:spPr/>
+    </dgm:pt>
+    <dgm:pt modelId="{9578C813-2878-43B3-8201-93D7F1B7AC3D}" type="pres">
+      <dgm:prSet presAssocID="{8CB6A611-4AEF-40DB-866B-BF3ED8B4389D}" presName="hierChild5" presStyleCnt="0"/>
+      <dgm:spPr/>
+    </dgm:pt>
+    <dgm:pt modelId="{AF5DD339-5D8B-4EA9-A528-2C5695F726D6}" type="pres">
+      <dgm:prSet presAssocID="{315856A1-3865-482B-AC2C-2EB771619FEF}" presName="Name37" presStyleLbl="parChTrans1D2" presStyleIdx="2" presStyleCnt="3"/>
+      <dgm:spPr/>
+    </dgm:pt>
+    <dgm:pt modelId="{E625FD9C-19BE-4930-9EF7-6530A3FC83D0}" type="pres">
+      <dgm:prSet presAssocID="{F7E227F4-4377-404A-9731-F3E28E23D38B}" presName="hierRoot2" presStyleCnt="0">
+        <dgm:presLayoutVars>
+          <dgm:hierBranch val="init"/>
+        </dgm:presLayoutVars>
+      </dgm:prSet>
+      <dgm:spPr/>
+    </dgm:pt>
+    <dgm:pt modelId="{4F4DE95A-B6F2-404B-BDFE-2AF639CF62DC}" type="pres">
+      <dgm:prSet presAssocID="{F7E227F4-4377-404A-9731-F3E28E23D38B}" presName="rootComposite" presStyleCnt="0"/>
+      <dgm:spPr/>
+    </dgm:pt>
+    <dgm:pt modelId="{97DE37A4-1B39-4071-B379-709E0C93E118}" type="pres">
+      <dgm:prSet presAssocID="{F7E227F4-4377-404A-9731-F3E28E23D38B}" presName="rootText" presStyleLbl="node2" presStyleIdx="2" presStyleCnt="3">
+        <dgm:presLayoutVars>
+          <dgm:chPref val="3"/>
+        </dgm:presLayoutVars>
+      </dgm:prSet>
+      <dgm:spPr/>
+    </dgm:pt>
+    <dgm:pt modelId="{B096FF6A-B0FC-4CE0-8F1C-A5D80542D94F}" type="pres">
+      <dgm:prSet presAssocID="{F7E227F4-4377-404A-9731-F3E28E23D38B}" presName="rootConnector" presStyleLbl="node2" presStyleIdx="2" presStyleCnt="3"/>
+      <dgm:spPr/>
+    </dgm:pt>
+    <dgm:pt modelId="{011D1B1F-302A-49D1-83E3-577ECC6DCEBA}" type="pres">
+      <dgm:prSet presAssocID="{F7E227F4-4377-404A-9731-F3E28E23D38B}" presName="hierChild4" presStyleCnt="0"/>
+      <dgm:spPr/>
+    </dgm:pt>
+    <dgm:pt modelId="{F72C8B48-6617-4330-B6B7-1AEC3534D5DC}" type="pres">
+      <dgm:prSet presAssocID="{8C2A6E66-24DC-42AA-AC96-A6272C2DEB1C}" presName="Name37" presStyleLbl="parChTrans1D3" presStyleIdx="2" presStyleCnt="3"/>
+      <dgm:spPr/>
+    </dgm:pt>
+    <dgm:pt modelId="{4228E82D-D699-4730-B410-A52DA9E7AEE9}" type="pres">
+      <dgm:prSet presAssocID="{CE57C6CE-9196-4E9C-ABAC-9683D4D5682E}" presName="hierRoot2" presStyleCnt="0">
+        <dgm:presLayoutVars>
+          <dgm:hierBranch val="init"/>
+        </dgm:presLayoutVars>
+      </dgm:prSet>
+      <dgm:spPr/>
+    </dgm:pt>
+    <dgm:pt modelId="{9B070AA5-D219-4E6B-891A-A6FB30768C07}" type="pres">
+      <dgm:prSet presAssocID="{CE57C6CE-9196-4E9C-ABAC-9683D4D5682E}" presName="rootComposite" presStyleCnt="0"/>
+      <dgm:spPr/>
+    </dgm:pt>
+    <dgm:pt modelId="{1C411A76-B1EE-4ECC-91DA-461D2F53273A}" type="pres">
+      <dgm:prSet presAssocID="{CE57C6CE-9196-4E9C-ABAC-9683D4D5682E}" presName="rootText" presStyleLbl="node3" presStyleIdx="2" presStyleCnt="3">
+        <dgm:presLayoutVars>
+          <dgm:chPref val="3"/>
+        </dgm:presLayoutVars>
+      </dgm:prSet>
+      <dgm:spPr/>
+    </dgm:pt>
+    <dgm:pt modelId="{F166B057-3F8F-4E22-BB02-6FDFA6ADD564}" type="pres">
+      <dgm:prSet presAssocID="{CE57C6CE-9196-4E9C-ABAC-9683D4D5682E}" presName="rootConnector" presStyleLbl="node3" presStyleIdx="2" presStyleCnt="3"/>
+      <dgm:spPr/>
+    </dgm:pt>
+    <dgm:pt modelId="{C2165485-8EC3-442E-8F44-932F0E76E821}" type="pres">
+      <dgm:prSet presAssocID="{CE57C6CE-9196-4E9C-ABAC-9683D4D5682E}" presName="hierChild4" presStyleCnt="0"/>
+      <dgm:spPr/>
+    </dgm:pt>
+    <dgm:pt modelId="{7F66B977-45CA-4428-A384-C3AF1F897B68}" type="pres">
+      <dgm:prSet presAssocID="{CE57C6CE-9196-4E9C-ABAC-9683D4D5682E}" presName="hierChild5" presStyleCnt="0"/>
+      <dgm:spPr/>
+    </dgm:pt>
+    <dgm:pt modelId="{7426A61A-43EF-46FB-9503-0F3FC6916B30}" type="pres">
+      <dgm:prSet presAssocID="{F7E227F4-4377-404A-9731-F3E28E23D38B}" presName="hierChild5" presStyleCnt="0"/>
+      <dgm:spPr/>
+    </dgm:pt>
+    <dgm:pt modelId="{41ADE7B2-EB17-4111-8A95-AFF0DBD81853}" type="pres">
+      <dgm:prSet presAssocID="{4A55AC6D-A3E7-4082-8B98-3A352D9D867A}" presName="hierChild3" presStyleCnt="0"/>
+      <dgm:spPr/>
+    </dgm:pt>
+  </dgm:ptLst>
+  <dgm:cxnLst>
+    <dgm:cxn modelId="{93662513-F907-4878-BD35-5A5C588515CE}" type="presOf" srcId="{DF1157DA-35E4-4C4C-B5B5-B85B2566805B}" destId="{D244FA5F-90FB-4EE4-BB3D-77805BD144D9}" srcOrd="0" destOrd="0" presId="urn:microsoft.com/office/officeart/2005/8/layout/orgChart1"/>
+    <dgm:cxn modelId="{E9BA5722-6D17-46DD-A072-D1E52640E355}" type="presOf" srcId="{3C43000F-AC48-41C1-97CD-B7959DF94C06}" destId="{238602D2-C068-43F2-A1A0-1588172155E9}" srcOrd="0" destOrd="0" presId="urn:microsoft.com/office/officeart/2005/8/layout/orgChart1"/>
+    <dgm:cxn modelId="{42EF6F26-3CFB-4E21-AF40-C4C9E5398126}" srcId="{F7E227F4-4377-404A-9731-F3E28E23D38B}" destId="{CE57C6CE-9196-4E9C-ABAC-9683D4D5682E}" srcOrd="0" destOrd="0" parTransId="{8C2A6E66-24DC-42AA-AC96-A6272C2DEB1C}" sibTransId="{BA29B194-3764-4665-A01F-7CA96211976A}"/>
+    <dgm:cxn modelId="{3E093F29-4B7B-4A96-886B-A0C99DC15D03}" srcId="{3BEF6F94-F8FE-460F-A1BE-6ABD97875FAF}" destId="{62529482-48BF-48AB-A244-8A97731CCF80}" srcOrd="0" destOrd="0" parTransId="{A21A008D-AED6-410C-8AE4-127F0FB04A43}" sibTransId="{E5EE6DFE-1F1C-4F2D-BAAC-6B6333789D87}"/>
+    <dgm:cxn modelId="{646AA74B-E83C-4C4A-B507-3A8ED8D77BE3}" type="presOf" srcId="{8CB6A611-4AEF-40DB-866B-BF3ED8B4389D}" destId="{FC607072-4115-4787-A327-4E69653660CB}" srcOrd="1" destOrd="0" presId="urn:microsoft.com/office/officeart/2005/8/layout/orgChart1"/>
+    <dgm:cxn modelId="{84DAF76B-C8AB-419B-B344-C89B607D5CF2}" type="presOf" srcId="{315856A1-3865-482B-AC2C-2EB771619FEF}" destId="{AF5DD339-5D8B-4EA9-A528-2C5695F726D6}" srcOrd="0" destOrd="0" presId="urn:microsoft.com/office/officeart/2005/8/layout/orgChart1"/>
+    <dgm:cxn modelId="{FBF3BA6D-2998-4A01-BF0D-E4BA5FC92644}" type="presOf" srcId="{8C2A6E66-24DC-42AA-AC96-A6272C2DEB1C}" destId="{F72C8B48-6617-4330-B6B7-1AEC3534D5DC}" srcOrd="0" destOrd="0" presId="urn:microsoft.com/office/officeart/2005/8/layout/orgChart1"/>
+    <dgm:cxn modelId="{5E367C6E-4226-4A65-8125-5A36DF9936A9}" type="presOf" srcId="{4A55AC6D-A3E7-4082-8B98-3A352D9D867A}" destId="{5903DD3C-06F7-4446-AD27-811A20D1E646}" srcOrd="1" destOrd="0" presId="urn:microsoft.com/office/officeart/2005/8/layout/orgChart1"/>
+    <dgm:cxn modelId="{154DF170-B5D2-415F-8C9E-A87F0D5156C8}" type="presOf" srcId="{DC43CF29-5289-43D1-A614-B0335DB3776B}" destId="{80180DF4-1044-4364-AA6A-BCBCEED9C6E5}" srcOrd="1" destOrd="0" presId="urn:microsoft.com/office/officeart/2005/8/layout/orgChart1"/>
+    <dgm:cxn modelId="{897FF353-3F45-48BB-B788-5DCCE53618FD}" type="presOf" srcId="{CE57C6CE-9196-4E9C-ABAC-9683D4D5682E}" destId="{1C411A76-B1EE-4ECC-91DA-461D2F53273A}" srcOrd="0" destOrd="0" presId="urn:microsoft.com/office/officeart/2005/8/layout/orgChart1"/>
+    <dgm:cxn modelId="{06285F54-0500-474F-88F7-9A9BA8A19FC0}" type="presOf" srcId="{3BEF6F94-F8FE-460F-A1BE-6ABD97875FAF}" destId="{2D5D1C48-F656-47B5-B75E-15647533336D}" srcOrd="0" destOrd="0" presId="urn:microsoft.com/office/officeart/2005/8/layout/orgChart1"/>
+    <dgm:cxn modelId="{BFED1E56-A21B-4E86-AAC9-071440D5066C}" srcId="{8CB6A611-4AEF-40DB-866B-BF3ED8B4389D}" destId="{DC43CF29-5289-43D1-A614-B0335DB3776B}" srcOrd="0" destOrd="0" parTransId="{DF1157DA-35E4-4C4C-B5B5-B85B2566805B}" sibTransId="{6C5FCCC2-93F5-4E42-BD3F-B3CAD277ACB1}"/>
+    <dgm:cxn modelId="{6EDA045A-0337-48A6-9067-7F5AF4D2F8FF}" type="presOf" srcId="{3BEF6F94-F8FE-460F-A1BE-6ABD97875FAF}" destId="{F2923F78-16D9-4787-94B0-6FDE5A9AE9D5}" srcOrd="1" destOrd="0" presId="urn:microsoft.com/office/officeart/2005/8/layout/orgChart1"/>
+    <dgm:cxn modelId="{01BEFC7C-9C70-4E10-B902-737ED29C4A0D}" type="presOf" srcId="{62529482-48BF-48AB-A244-8A97731CCF80}" destId="{02E49C11-8CE2-4377-B961-9ABC2933E227}" srcOrd="1" destOrd="0" presId="urn:microsoft.com/office/officeart/2005/8/layout/orgChart1"/>
+    <dgm:cxn modelId="{6FE2E99B-73AC-436D-88DA-A5D223E9D1C7}" type="presOf" srcId="{A21A008D-AED6-410C-8AE4-127F0FB04A43}" destId="{214C405F-360A-46F1-9308-B6EEB7D28035}" srcOrd="0" destOrd="0" presId="urn:microsoft.com/office/officeart/2005/8/layout/orgChart1"/>
+    <dgm:cxn modelId="{A40C9E9C-E001-4B43-BEAF-50DEF2A48527}" srcId="{4A55AC6D-A3E7-4082-8B98-3A352D9D867A}" destId="{F7E227F4-4377-404A-9731-F3E28E23D38B}" srcOrd="2" destOrd="0" parTransId="{315856A1-3865-482B-AC2C-2EB771619FEF}" sibTransId="{B3026D53-DE4A-47FE-A0E2-3769C7079A6A}"/>
+    <dgm:cxn modelId="{DAE6E4A4-E91E-47E2-AAEE-2BCC644D9896}" type="presOf" srcId="{4A55AC6D-A3E7-4082-8B98-3A352D9D867A}" destId="{709FC6EA-C7F0-418B-ABCC-DA68F57C2C2F}" srcOrd="0" destOrd="0" presId="urn:microsoft.com/office/officeart/2005/8/layout/orgChart1"/>
+    <dgm:cxn modelId="{E8713ABC-516F-431D-9656-87CA8DEE0A5A}" type="presOf" srcId="{62529482-48BF-48AB-A244-8A97731CCF80}" destId="{3D1242C6-6CBF-4BC9-82CB-6F98B2DDFF50}" srcOrd="0" destOrd="0" presId="urn:microsoft.com/office/officeart/2005/8/layout/orgChart1"/>
+    <dgm:cxn modelId="{824C53C6-6EC3-457C-839D-217B4040A426}" type="presOf" srcId="{8CB6A611-4AEF-40DB-866B-BF3ED8B4389D}" destId="{E7980DA6-D7F5-4899-BB40-5D2D54294AC5}" srcOrd="0" destOrd="0" presId="urn:microsoft.com/office/officeart/2005/8/layout/orgChart1"/>
+    <dgm:cxn modelId="{C9E7CCC8-7A27-40B4-9326-19A12F8700B0}" srcId="{4A55AC6D-A3E7-4082-8B98-3A352D9D867A}" destId="{8CB6A611-4AEF-40DB-866B-BF3ED8B4389D}" srcOrd="1" destOrd="0" parTransId="{BFD293B9-1B4D-4E84-B9F1-9EB7B13F61CF}" sibTransId="{ADF043C8-4A0C-45C4-8836-62E13AB212CA}"/>
+    <dgm:cxn modelId="{F67C10CA-8E90-4E7C-ADF8-585C859CF875}" type="presOf" srcId="{8DA55284-1CCF-49BF-9981-C431AF9FA181}" destId="{1F86791B-A5E0-4A22-9807-CAD6B0586C04}" srcOrd="0" destOrd="0" presId="urn:microsoft.com/office/officeart/2005/8/layout/orgChart1"/>
+    <dgm:cxn modelId="{72B03ECA-ED05-4D1A-B1E1-C72F646855AE}" type="presOf" srcId="{DC43CF29-5289-43D1-A614-B0335DB3776B}" destId="{17277B9A-E85E-4E05-BEA2-85A42A0067EB}" srcOrd="0" destOrd="0" presId="urn:microsoft.com/office/officeart/2005/8/layout/orgChart1"/>
+    <dgm:cxn modelId="{8509C6CD-C7DA-4C2D-892E-581E882D4F8D}" type="presOf" srcId="{F7E227F4-4377-404A-9731-F3E28E23D38B}" destId="{97DE37A4-1B39-4071-B379-709E0C93E118}" srcOrd="0" destOrd="0" presId="urn:microsoft.com/office/officeart/2005/8/layout/orgChart1"/>
+    <dgm:cxn modelId="{273768D7-4722-4182-86B7-FCBC7A35B5A2}" srcId="{4A55AC6D-A3E7-4082-8B98-3A352D9D867A}" destId="{3BEF6F94-F8FE-460F-A1BE-6ABD97875FAF}" srcOrd="0" destOrd="0" parTransId="{3C43000F-AC48-41C1-97CD-B7959DF94C06}" sibTransId="{2337A00E-C0CE-45AF-9C05-5EB4628281D9}"/>
+    <dgm:cxn modelId="{671F87E6-E2B0-4BED-846B-4EC86951380D}" type="presOf" srcId="{F7E227F4-4377-404A-9731-F3E28E23D38B}" destId="{B096FF6A-B0FC-4CE0-8F1C-A5D80542D94F}" srcOrd="1" destOrd="0" presId="urn:microsoft.com/office/officeart/2005/8/layout/orgChart1"/>
+    <dgm:cxn modelId="{F4079DE8-D529-4CC8-AA24-040378AAC63F}" type="presOf" srcId="{BFD293B9-1B4D-4E84-B9F1-9EB7B13F61CF}" destId="{488EAE43-3466-4138-ACC5-4D1425CA0AED}" srcOrd="0" destOrd="0" presId="urn:microsoft.com/office/officeart/2005/8/layout/orgChart1"/>
+    <dgm:cxn modelId="{C8A14CF2-75F7-4343-95D2-AF03DBD4F580}" srcId="{8DA55284-1CCF-49BF-9981-C431AF9FA181}" destId="{4A55AC6D-A3E7-4082-8B98-3A352D9D867A}" srcOrd="0" destOrd="0" parTransId="{309F2CA6-35F9-4942-B230-FA305C250E43}" sibTransId="{88423554-7CB0-4E13-A389-E4468546C87B}"/>
+    <dgm:cxn modelId="{A61EACFA-85A7-44C3-A9F2-B6AB8B4EA633}" type="presOf" srcId="{CE57C6CE-9196-4E9C-ABAC-9683D4D5682E}" destId="{F166B057-3F8F-4E22-BB02-6FDFA6ADD564}" srcOrd="1" destOrd="0" presId="urn:microsoft.com/office/officeart/2005/8/layout/orgChart1"/>
+    <dgm:cxn modelId="{E781FCD2-456F-400A-ABF5-302FCB016555}" type="presParOf" srcId="{1F86791B-A5E0-4A22-9807-CAD6B0586C04}" destId="{228C2850-21ED-4DAA-8384-2275AC747DE3}" srcOrd="0" destOrd="0" presId="urn:microsoft.com/office/officeart/2005/8/layout/orgChart1"/>
+    <dgm:cxn modelId="{003CEC39-3AA8-43D2-92CA-8C299C746215}" type="presParOf" srcId="{228C2850-21ED-4DAA-8384-2275AC747DE3}" destId="{06E5122C-2BDF-4C9F-8C4F-52324AA17F80}" srcOrd="0" destOrd="0" presId="urn:microsoft.com/office/officeart/2005/8/layout/orgChart1"/>
+    <dgm:cxn modelId="{ED16AEA1-53D4-422A-BDE5-78245C9DA9B7}" type="presParOf" srcId="{06E5122C-2BDF-4C9F-8C4F-52324AA17F80}" destId="{709FC6EA-C7F0-418B-ABCC-DA68F57C2C2F}" srcOrd="0" destOrd="0" presId="urn:microsoft.com/office/officeart/2005/8/layout/orgChart1"/>
+    <dgm:cxn modelId="{17241642-522B-4ED0-956C-B700E52C0E7C}" type="presParOf" srcId="{06E5122C-2BDF-4C9F-8C4F-52324AA17F80}" destId="{5903DD3C-06F7-4446-AD27-811A20D1E646}" srcOrd="1" destOrd="0" presId="urn:microsoft.com/office/officeart/2005/8/layout/orgChart1"/>
+    <dgm:cxn modelId="{4FDC0449-15F7-4D08-B18B-2101B0E0F7F8}" type="presParOf" srcId="{228C2850-21ED-4DAA-8384-2275AC747DE3}" destId="{F1319B9D-7492-4B1C-8494-280DE83B8CF6}" srcOrd="1" destOrd="0" presId="urn:microsoft.com/office/officeart/2005/8/layout/orgChart1"/>
+    <dgm:cxn modelId="{F6F0C7A6-37F6-46C6-8899-6FAA574E731A}" type="presParOf" srcId="{F1319B9D-7492-4B1C-8494-280DE83B8CF6}" destId="{238602D2-C068-43F2-A1A0-1588172155E9}" srcOrd="0" destOrd="0" presId="urn:microsoft.com/office/officeart/2005/8/layout/orgChart1"/>
+    <dgm:cxn modelId="{3C86B7E4-E8F7-4343-9707-491204263DE4}" type="presParOf" srcId="{F1319B9D-7492-4B1C-8494-280DE83B8CF6}" destId="{F6C4FB96-1B6B-4D0B-A0D2-EB776AC9BA3F}" srcOrd="1" destOrd="0" presId="urn:microsoft.com/office/officeart/2005/8/layout/orgChart1"/>
+    <dgm:cxn modelId="{0D7B43D0-105A-45EE-ABA2-797D826A44C3}" type="presParOf" srcId="{F6C4FB96-1B6B-4D0B-A0D2-EB776AC9BA3F}" destId="{7BEB8E56-B030-435E-ACC0-43E4C4E5C263}" srcOrd="0" destOrd="0" presId="urn:microsoft.com/office/officeart/2005/8/layout/orgChart1"/>
+    <dgm:cxn modelId="{F99169AA-5272-468E-A759-115B6CC6F7ED}" type="presParOf" srcId="{7BEB8E56-B030-435E-ACC0-43E4C4E5C263}" destId="{2D5D1C48-F656-47B5-B75E-15647533336D}" srcOrd="0" destOrd="0" presId="urn:microsoft.com/office/officeart/2005/8/layout/orgChart1"/>
+    <dgm:cxn modelId="{D71AEC8C-4730-4206-86FA-BE37539C9262}" type="presParOf" srcId="{7BEB8E56-B030-435E-ACC0-43E4C4E5C263}" destId="{F2923F78-16D9-4787-94B0-6FDE5A9AE9D5}" srcOrd="1" destOrd="0" presId="urn:microsoft.com/office/officeart/2005/8/layout/orgChart1"/>
+    <dgm:cxn modelId="{3188A7DF-E90B-41F8-A40F-D3D80135698D}" type="presParOf" srcId="{F6C4FB96-1B6B-4D0B-A0D2-EB776AC9BA3F}" destId="{4DBBB0FD-15C5-4560-B312-34F20C7C82F0}" srcOrd="1" destOrd="0" presId="urn:microsoft.com/office/officeart/2005/8/layout/orgChart1"/>
+    <dgm:cxn modelId="{FCE1F857-F587-4BDA-A1DD-098A80E867F3}" type="presParOf" srcId="{4DBBB0FD-15C5-4560-B312-34F20C7C82F0}" destId="{214C405F-360A-46F1-9308-B6EEB7D28035}" srcOrd="0" destOrd="0" presId="urn:microsoft.com/office/officeart/2005/8/layout/orgChart1"/>
+    <dgm:cxn modelId="{3E83B36D-1E4D-4375-9533-A00343E677BA}" type="presParOf" srcId="{4DBBB0FD-15C5-4560-B312-34F20C7C82F0}" destId="{E9F9956F-6246-4707-9E6D-A448C9E7323A}" srcOrd="1" destOrd="0" presId="urn:microsoft.com/office/officeart/2005/8/layout/orgChart1"/>
+    <dgm:cxn modelId="{241AB81D-E5D3-4D91-BD20-EF9F10C7E066}" type="presParOf" srcId="{E9F9956F-6246-4707-9E6D-A448C9E7323A}" destId="{897BB96A-F634-49E1-8A33-9BEA3F0FC54B}" srcOrd="0" destOrd="0" presId="urn:microsoft.com/office/officeart/2005/8/layout/orgChart1"/>
+    <dgm:cxn modelId="{20A91311-DCA6-4E21-AF4B-34AC5DD80F44}" type="presParOf" srcId="{897BB96A-F634-49E1-8A33-9BEA3F0FC54B}" destId="{3D1242C6-6CBF-4BC9-82CB-6F98B2DDFF50}" srcOrd="0" destOrd="0" presId="urn:microsoft.com/office/officeart/2005/8/layout/orgChart1"/>
+    <dgm:cxn modelId="{84E86B4C-1C01-492A-A62F-1E7FB987AB6F}" type="presParOf" srcId="{897BB96A-F634-49E1-8A33-9BEA3F0FC54B}" destId="{02E49C11-8CE2-4377-B961-9ABC2933E227}" srcOrd="1" destOrd="0" presId="urn:microsoft.com/office/officeart/2005/8/layout/orgChart1"/>
+    <dgm:cxn modelId="{10071FB9-6D3B-4004-B3C2-C7A00A35D2CD}" type="presParOf" srcId="{E9F9956F-6246-4707-9E6D-A448C9E7323A}" destId="{AF23C316-58A7-4C08-A60B-8747648E26C6}" srcOrd="1" destOrd="0" presId="urn:microsoft.com/office/officeart/2005/8/layout/orgChart1"/>
+    <dgm:cxn modelId="{D6987A46-67EC-4223-86FD-1188BD238D3F}" type="presParOf" srcId="{E9F9956F-6246-4707-9E6D-A448C9E7323A}" destId="{60BB7493-0FAF-4BBD-B3B5-79119D95053B}" srcOrd="2" destOrd="0" presId="urn:microsoft.com/office/officeart/2005/8/layout/orgChart1"/>
+    <dgm:cxn modelId="{4C0FEB71-BFF1-4FDD-8C26-3E49B03C0243}" type="presParOf" srcId="{F6C4FB96-1B6B-4D0B-A0D2-EB776AC9BA3F}" destId="{D361885D-DB0D-4372-A253-9BE8CF6D0582}" srcOrd="2" destOrd="0" presId="urn:microsoft.com/office/officeart/2005/8/layout/orgChart1"/>
+    <dgm:cxn modelId="{62818871-9873-45C9-A7F7-AE622D2AA225}" type="presParOf" srcId="{F1319B9D-7492-4B1C-8494-280DE83B8CF6}" destId="{488EAE43-3466-4138-ACC5-4D1425CA0AED}" srcOrd="2" destOrd="0" presId="urn:microsoft.com/office/officeart/2005/8/layout/orgChart1"/>
+    <dgm:cxn modelId="{192BB422-EC8E-465C-9509-2D84C4517A75}" type="presParOf" srcId="{F1319B9D-7492-4B1C-8494-280DE83B8CF6}" destId="{60D2B8E8-889B-43C7-8D0E-4AD313770ECA}" srcOrd="3" destOrd="0" presId="urn:microsoft.com/office/officeart/2005/8/layout/orgChart1"/>
+    <dgm:cxn modelId="{6EE5412A-BEDC-4F23-BDFC-2CBF226BF939}" type="presParOf" srcId="{60D2B8E8-889B-43C7-8D0E-4AD313770ECA}" destId="{8A4B86A1-1117-4550-B351-3842CE1C7F00}" srcOrd="0" destOrd="0" presId="urn:microsoft.com/office/officeart/2005/8/layout/orgChart1"/>
+    <dgm:cxn modelId="{ECAAA866-E47D-4BC6-B3F7-F79CDACB823E}" type="presParOf" srcId="{8A4B86A1-1117-4550-B351-3842CE1C7F00}" destId="{E7980DA6-D7F5-4899-BB40-5D2D54294AC5}" srcOrd="0" destOrd="0" presId="urn:microsoft.com/office/officeart/2005/8/layout/orgChart1"/>
+    <dgm:cxn modelId="{9D580586-5613-4CD6-B8EA-0C18684253C1}" type="presParOf" srcId="{8A4B86A1-1117-4550-B351-3842CE1C7F00}" destId="{FC607072-4115-4787-A327-4E69653660CB}" srcOrd="1" destOrd="0" presId="urn:microsoft.com/office/officeart/2005/8/layout/orgChart1"/>
+    <dgm:cxn modelId="{D9A3F55D-6607-4998-B515-C61072026D18}" type="presParOf" srcId="{60D2B8E8-889B-43C7-8D0E-4AD313770ECA}" destId="{D72A4BF6-2D89-4051-A309-5626A92BC9A7}" srcOrd="1" destOrd="0" presId="urn:microsoft.com/office/officeart/2005/8/layout/orgChart1"/>
+    <dgm:cxn modelId="{AACD0560-20CD-4708-AC5C-EA466C7DDD34}" type="presParOf" srcId="{D72A4BF6-2D89-4051-A309-5626A92BC9A7}" destId="{D244FA5F-90FB-4EE4-BB3D-77805BD144D9}" srcOrd="0" destOrd="0" presId="urn:microsoft.com/office/officeart/2005/8/layout/orgChart1"/>
+    <dgm:cxn modelId="{514B65B2-0300-4036-AC2A-6B841A5BAAA2}" type="presParOf" srcId="{D72A4BF6-2D89-4051-A309-5626A92BC9A7}" destId="{E2DB266D-1E13-43E9-9649-2D4D9633C830}" srcOrd="1" destOrd="0" presId="urn:microsoft.com/office/officeart/2005/8/layout/orgChart1"/>
+    <dgm:cxn modelId="{60FF2262-8852-4B5D-81C0-606B730D232C}" type="presParOf" srcId="{E2DB266D-1E13-43E9-9649-2D4D9633C830}" destId="{4EC4CC51-9BCD-4AFF-9DEB-9E5FA4BD1926}" srcOrd="0" destOrd="0" presId="urn:microsoft.com/office/officeart/2005/8/layout/orgChart1"/>
+    <dgm:cxn modelId="{BF60DB7E-3346-4FE3-98FE-D41B7AADD1C7}" type="presParOf" srcId="{4EC4CC51-9BCD-4AFF-9DEB-9E5FA4BD1926}" destId="{17277B9A-E85E-4E05-BEA2-85A42A0067EB}" srcOrd="0" destOrd="0" presId="urn:microsoft.com/office/officeart/2005/8/layout/orgChart1"/>
+    <dgm:cxn modelId="{82AD2F2F-87FC-4147-98E9-792092D44E4A}" type="presParOf" srcId="{4EC4CC51-9BCD-4AFF-9DEB-9E5FA4BD1926}" destId="{80180DF4-1044-4364-AA6A-BCBCEED9C6E5}" srcOrd="1" destOrd="0" presId="urn:microsoft.com/office/officeart/2005/8/layout/orgChart1"/>
+    <dgm:cxn modelId="{94473A8E-C24C-48B4-A3CA-BC044B5DD8AA}" type="presParOf" srcId="{E2DB266D-1E13-43E9-9649-2D4D9633C830}" destId="{A58C6CEB-2DF8-4D60-91E6-00819146C501}" srcOrd="1" destOrd="0" presId="urn:microsoft.com/office/officeart/2005/8/layout/orgChart1"/>
+    <dgm:cxn modelId="{B62207E7-1600-422C-A557-B43B49FBB887}" type="presParOf" srcId="{E2DB266D-1E13-43E9-9649-2D4D9633C830}" destId="{15D429D7-34CC-4022-B290-93C1446DAB6D}" srcOrd="2" destOrd="0" presId="urn:microsoft.com/office/officeart/2005/8/layout/orgChart1"/>
+    <dgm:cxn modelId="{FBB57CC9-8B72-4B4C-808D-DAC6F486273C}" type="presParOf" srcId="{60D2B8E8-889B-43C7-8D0E-4AD313770ECA}" destId="{9578C813-2878-43B3-8201-93D7F1B7AC3D}" srcOrd="2" destOrd="0" presId="urn:microsoft.com/office/officeart/2005/8/layout/orgChart1"/>
+    <dgm:cxn modelId="{CD8D221E-29D6-4E65-B55B-C8DFAF47B831}" type="presParOf" srcId="{F1319B9D-7492-4B1C-8494-280DE83B8CF6}" destId="{AF5DD339-5D8B-4EA9-A528-2C5695F726D6}" srcOrd="4" destOrd="0" presId="urn:microsoft.com/office/officeart/2005/8/layout/orgChart1"/>
+    <dgm:cxn modelId="{BB928ABE-5AAA-4829-8C80-13DD408CB6A9}" type="presParOf" srcId="{F1319B9D-7492-4B1C-8494-280DE83B8CF6}" destId="{E625FD9C-19BE-4930-9EF7-6530A3FC83D0}" srcOrd="5" destOrd="0" presId="urn:microsoft.com/office/officeart/2005/8/layout/orgChart1"/>
+    <dgm:cxn modelId="{6BDE6702-BEB3-4E02-8412-B01D3D94E3F1}" type="presParOf" srcId="{E625FD9C-19BE-4930-9EF7-6530A3FC83D0}" destId="{4F4DE95A-B6F2-404B-BDFE-2AF639CF62DC}" srcOrd="0" destOrd="0" presId="urn:microsoft.com/office/officeart/2005/8/layout/orgChart1"/>
+    <dgm:cxn modelId="{2ABC1FF3-6F47-405A-BECA-5F3DBD55B6F6}" type="presParOf" srcId="{4F4DE95A-B6F2-404B-BDFE-2AF639CF62DC}" destId="{97DE37A4-1B39-4071-B379-709E0C93E118}" srcOrd="0" destOrd="0" presId="urn:microsoft.com/office/officeart/2005/8/layout/orgChart1"/>
+    <dgm:cxn modelId="{CBFDC594-9166-44F5-894E-AD1BB72E1E38}" type="presParOf" srcId="{4F4DE95A-B6F2-404B-BDFE-2AF639CF62DC}" destId="{B096FF6A-B0FC-4CE0-8F1C-A5D80542D94F}" srcOrd="1" destOrd="0" presId="urn:microsoft.com/office/officeart/2005/8/layout/orgChart1"/>
+    <dgm:cxn modelId="{D20F2289-C60E-420E-AF60-7390DE7C0074}" type="presParOf" srcId="{E625FD9C-19BE-4930-9EF7-6530A3FC83D0}" destId="{011D1B1F-302A-49D1-83E3-577ECC6DCEBA}" srcOrd="1" destOrd="0" presId="urn:microsoft.com/office/officeart/2005/8/layout/orgChart1"/>
+    <dgm:cxn modelId="{7AFD3EF0-86F5-40BB-8F42-D76ADB861074}" type="presParOf" srcId="{011D1B1F-302A-49D1-83E3-577ECC6DCEBA}" destId="{F72C8B48-6617-4330-B6B7-1AEC3534D5DC}" srcOrd="0" destOrd="0" presId="urn:microsoft.com/office/officeart/2005/8/layout/orgChart1"/>
+    <dgm:cxn modelId="{5B5AE508-3553-4C4B-8BA9-238A76275725}" type="presParOf" srcId="{011D1B1F-302A-49D1-83E3-577ECC6DCEBA}" destId="{4228E82D-D699-4730-B410-A52DA9E7AEE9}" srcOrd="1" destOrd="0" presId="urn:microsoft.com/office/officeart/2005/8/layout/orgChart1"/>
+    <dgm:cxn modelId="{9D0F4BE8-2BE1-4107-91FD-60F0EB068897}" type="presParOf" srcId="{4228E82D-D699-4730-B410-A52DA9E7AEE9}" destId="{9B070AA5-D219-4E6B-891A-A6FB30768C07}" srcOrd="0" destOrd="0" presId="urn:microsoft.com/office/officeart/2005/8/layout/orgChart1"/>
+    <dgm:cxn modelId="{5DB9D522-DAE4-48AD-AD86-356D215F8647}" type="presParOf" srcId="{9B070AA5-D219-4E6B-891A-A6FB30768C07}" destId="{1C411A76-B1EE-4ECC-91DA-461D2F53273A}" srcOrd="0" destOrd="0" presId="urn:microsoft.com/office/officeart/2005/8/layout/orgChart1"/>
+    <dgm:cxn modelId="{D5B4D144-A0F0-4805-97B4-6A66AD84FC48}" type="presParOf" srcId="{9B070AA5-D219-4E6B-891A-A6FB30768C07}" destId="{F166B057-3F8F-4E22-BB02-6FDFA6ADD564}" srcOrd="1" destOrd="0" presId="urn:microsoft.com/office/officeart/2005/8/layout/orgChart1"/>
+    <dgm:cxn modelId="{637C6A05-48FA-4AA1-B13F-5A0EF3AE3B4F}" type="presParOf" srcId="{4228E82D-D699-4730-B410-A52DA9E7AEE9}" destId="{C2165485-8EC3-442E-8F44-932F0E76E821}" srcOrd="1" destOrd="0" presId="urn:microsoft.com/office/officeart/2005/8/layout/orgChart1"/>
+    <dgm:cxn modelId="{CAE139A9-C682-40DA-B55C-1A437A3400D7}" type="presParOf" srcId="{4228E82D-D699-4730-B410-A52DA9E7AEE9}" destId="{7F66B977-45CA-4428-A384-C3AF1F897B68}" srcOrd="2" destOrd="0" presId="urn:microsoft.com/office/officeart/2005/8/layout/orgChart1"/>
     <dgm:cxn modelId="{C8D0F248-E1CA-4909-8FC4-2CBC5481D7DC}" type="presParOf" srcId="{E625FD9C-19BE-4930-9EF7-6530A3FC83D0}" destId="{7426A61A-43EF-46FB-9503-0F3FC6916B30}" srcOrd="2" destOrd="0" presId="urn:microsoft.com/office/officeart/2005/8/layout/orgChart1"/>
     <dgm:cxn modelId="{68457A5B-731E-4879-97F3-1718C1F35F93}" type="presParOf" srcId="{228C2850-21ED-4DAA-8384-2275AC747DE3}" destId="{41ADE7B2-EB17-4111-8A95-AFF0DBD81853}" srcOrd="2" destOrd="0" presId="urn:microsoft.com/office/officeart/2005/8/layout/orgChart1"/>
   </dgm:cxnLst>
@@ -3048,7 +4420,2068 @@
 </dsp:drawing>
 </file>
 
+<file path=ppt/diagrams/drawing2.xml><?xml version="1.0" encoding="utf-8"?>
+<dsp:drawing xmlns:dgm="http://schemas.openxmlformats.org/drawingml/2006/diagram" xmlns:dsp="http://schemas.microsoft.com/office/drawing/2008/diagram" xmlns:a="http://schemas.openxmlformats.org/drawingml/2006/main">
+  <dsp:spTree>
+    <dsp:nvGrpSpPr>
+      <dsp:cNvPr id="0" name=""/>
+      <dsp:cNvGrpSpPr/>
+    </dsp:nvGrpSpPr>
+    <dsp:grpSpPr/>
+    <dsp:sp modelId="{F72C8B48-6617-4330-B6B7-1AEC3534D5DC}">
+      <dsp:nvSpPr>
+        <dsp:cNvPr id="0" name=""/>
+        <dsp:cNvSpPr/>
+      </dsp:nvSpPr>
+      <dsp:spPr>
+        <a:xfrm>
+          <a:off x="5579616" y="3262478"/>
+          <a:ext cx="331886" cy="1017785"/>
+        </a:xfrm>
+        <a:custGeom>
+          <a:avLst/>
+          <a:gdLst/>
+          <a:ahLst/>
+          <a:cxnLst/>
+          <a:rect l="0" t="0" r="0" b="0"/>
+          <a:pathLst>
+            <a:path>
+              <a:moveTo>
+                <a:pt x="0" y="0"/>
+              </a:moveTo>
+              <a:lnTo>
+                <a:pt x="0" y="1017785"/>
+              </a:lnTo>
+              <a:lnTo>
+                <a:pt x="331886" y="1017785"/>
+              </a:lnTo>
+            </a:path>
+          </a:pathLst>
+        </a:custGeom>
+        <a:noFill/>
+        <a:ln w="12700" cap="flat" cmpd="sng" algn="ctr">
+          <a:solidFill>
+            <a:schemeClr val="accent1">
+              <a:shade val="80000"/>
+              <a:hueOff val="0"/>
+              <a:satOff val="0"/>
+              <a:lumOff val="0"/>
+              <a:alphaOff val="0"/>
+            </a:schemeClr>
+          </a:solidFill>
+          <a:prstDash val="solid"/>
+          <a:miter lim="800000"/>
+        </a:ln>
+        <a:effectLst/>
+      </dsp:spPr>
+      <dsp:style>
+        <a:lnRef idx="2">
+          <a:scrgbClr r="0" g="0" b="0"/>
+        </a:lnRef>
+        <a:fillRef idx="0">
+          <a:scrgbClr r="0" g="0" b="0"/>
+        </a:fillRef>
+        <a:effectRef idx="0">
+          <a:scrgbClr r="0" g="0" b="0"/>
+        </a:effectRef>
+        <a:fontRef idx="minor"/>
+      </dsp:style>
+    </dsp:sp>
+    <dsp:sp modelId="{AF5DD339-5D8B-4EA9-A528-2C5695F726D6}">
+      <dsp:nvSpPr>
+        <dsp:cNvPr id="0" name=""/>
+        <dsp:cNvSpPr/>
+      </dsp:nvSpPr>
+      <dsp:spPr>
+        <a:xfrm>
+          <a:off x="3787427" y="1691547"/>
+          <a:ext cx="2677219" cy="464641"/>
+        </a:xfrm>
+        <a:custGeom>
+          <a:avLst/>
+          <a:gdLst/>
+          <a:ahLst/>
+          <a:cxnLst/>
+          <a:rect l="0" t="0" r="0" b="0"/>
+          <a:pathLst>
+            <a:path>
+              <a:moveTo>
+                <a:pt x="0" y="0"/>
+              </a:moveTo>
+              <a:lnTo>
+                <a:pt x="0" y="232320"/>
+              </a:lnTo>
+              <a:lnTo>
+                <a:pt x="2677219" y="232320"/>
+              </a:lnTo>
+              <a:lnTo>
+                <a:pt x="2677219" y="464641"/>
+              </a:lnTo>
+            </a:path>
+          </a:pathLst>
+        </a:custGeom>
+        <a:noFill/>
+        <a:ln w="12700" cap="flat" cmpd="sng" algn="ctr">
+          <a:solidFill>
+            <a:schemeClr val="accent1">
+              <a:shade val="60000"/>
+              <a:hueOff val="0"/>
+              <a:satOff val="0"/>
+              <a:lumOff val="0"/>
+              <a:alphaOff val="0"/>
+            </a:schemeClr>
+          </a:solidFill>
+          <a:prstDash val="solid"/>
+          <a:miter lim="800000"/>
+        </a:ln>
+        <a:effectLst/>
+      </dsp:spPr>
+      <dsp:style>
+        <a:lnRef idx="2">
+          <a:scrgbClr r="0" g="0" b="0"/>
+        </a:lnRef>
+        <a:fillRef idx="0">
+          <a:scrgbClr r="0" g="0" b="0"/>
+        </a:fillRef>
+        <a:effectRef idx="0">
+          <a:scrgbClr r="0" g="0" b="0"/>
+        </a:effectRef>
+        <a:fontRef idx="minor"/>
+      </dsp:style>
+    </dsp:sp>
+    <dsp:sp modelId="{D244FA5F-90FB-4EE4-BB3D-77805BD144D9}">
+      <dsp:nvSpPr>
+        <dsp:cNvPr id="0" name=""/>
+        <dsp:cNvSpPr/>
+      </dsp:nvSpPr>
+      <dsp:spPr>
+        <a:xfrm>
+          <a:off x="2902396" y="3262478"/>
+          <a:ext cx="331886" cy="1017785"/>
+        </a:xfrm>
+        <a:custGeom>
+          <a:avLst/>
+          <a:gdLst/>
+          <a:ahLst/>
+          <a:cxnLst/>
+          <a:rect l="0" t="0" r="0" b="0"/>
+          <a:pathLst>
+            <a:path>
+              <a:moveTo>
+                <a:pt x="0" y="0"/>
+              </a:moveTo>
+              <a:lnTo>
+                <a:pt x="0" y="1017785"/>
+              </a:lnTo>
+              <a:lnTo>
+                <a:pt x="331886" y="1017785"/>
+              </a:lnTo>
+            </a:path>
+          </a:pathLst>
+        </a:custGeom>
+        <a:noFill/>
+        <a:ln w="12700" cap="flat" cmpd="sng" algn="ctr">
+          <a:solidFill>
+            <a:schemeClr val="accent1">
+              <a:shade val="80000"/>
+              <a:hueOff val="0"/>
+              <a:satOff val="0"/>
+              <a:lumOff val="0"/>
+              <a:alphaOff val="0"/>
+            </a:schemeClr>
+          </a:solidFill>
+          <a:prstDash val="solid"/>
+          <a:miter lim="800000"/>
+        </a:ln>
+        <a:effectLst/>
+      </dsp:spPr>
+      <dsp:style>
+        <a:lnRef idx="2">
+          <a:scrgbClr r="0" g="0" b="0"/>
+        </a:lnRef>
+        <a:fillRef idx="0">
+          <a:scrgbClr r="0" g="0" b="0"/>
+        </a:fillRef>
+        <a:effectRef idx="0">
+          <a:scrgbClr r="0" g="0" b="0"/>
+        </a:effectRef>
+        <a:fontRef idx="minor"/>
+      </dsp:style>
+    </dsp:sp>
+    <dsp:sp modelId="{488EAE43-3466-4138-ACC5-4D1425CA0AED}">
+      <dsp:nvSpPr>
+        <dsp:cNvPr id="0" name=""/>
+        <dsp:cNvSpPr/>
+      </dsp:nvSpPr>
+      <dsp:spPr>
+        <a:xfrm>
+          <a:off x="3741707" y="1691547"/>
+          <a:ext cx="91440" cy="464641"/>
+        </a:xfrm>
+        <a:custGeom>
+          <a:avLst/>
+          <a:gdLst/>
+          <a:ahLst/>
+          <a:cxnLst/>
+          <a:rect l="0" t="0" r="0" b="0"/>
+          <a:pathLst>
+            <a:path>
+              <a:moveTo>
+                <a:pt x="45720" y="0"/>
+              </a:moveTo>
+              <a:lnTo>
+                <a:pt x="45720" y="464641"/>
+              </a:lnTo>
+            </a:path>
+          </a:pathLst>
+        </a:custGeom>
+        <a:noFill/>
+        <a:ln w="12700" cap="flat" cmpd="sng" algn="ctr">
+          <a:solidFill>
+            <a:schemeClr val="accent1">
+              <a:shade val="60000"/>
+              <a:hueOff val="0"/>
+              <a:satOff val="0"/>
+              <a:lumOff val="0"/>
+              <a:alphaOff val="0"/>
+            </a:schemeClr>
+          </a:solidFill>
+          <a:prstDash val="solid"/>
+          <a:miter lim="800000"/>
+        </a:ln>
+        <a:effectLst/>
+      </dsp:spPr>
+      <dsp:style>
+        <a:lnRef idx="2">
+          <a:scrgbClr r="0" g="0" b="0"/>
+        </a:lnRef>
+        <a:fillRef idx="0">
+          <a:scrgbClr r="0" g="0" b="0"/>
+        </a:fillRef>
+        <a:effectRef idx="0">
+          <a:scrgbClr r="0" g="0" b="0"/>
+        </a:effectRef>
+        <a:fontRef idx="minor"/>
+      </dsp:style>
+    </dsp:sp>
+    <dsp:sp modelId="{214C405F-360A-46F1-9308-B6EEB7D28035}">
+      <dsp:nvSpPr>
+        <dsp:cNvPr id="0" name=""/>
+        <dsp:cNvSpPr/>
+      </dsp:nvSpPr>
+      <dsp:spPr>
+        <a:xfrm>
+          <a:off x="225176" y="3262478"/>
+          <a:ext cx="331886" cy="1017785"/>
+        </a:xfrm>
+        <a:custGeom>
+          <a:avLst/>
+          <a:gdLst/>
+          <a:ahLst/>
+          <a:cxnLst/>
+          <a:rect l="0" t="0" r="0" b="0"/>
+          <a:pathLst>
+            <a:path>
+              <a:moveTo>
+                <a:pt x="0" y="0"/>
+              </a:moveTo>
+              <a:lnTo>
+                <a:pt x="0" y="1017785"/>
+              </a:lnTo>
+              <a:lnTo>
+                <a:pt x="331886" y="1017785"/>
+              </a:lnTo>
+            </a:path>
+          </a:pathLst>
+        </a:custGeom>
+        <a:noFill/>
+        <a:ln w="12700" cap="flat" cmpd="sng" algn="ctr">
+          <a:solidFill>
+            <a:schemeClr val="accent1">
+              <a:shade val="80000"/>
+              <a:hueOff val="0"/>
+              <a:satOff val="0"/>
+              <a:lumOff val="0"/>
+              <a:alphaOff val="0"/>
+            </a:schemeClr>
+          </a:solidFill>
+          <a:prstDash val="solid"/>
+          <a:miter lim="800000"/>
+        </a:ln>
+        <a:effectLst/>
+      </dsp:spPr>
+      <dsp:style>
+        <a:lnRef idx="2">
+          <a:scrgbClr r="0" g="0" b="0"/>
+        </a:lnRef>
+        <a:fillRef idx="0">
+          <a:scrgbClr r="0" g="0" b="0"/>
+        </a:fillRef>
+        <a:effectRef idx="0">
+          <a:scrgbClr r="0" g="0" b="0"/>
+        </a:effectRef>
+        <a:fontRef idx="minor"/>
+      </dsp:style>
+    </dsp:sp>
+    <dsp:sp modelId="{238602D2-C068-43F2-A1A0-1588172155E9}">
+      <dsp:nvSpPr>
+        <dsp:cNvPr id="0" name=""/>
+        <dsp:cNvSpPr/>
+      </dsp:nvSpPr>
+      <dsp:spPr>
+        <a:xfrm>
+          <a:off x="1110208" y="1691547"/>
+          <a:ext cx="2677219" cy="464641"/>
+        </a:xfrm>
+        <a:custGeom>
+          <a:avLst/>
+          <a:gdLst/>
+          <a:ahLst/>
+          <a:cxnLst/>
+          <a:rect l="0" t="0" r="0" b="0"/>
+          <a:pathLst>
+            <a:path>
+              <a:moveTo>
+                <a:pt x="2677219" y="0"/>
+              </a:moveTo>
+              <a:lnTo>
+                <a:pt x="2677219" y="232320"/>
+              </a:lnTo>
+              <a:lnTo>
+                <a:pt x="0" y="232320"/>
+              </a:lnTo>
+              <a:lnTo>
+                <a:pt x="0" y="464641"/>
+              </a:lnTo>
+            </a:path>
+          </a:pathLst>
+        </a:custGeom>
+        <a:noFill/>
+        <a:ln w="12700" cap="flat" cmpd="sng" algn="ctr">
+          <a:solidFill>
+            <a:schemeClr val="accent1">
+              <a:shade val="60000"/>
+              <a:hueOff val="0"/>
+              <a:satOff val="0"/>
+              <a:lumOff val="0"/>
+              <a:alphaOff val="0"/>
+            </a:schemeClr>
+          </a:solidFill>
+          <a:prstDash val="solid"/>
+          <a:miter lim="800000"/>
+        </a:ln>
+        <a:effectLst/>
+      </dsp:spPr>
+      <dsp:style>
+        <a:lnRef idx="2">
+          <a:scrgbClr r="0" g="0" b="0"/>
+        </a:lnRef>
+        <a:fillRef idx="0">
+          <a:scrgbClr r="0" g="0" b="0"/>
+        </a:fillRef>
+        <a:effectRef idx="0">
+          <a:scrgbClr r="0" g="0" b="0"/>
+        </a:effectRef>
+        <a:fontRef idx="minor"/>
+      </dsp:style>
+    </dsp:sp>
+    <dsp:sp modelId="{709FC6EA-C7F0-418B-ABCC-DA68F57C2C2F}">
+      <dsp:nvSpPr>
+        <dsp:cNvPr id="0" name=""/>
+        <dsp:cNvSpPr/>
+      </dsp:nvSpPr>
+      <dsp:spPr>
+        <a:xfrm>
+          <a:off x="2681138" y="585258"/>
+          <a:ext cx="2212578" cy="1106289"/>
+        </a:xfrm>
+        <a:prstGeom prst="rect">
+          <a:avLst/>
+        </a:prstGeom>
+        <a:solidFill>
+          <a:schemeClr val="accent1">
+            <a:hueOff val="0"/>
+            <a:satOff val="0"/>
+            <a:lumOff val="0"/>
+            <a:alphaOff val="0"/>
+          </a:schemeClr>
+        </a:solidFill>
+        <a:ln w="12700" cap="flat" cmpd="sng" algn="ctr">
+          <a:solidFill>
+            <a:schemeClr val="lt1">
+              <a:hueOff val="0"/>
+              <a:satOff val="0"/>
+              <a:lumOff val="0"/>
+              <a:alphaOff val="0"/>
+            </a:schemeClr>
+          </a:solidFill>
+          <a:prstDash val="solid"/>
+          <a:miter lim="800000"/>
+        </a:ln>
+        <a:effectLst/>
+      </dsp:spPr>
+      <dsp:style>
+        <a:lnRef idx="2">
+          <a:scrgbClr r="0" g="0" b="0"/>
+        </a:lnRef>
+        <a:fillRef idx="1">
+          <a:scrgbClr r="0" g="0" b="0"/>
+        </a:fillRef>
+        <a:effectRef idx="0">
+          <a:scrgbClr r="0" g="0" b="0"/>
+        </a:effectRef>
+        <a:fontRef idx="minor">
+          <a:schemeClr val="lt1"/>
+        </a:fontRef>
+      </dsp:style>
+      <dsp:txBody>
+        <a:bodyPr spcFirstLastPara="0" vert="horz" wrap="square" lIns="17145" tIns="17145" rIns="17145" bIns="17145" numCol="1" spcCol="1270" anchor="ctr" anchorCtr="0">
+          <a:noAutofit/>
+        </a:bodyPr>
+        <a:lstStyle/>
+        <a:p>
+          <a:pPr marL="0" lvl="0" indent="0" algn="ctr" defTabSz="1200150">
+            <a:lnSpc>
+              <a:spcPct val="90000"/>
+            </a:lnSpc>
+            <a:spcBef>
+              <a:spcPct val="0"/>
+            </a:spcBef>
+            <a:spcAft>
+              <a:spcPct val="35000"/>
+            </a:spcAft>
+            <a:buNone/>
+          </a:pPr>
+          <a:r>
+            <a:rPr lang="en-IN" sz="2700" kern="1200" dirty="0"/>
+            <a:t>Y Discrete and X Discrete</a:t>
+          </a:r>
+        </a:p>
+      </dsp:txBody>
+      <dsp:txXfrm>
+        <a:off x="2681138" y="585258"/>
+        <a:ext cx="2212578" cy="1106289"/>
+      </dsp:txXfrm>
+    </dsp:sp>
+    <dsp:sp modelId="{2D5D1C48-F656-47B5-B75E-15647533336D}">
+      <dsp:nvSpPr>
+        <dsp:cNvPr id="0" name=""/>
+        <dsp:cNvSpPr/>
+      </dsp:nvSpPr>
+      <dsp:spPr>
+        <a:xfrm>
+          <a:off x="3919" y="2156188"/>
+          <a:ext cx="2212578" cy="1106289"/>
+        </a:xfrm>
+        <a:prstGeom prst="rect">
+          <a:avLst/>
+        </a:prstGeom>
+        <a:solidFill>
+          <a:schemeClr val="accent1">
+            <a:hueOff val="0"/>
+            <a:satOff val="0"/>
+            <a:lumOff val="0"/>
+            <a:alphaOff val="0"/>
+          </a:schemeClr>
+        </a:solidFill>
+        <a:ln w="12700" cap="flat" cmpd="sng" algn="ctr">
+          <a:solidFill>
+            <a:schemeClr val="lt1">
+              <a:hueOff val="0"/>
+              <a:satOff val="0"/>
+              <a:lumOff val="0"/>
+              <a:alphaOff val="0"/>
+            </a:schemeClr>
+          </a:solidFill>
+          <a:prstDash val="solid"/>
+          <a:miter lim="800000"/>
+        </a:ln>
+        <a:effectLst/>
+      </dsp:spPr>
+      <dsp:style>
+        <a:lnRef idx="2">
+          <a:scrgbClr r="0" g="0" b="0"/>
+        </a:lnRef>
+        <a:fillRef idx="1">
+          <a:scrgbClr r="0" g="0" b="0"/>
+        </a:fillRef>
+        <a:effectRef idx="0">
+          <a:scrgbClr r="0" g="0" b="0"/>
+        </a:effectRef>
+        <a:fontRef idx="minor">
+          <a:schemeClr val="lt1"/>
+        </a:fontRef>
+      </dsp:style>
+      <dsp:txBody>
+        <a:bodyPr spcFirstLastPara="0" vert="horz" wrap="square" lIns="17145" tIns="17145" rIns="17145" bIns="17145" numCol="1" spcCol="1270" anchor="ctr" anchorCtr="0">
+          <a:noAutofit/>
+        </a:bodyPr>
+        <a:lstStyle/>
+        <a:p>
+          <a:pPr marL="0" lvl="0" indent="0" algn="ctr" defTabSz="1200150">
+            <a:lnSpc>
+              <a:spcPct val="90000"/>
+            </a:lnSpc>
+            <a:spcBef>
+              <a:spcPct val="0"/>
+            </a:spcBef>
+            <a:spcAft>
+              <a:spcPct val="35000"/>
+            </a:spcAft>
+            <a:buNone/>
+          </a:pPr>
+          <a:r>
+            <a:rPr lang="en-IN" sz="2700" kern="1200" dirty="0"/>
+            <a:t>Comparing 1 Sample vs STD</a:t>
+          </a:r>
+        </a:p>
+      </dsp:txBody>
+      <dsp:txXfrm>
+        <a:off x="3919" y="2156188"/>
+        <a:ext cx="2212578" cy="1106289"/>
+      </dsp:txXfrm>
+    </dsp:sp>
+    <dsp:sp modelId="{3D1242C6-6CBF-4BC9-82CB-6F98B2DDFF50}">
+      <dsp:nvSpPr>
+        <dsp:cNvPr id="0" name=""/>
+        <dsp:cNvSpPr/>
+      </dsp:nvSpPr>
+      <dsp:spPr>
+        <a:xfrm>
+          <a:off x="557063" y="3727119"/>
+          <a:ext cx="2212578" cy="1106289"/>
+        </a:xfrm>
+        <a:prstGeom prst="rect">
+          <a:avLst/>
+        </a:prstGeom>
+        <a:solidFill>
+          <a:schemeClr val="accent1">
+            <a:hueOff val="0"/>
+            <a:satOff val="0"/>
+            <a:lumOff val="0"/>
+            <a:alphaOff val="0"/>
+          </a:schemeClr>
+        </a:solidFill>
+        <a:ln w="12700" cap="flat" cmpd="sng" algn="ctr">
+          <a:solidFill>
+            <a:schemeClr val="lt1">
+              <a:hueOff val="0"/>
+              <a:satOff val="0"/>
+              <a:lumOff val="0"/>
+              <a:alphaOff val="0"/>
+            </a:schemeClr>
+          </a:solidFill>
+          <a:prstDash val="solid"/>
+          <a:miter lim="800000"/>
+        </a:ln>
+        <a:effectLst/>
+      </dsp:spPr>
+      <dsp:style>
+        <a:lnRef idx="2">
+          <a:scrgbClr r="0" g="0" b="0"/>
+        </a:lnRef>
+        <a:fillRef idx="1">
+          <a:scrgbClr r="0" g="0" b="0"/>
+        </a:fillRef>
+        <a:effectRef idx="0">
+          <a:scrgbClr r="0" g="0" b="0"/>
+        </a:effectRef>
+        <a:fontRef idx="minor">
+          <a:schemeClr val="lt1"/>
+        </a:fontRef>
+      </dsp:style>
+      <dsp:txBody>
+        <a:bodyPr spcFirstLastPara="0" vert="horz" wrap="square" lIns="17145" tIns="17145" rIns="17145" bIns="17145" numCol="1" spcCol="1270" anchor="ctr" anchorCtr="0">
+          <a:noAutofit/>
+        </a:bodyPr>
+        <a:lstStyle/>
+        <a:p>
+          <a:pPr marL="0" lvl="0" indent="0" algn="ctr" defTabSz="1200150">
+            <a:lnSpc>
+              <a:spcPct val="90000"/>
+            </a:lnSpc>
+            <a:spcBef>
+              <a:spcPct val="0"/>
+            </a:spcBef>
+            <a:spcAft>
+              <a:spcPct val="35000"/>
+            </a:spcAft>
+            <a:buNone/>
+          </a:pPr>
+          <a:r>
+            <a:rPr lang="en-IN" sz="2700" kern="1200" dirty="0"/>
+            <a:t>1 proportion test</a:t>
+          </a:r>
+        </a:p>
+      </dsp:txBody>
+      <dsp:txXfrm>
+        <a:off x="557063" y="3727119"/>
+        <a:ext cx="2212578" cy="1106289"/>
+      </dsp:txXfrm>
+    </dsp:sp>
+    <dsp:sp modelId="{E7980DA6-D7F5-4899-BB40-5D2D54294AC5}">
+      <dsp:nvSpPr>
+        <dsp:cNvPr id="0" name=""/>
+        <dsp:cNvSpPr/>
+      </dsp:nvSpPr>
+      <dsp:spPr>
+        <a:xfrm>
+          <a:off x="2681138" y="2156188"/>
+          <a:ext cx="2212578" cy="1106289"/>
+        </a:xfrm>
+        <a:prstGeom prst="rect">
+          <a:avLst/>
+        </a:prstGeom>
+        <a:solidFill>
+          <a:schemeClr val="accent1">
+            <a:hueOff val="0"/>
+            <a:satOff val="0"/>
+            <a:lumOff val="0"/>
+            <a:alphaOff val="0"/>
+          </a:schemeClr>
+        </a:solidFill>
+        <a:ln w="12700" cap="flat" cmpd="sng" algn="ctr">
+          <a:solidFill>
+            <a:schemeClr val="lt1">
+              <a:hueOff val="0"/>
+              <a:satOff val="0"/>
+              <a:lumOff val="0"/>
+              <a:alphaOff val="0"/>
+            </a:schemeClr>
+          </a:solidFill>
+          <a:prstDash val="solid"/>
+          <a:miter lim="800000"/>
+        </a:ln>
+        <a:effectLst/>
+      </dsp:spPr>
+      <dsp:style>
+        <a:lnRef idx="2">
+          <a:scrgbClr r="0" g="0" b="0"/>
+        </a:lnRef>
+        <a:fillRef idx="1">
+          <a:scrgbClr r="0" g="0" b="0"/>
+        </a:fillRef>
+        <a:effectRef idx="0">
+          <a:scrgbClr r="0" g="0" b="0"/>
+        </a:effectRef>
+        <a:fontRef idx="minor">
+          <a:schemeClr val="lt1"/>
+        </a:fontRef>
+      </dsp:style>
+      <dsp:txBody>
+        <a:bodyPr spcFirstLastPara="0" vert="horz" wrap="square" lIns="17145" tIns="17145" rIns="17145" bIns="17145" numCol="1" spcCol="1270" anchor="ctr" anchorCtr="0">
+          <a:noAutofit/>
+        </a:bodyPr>
+        <a:lstStyle/>
+        <a:p>
+          <a:pPr marL="0" lvl="0" indent="0" algn="ctr" defTabSz="1200150">
+            <a:lnSpc>
+              <a:spcPct val="90000"/>
+            </a:lnSpc>
+            <a:spcBef>
+              <a:spcPct val="0"/>
+            </a:spcBef>
+            <a:spcAft>
+              <a:spcPct val="35000"/>
+            </a:spcAft>
+            <a:buNone/>
+          </a:pPr>
+          <a:r>
+            <a:rPr lang="en-IN" sz="2700" kern="1200" dirty="0"/>
+            <a:t>Comparing 2 samples</a:t>
+          </a:r>
+        </a:p>
+      </dsp:txBody>
+      <dsp:txXfrm>
+        <a:off x="2681138" y="2156188"/>
+        <a:ext cx="2212578" cy="1106289"/>
+      </dsp:txXfrm>
+    </dsp:sp>
+    <dsp:sp modelId="{17277B9A-E85E-4E05-BEA2-85A42A0067EB}">
+      <dsp:nvSpPr>
+        <dsp:cNvPr id="0" name=""/>
+        <dsp:cNvSpPr/>
+      </dsp:nvSpPr>
+      <dsp:spPr>
+        <a:xfrm>
+          <a:off x="3234283" y="3727119"/>
+          <a:ext cx="2212578" cy="1106289"/>
+        </a:xfrm>
+        <a:prstGeom prst="rect">
+          <a:avLst/>
+        </a:prstGeom>
+        <a:solidFill>
+          <a:schemeClr val="accent1">
+            <a:hueOff val="0"/>
+            <a:satOff val="0"/>
+            <a:lumOff val="0"/>
+            <a:alphaOff val="0"/>
+          </a:schemeClr>
+        </a:solidFill>
+        <a:ln w="12700" cap="flat" cmpd="sng" algn="ctr">
+          <a:solidFill>
+            <a:schemeClr val="lt1">
+              <a:hueOff val="0"/>
+              <a:satOff val="0"/>
+              <a:lumOff val="0"/>
+              <a:alphaOff val="0"/>
+            </a:schemeClr>
+          </a:solidFill>
+          <a:prstDash val="solid"/>
+          <a:miter lim="800000"/>
+        </a:ln>
+        <a:effectLst/>
+      </dsp:spPr>
+      <dsp:style>
+        <a:lnRef idx="2">
+          <a:scrgbClr r="0" g="0" b="0"/>
+        </a:lnRef>
+        <a:fillRef idx="1">
+          <a:scrgbClr r="0" g="0" b="0"/>
+        </a:fillRef>
+        <a:effectRef idx="0">
+          <a:scrgbClr r="0" g="0" b="0"/>
+        </a:effectRef>
+        <a:fontRef idx="minor">
+          <a:schemeClr val="lt1"/>
+        </a:fontRef>
+      </dsp:style>
+      <dsp:txBody>
+        <a:bodyPr spcFirstLastPara="0" vert="horz" wrap="square" lIns="17145" tIns="17145" rIns="17145" bIns="17145" numCol="1" spcCol="1270" anchor="ctr" anchorCtr="0">
+          <a:noAutofit/>
+        </a:bodyPr>
+        <a:lstStyle/>
+        <a:p>
+          <a:pPr marL="0" lvl="0" indent="0" algn="ctr" defTabSz="1200150">
+            <a:lnSpc>
+              <a:spcPct val="90000"/>
+            </a:lnSpc>
+            <a:spcBef>
+              <a:spcPct val="0"/>
+            </a:spcBef>
+            <a:spcAft>
+              <a:spcPct val="35000"/>
+            </a:spcAft>
+            <a:buNone/>
+          </a:pPr>
+          <a:r>
+            <a:rPr lang="en-IN" sz="2700" kern="1200" dirty="0"/>
+            <a:t>2 Proportion test</a:t>
+          </a:r>
+        </a:p>
+      </dsp:txBody>
+      <dsp:txXfrm>
+        <a:off x="3234283" y="3727119"/>
+        <a:ext cx="2212578" cy="1106289"/>
+      </dsp:txXfrm>
+    </dsp:sp>
+    <dsp:sp modelId="{97DE37A4-1B39-4071-B379-709E0C93E118}">
+      <dsp:nvSpPr>
+        <dsp:cNvPr id="0" name=""/>
+        <dsp:cNvSpPr/>
+      </dsp:nvSpPr>
+      <dsp:spPr>
+        <a:xfrm>
+          <a:off x="5358358" y="2156188"/>
+          <a:ext cx="2212578" cy="1106289"/>
+        </a:xfrm>
+        <a:prstGeom prst="rect">
+          <a:avLst/>
+        </a:prstGeom>
+        <a:solidFill>
+          <a:schemeClr val="accent1">
+            <a:hueOff val="0"/>
+            <a:satOff val="0"/>
+            <a:lumOff val="0"/>
+            <a:alphaOff val="0"/>
+          </a:schemeClr>
+        </a:solidFill>
+        <a:ln w="12700" cap="flat" cmpd="sng" algn="ctr">
+          <a:solidFill>
+            <a:schemeClr val="lt1">
+              <a:hueOff val="0"/>
+              <a:satOff val="0"/>
+              <a:lumOff val="0"/>
+              <a:alphaOff val="0"/>
+            </a:schemeClr>
+          </a:solidFill>
+          <a:prstDash val="solid"/>
+          <a:miter lim="800000"/>
+        </a:ln>
+        <a:effectLst/>
+      </dsp:spPr>
+      <dsp:style>
+        <a:lnRef idx="2">
+          <a:scrgbClr r="0" g="0" b="0"/>
+        </a:lnRef>
+        <a:fillRef idx="1">
+          <a:scrgbClr r="0" g="0" b="0"/>
+        </a:fillRef>
+        <a:effectRef idx="0">
+          <a:scrgbClr r="0" g="0" b="0"/>
+        </a:effectRef>
+        <a:fontRef idx="minor">
+          <a:schemeClr val="lt1"/>
+        </a:fontRef>
+      </dsp:style>
+      <dsp:txBody>
+        <a:bodyPr spcFirstLastPara="0" vert="horz" wrap="square" lIns="17145" tIns="17145" rIns="17145" bIns="17145" numCol="1" spcCol="1270" anchor="ctr" anchorCtr="0">
+          <a:noAutofit/>
+        </a:bodyPr>
+        <a:lstStyle/>
+        <a:p>
+          <a:pPr marL="0" lvl="0" indent="0" algn="ctr" defTabSz="1200150">
+            <a:lnSpc>
+              <a:spcPct val="90000"/>
+            </a:lnSpc>
+            <a:spcBef>
+              <a:spcPct val="0"/>
+            </a:spcBef>
+            <a:spcAft>
+              <a:spcPct val="35000"/>
+            </a:spcAft>
+            <a:buNone/>
+          </a:pPr>
+          <a:r>
+            <a:rPr lang="en-IN" sz="2700" kern="1200" dirty="0"/>
+            <a:t>Comparing 3 or more samples</a:t>
+          </a:r>
+        </a:p>
+      </dsp:txBody>
+      <dsp:txXfrm>
+        <a:off x="5358358" y="2156188"/>
+        <a:ext cx="2212578" cy="1106289"/>
+      </dsp:txXfrm>
+    </dsp:sp>
+    <dsp:sp modelId="{1C411A76-B1EE-4ECC-91DA-461D2F53273A}">
+      <dsp:nvSpPr>
+        <dsp:cNvPr id="0" name=""/>
+        <dsp:cNvSpPr/>
+      </dsp:nvSpPr>
+      <dsp:spPr>
+        <a:xfrm>
+          <a:off x="5911502" y="3727119"/>
+          <a:ext cx="2212578" cy="1106289"/>
+        </a:xfrm>
+        <a:prstGeom prst="rect">
+          <a:avLst/>
+        </a:prstGeom>
+        <a:solidFill>
+          <a:schemeClr val="accent1">
+            <a:hueOff val="0"/>
+            <a:satOff val="0"/>
+            <a:lumOff val="0"/>
+            <a:alphaOff val="0"/>
+          </a:schemeClr>
+        </a:solidFill>
+        <a:ln w="12700" cap="flat" cmpd="sng" algn="ctr">
+          <a:solidFill>
+            <a:schemeClr val="lt1">
+              <a:hueOff val="0"/>
+              <a:satOff val="0"/>
+              <a:lumOff val="0"/>
+              <a:alphaOff val="0"/>
+            </a:schemeClr>
+          </a:solidFill>
+          <a:prstDash val="solid"/>
+          <a:miter lim="800000"/>
+        </a:ln>
+        <a:effectLst/>
+      </dsp:spPr>
+      <dsp:style>
+        <a:lnRef idx="2">
+          <a:scrgbClr r="0" g="0" b="0"/>
+        </a:lnRef>
+        <a:fillRef idx="1">
+          <a:scrgbClr r="0" g="0" b="0"/>
+        </a:fillRef>
+        <a:effectRef idx="0">
+          <a:scrgbClr r="0" g="0" b="0"/>
+        </a:effectRef>
+        <a:fontRef idx="minor">
+          <a:schemeClr val="lt1"/>
+        </a:fontRef>
+      </dsp:style>
+      <dsp:txBody>
+        <a:bodyPr spcFirstLastPara="0" vert="horz" wrap="square" lIns="17145" tIns="17145" rIns="17145" bIns="17145" numCol="1" spcCol="1270" anchor="ctr" anchorCtr="0">
+          <a:noAutofit/>
+        </a:bodyPr>
+        <a:lstStyle/>
+        <a:p>
+          <a:pPr marL="0" lvl="0" indent="0" algn="ctr" defTabSz="1200150">
+            <a:lnSpc>
+              <a:spcPct val="90000"/>
+            </a:lnSpc>
+            <a:spcBef>
+              <a:spcPct val="0"/>
+            </a:spcBef>
+            <a:spcAft>
+              <a:spcPct val="35000"/>
+            </a:spcAft>
+            <a:buNone/>
+          </a:pPr>
+          <a:r>
+            <a:rPr lang="en-IN" sz="2700" kern="1200" dirty="0"/>
+            <a:t>Chi square test</a:t>
+          </a:r>
+        </a:p>
+      </dsp:txBody>
+      <dsp:txXfrm>
+        <a:off x="5911502" y="3727119"/>
+        <a:ext cx="2212578" cy="1106289"/>
+      </dsp:txXfrm>
+    </dsp:sp>
+  </dsp:spTree>
+</dsp:drawing>
+</file>
+
 <file path=ppt/diagrams/layout1.xml><?xml version="1.0" encoding="utf-8"?>
+<dgm:layoutDef xmlns:dgm="http://schemas.openxmlformats.org/drawingml/2006/diagram" xmlns:a="http://schemas.openxmlformats.org/drawingml/2006/main" uniqueId="urn:microsoft.com/office/officeart/2005/8/layout/orgChart1">
+  <dgm:title val=""/>
+  <dgm:desc val=""/>
+  <dgm:catLst>
+    <dgm:cat type="hierarchy" pri="1000"/>
+    <dgm:cat type="convert" pri="6000"/>
+  </dgm:catLst>
+  <dgm:sampData>
+    <dgm:dataModel>
+      <dgm:ptLst>
+        <dgm:pt modelId="0" type="doc"/>
+        <dgm:pt modelId="1">
+          <dgm:prSet phldr="1"/>
+        </dgm:pt>
+        <dgm:pt modelId="2" type="asst">
+          <dgm:prSet phldr="1"/>
+        </dgm:pt>
+        <dgm:pt modelId="3">
+          <dgm:prSet phldr="1"/>
+        </dgm:pt>
+        <dgm:pt modelId="4">
+          <dgm:prSet phldr="1"/>
+        </dgm:pt>
+        <dgm:pt modelId="5">
+          <dgm:prSet phldr="1"/>
+        </dgm:pt>
+      </dgm:ptLst>
+      <dgm:cxnLst>
+        <dgm:cxn modelId="5" srcId="0" destId="1" srcOrd="0" destOrd="0"/>
+        <dgm:cxn modelId="6" srcId="1" destId="2" srcOrd="0" destOrd="0"/>
+        <dgm:cxn modelId="7" srcId="1" destId="3" srcOrd="1" destOrd="0"/>
+        <dgm:cxn modelId="8" srcId="1" destId="4" srcOrd="2" destOrd="0"/>
+        <dgm:cxn modelId="9" srcId="1" destId="5" srcOrd="3" destOrd="0"/>
+      </dgm:cxnLst>
+      <dgm:bg/>
+      <dgm:whole/>
+    </dgm:dataModel>
+  </dgm:sampData>
+  <dgm:styleData>
+    <dgm:dataModel>
+      <dgm:ptLst>
+        <dgm:pt modelId="0" type="doc"/>
+        <dgm:pt modelId="1"/>
+        <dgm:pt modelId="12"/>
+        <dgm:pt modelId="13"/>
+      </dgm:ptLst>
+      <dgm:cxnLst>
+        <dgm:cxn modelId="2" srcId="0" destId="1" srcOrd="0" destOrd="0"/>
+        <dgm:cxn modelId="16" srcId="1" destId="12" srcOrd="1" destOrd="0"/>
+        <dgm:cxn modelId="17" srcId="1" destId="13" srcOrd="2" destOrd="0"/>
+      </dgm:cxnLst>
+      <dgm:bg/>
+      <dgm:whole/>
+    </dgm:dataModel>
+  </dgm:styleData>
+  <dgm:clrData>
+    <dgm:dataModel>
+      <dgm:ptLst>
+        <dgm:pt modelId="0" type="doc"/>
+        <dgm:pt modelId="1"/>
+        <dgm:pt modelId="11" type="asst"/>
+        <dgm:pt modelId="12"/>
+        <dgm:pt modelId="13"/>
+        <dgm:pt modelId="14"/>
+      </dgm:ptLst>
+      <dgm:cxnLst>
+        <dgm:cxn modelId="2" srcId="0" destId="1" srcOrd="0" destOrd="0"/>
+        <dgm:cxn modelId="15" srcId="1" destId="11" srcOrd="0" destOrd="0"/>
+        <dgm:cxn modelId="16" srcId="1" destId="12" srcOrd="1" destOrd="0"/>
+        <dgm:cxn modelId="17" srcId="1" destId="13" srcOrd="2" destOrd="0"/>
+        <dgm:cxn modelId="18" srcId="1" destId="14" srcOrd="2" destOrd="0"/>
+      </dgm:cxnLst>
+      <dgm:bg/>
+      <dgm:whole/>
+    </dgm:dataModel>
+  </dgm:clrData>
+  <dgm:layoutNode name="hierChild1">
+    <dgm:varLst>
+      <dgm:orgChart val="1"/>
+      <dgm:chPref val="1"/>
+      <dgm:dir/>
+      <dgm:animOne val="branch"/>
+      <dgm:animLvl val="lvl"/>
+      <dgm:resizeHandles/>
+    </dgm:varLst>
+    <dgm:choose name="Name0">
+      <dgm:if name="Name1" func="var" arg="dir" op="equ" val="norm">
+        <dgm:alg type="hierChild">
+          <dgm:param type="linDir" val="fromL"/>
+        </dgm:alg>
+      </dgm:if>
+      <dgm:else name="Name2">
+        <dgm:alg type="hierChild">
+          <dgm:param type="linDir" val="fromR"/>
+        </dgm:alg>
+      </dgm:else>
+    </dgm:choose>
+    <dgm:shape xmlns:r="http://schemas.openxmlformats.org/officeDocument/2006/relationships" r:blip="">
+      <dgm:adjLst/>
+    </dgm:shape>
+    <dgm:presOf/>
+    <dgm:constrLst>
+      <dgm:constr type="w" for="des" forName="rootComposite1" refType="w" fact="10"/>
+      <dgm:constr type="h" for="des" forName="rootComposite1" refType="w" refFor="des" refForName="rootComposite1" fact="0.5"/>
+      <dgm:constr type="w" for="des" forName="rootComposite" refType="w" fact="10"/>
+      <dgm:constr type="h" for="des" forName="rootComposite" refType="w" refFor="des" refForName="rootComposite1" fact="0.5"/>
+      <dgm:constr type="w" for="des" forName="rootComposite3" refType="w" fact="10"/>
+      <dgm:constr type="h" for="des" forName="rootComposite3" refType="w" refFor="des" refForName="rootComposite1" fact="0.5"/>
+      <dgm:constr type="primFontSz" for="des" ptType="node" op="equ"/>
+      <dgm:constr type="sp" for="des" op="equ"/>
+      <dgm:constr type="sp" for="des" forName="hierRoot1" refType="w" refFor="des" refForName="rootComposite1" fact="0.21"/>
+      <dgm:constr type="sp" for="des" forName="hierRoot2" refType="sp" refFor="des" refForName="hierRoot1"/>
+      <dgm:constr type="sp" for="des" forName="hierRoot3" refType="sp" refFor="des" refForName="hierRoot1"/>
+      <dgm:constr type="sibSp" refType="w" refFor="des" refForName="rootComposite1" fact="0.21"/>
+      <dgm:constr type="sibSp" for="des" forName="hierChild2" refType="sibSp"/>
+      <dgm:constr type="sibSp" for="des" forName="hierChild3" refType="sibSp"/>
+      <dgm:constr type="sibSp" for="des" forName="hierChild4" refType="sibSp"/>
+      <dgm:constr type="sibSp" for="des" forName="hierChild5" refType="sibSp"/>
+      <dgm:constr type="sibSp" for="des" forName="hierChild6" refType="sibSp"/>
+      <dgm:constr type="sibSp" for="des" forName="hierChild7" refType="sibSp"/>
+      <dgm:constr type="secSibSp" refType="w" refFor="des" refForName="rootComposite1" fact="0.21"/>
+      <dgm:constr type="secSibSp" for="des" forName="hierChild2" refType="secSibSp"/>
+      <dgm:constr type="secSibSp" for="des" forName="hierChild3" refType="secSibSp"/>
+      <dgm:constr type="secSibSp" for="des" forName="hierChild4" refType="secSibSp"/>
+      <dgm:constr type="secSibSp" for="des" forName="hierChild5" refType="secSibSp"/>
+      <dgm:constr type="secSibSp" for="des" forName="hierChild6" refType="secSibSp"/>
+      <dgm:constr type="secSibSp" for="des" forName="hierChild7" refType="secSibSp"/>
+    </dgm:constrLst>
+    <dgm:ruleLst/>
+    <dgm:forEach name="Name3" axis="ch">
+      <dgm:forEach name="Name4" axis="self" ptType="node">
+        <dgm:layoutNode name="hierRoot1">
+          <dgm:varLst>
+            <dgm:hierBranch val="init"/>
+          </dgm:varLst>
+          <dgm:choose name="Name5">
+            <dgm:if name="Name6" func="var" arg="hierBranch" op="equ" val="l">
+              <dgm:choose name="Name7">
+                <dgm:if name="Name8" axis="ch" ptType="asst" func="cnt" op="gte" val="1">
+                  <dgm:alg type="hierRoot">
+                    <dgm:param type="hierAlign" val="tR"/>
+                  </dgm:alg>
+                  <dgm:constrLst>
+                    <dgm:constr type="alignOff" val="0.65"/>
+                  </dgm:constrLst>
+                </dgm:if>
+                <dgm:else name="Name9">
+                  <dgm:alg type="hierRoot">
+                    <dgm:param type="hierAlign" val="tR"/>
+                  </dgm:alg>
+                  <dgm:constrLst>
+                    <dgm:constr type="alignOff" val="0.25"/>
+                  </dgm:constrLst>
+                </dgm:else>
+              </dgm:choose>
+            </dgm:if>
+            <dgm:if name="Name10" func="var" arg="hierBranch" op="equ" val="r">
+              <dgm:choose name="Name11">
+                <dgm:if name="Name12" axis="ch" ptType="asst" func="cnt" op="gte" val="1">
+                  <dgm:alg type="hierRoot">
+                    <dgm:param type="hierAlign" val="tL"/>
+                  </dgm:alg>
+                  <dgm:constrLst>
+                    <dgm:constr type="alignOff" val="0.65"/>
+                  </dgm:constrLst>
+                </dgm:if>
+                <dgm:else name="Name13">
+                  <dgm:alg type="hierRoot">
+                    <dgm:param type="hierAlign" val="tL"/>
+                  </dgm:alg>
+                  <dgm:constrLst>
+                    <dgm:constr type="alignOff" val="0.25"/>
+                  </dgm:constrLst>
+                </dgm:else>
+              </dgm:choose>
+            </dgm:if>
+            <dgm:if name="Name14" func="var" arg="hierBranch" op="equ" val="hang">
+              <dgm:alg type="hierRoot"/>
+              <dgm:constrLst>
+                <dgm:constr type="alignOff" val="0.65"/>
+              </dgm:constrLst>
+            </dgm:if>
+            <dgm:else name="Name15">
+              <dgm:alg type="hierRoot"/>
+              <dgm:constrLst>
+                <dgm:constr type="alignOff"/>
+                <dgm:constr type="bendDist" for="des" ptType="parTrans" refType="sp" fact="0.5"/>
+              </dgm:constrLst>
+            </dgm:else>
+          </dgm:choose>
+          <dgm:shape xmlns:r="http://schemas.openxmlformats.org/officeDocument/2006/relationships" r:blip="">
+            <dgm:adjLst/>
+          </dgm:shape>
+          <dgm:presOf/>
+          <dgm:ruleLst/>
+          <dgm:layoutNode name="rootComposite1">
+            <dgm:alg type="composite"/>
+            <dgm:shape xmlns:r="http://schemas.openxmlformats.org/officeDocument/2006/relationships" r:blip="">
+              <dgm:adjLst/>
+            </dgm:shape>
+            <dgm:presOf axis="self" ptType="node" cnt="1"/>
+            <dgm:choose name="Name16">
+              <dgm:if name="Name17" func="var" arg="hierBranch" op="equ" val="init">
+                <dgm:constrLst>
+                  <dgm:constr type="l" for="ch" forName="rootText1"/>
+                  <dgm:constr type="t" for="ch" forName="rootText1"/>
+                  <dgm:constr type="w" for="ch" forName="rootText1" refType="w"/>
+                  <dgm:constr type="h" for="ch" forName="rootText1" refType="h"/>
+                  <dgm:constr type="l" for="ch" forName="rootConnector1"/>
+                  <dgm:constr type="t" for="ch" forName="rootConnector1"/>
+                  <dgm:constr type="w" for="ch" forName="rootConnector1" refType="w" refFor="ch" refForName="rootText1" fact="0.2"/>
+                  <dgm:constr type="h" for="ch" forName="rootConnector1" refType="h" refFor="ch" refForName="rootText1"/>
+                </dgm:constrLst>
+              </dgm:if>
+              <dgm:if name="Name18" func="var" arg="hierBranch" op="equ" val="l">
+                <dgm:constrLst>
+                  <dgm:constr type="l" for="ch" forName="rootText1"/>
+                  <dgm:constr type="t" for="ch" forName="rootText1"/>
+                  <dgm:constr type="w" for="ch" forName="rootText1" refType="w"/>
+                  <dgm:constr type="h" for="ch" forName="rootText1" refType="h"/>
+                  <dgm:constr type="r" for="ch" forName="rootConnector1" refType="w"/>
+                  <dgm:constr type="t" for="ch" forName="rootConnector1"/>
+                  <dgm:constr type="w" for="ch" forName="rootConnector1" refType="w" refFor="ch" refForName="rootText1" fact="0.2"/>
+                  <dgm:constr type="h" for="ch" forName="rootConnector1" refType="h" refFor="ch" refForName="rootText1"/>
+                </dgm:constrLst>
+              </dgm:if>
+              <dgm:if name="Name19" func="var" arg="hierBranch" op="equ" val="r">
+                <dgm:constrLst>
+                  <dgm:constr type="l" for="ch" forName="rootText1"/>
+                  <dgm:constr type="t" for="ch" forName="rootText1"/>
+                  <dgm:constr type="w" for="ch" forName="rootText1" refType="w"/>
+                  <dgm:constr type="h" for="ch" forName="rootText1" refType="h"/>
+                  <dgm:constr type="l" for="ch" forName="rootConnector1"/>
+                  <dgm:constr type="t" for="ch" forName="rootConnector1"/>
+                  <dgm:constr type="w" for="ch" forName="rootConnector1" refType="w" refFor="ch" refForName="rootText1" fact="0.2"/>
+                  <dgm:constr type="h" for="ch" forName="rootConnector1" refType="h" refFor="ch" refForName="rootText1"/>
+                </dgm:constrLst>
+              </dgm:if>
+              <dgm:else name="Name20">
+                <dgm:constrLst>
+                  <dgm:constr type="l" for="ch" forName="rootText1"/>
+                  <dgm:constr type="t" for="ch" forName="rootText1"/>
+                  <dgm:constr type="w" for="ch" forName="rootText1" refType="w"/>
+                  <dgm:constr type="h" for="ch" forName="rootText1" refType="h"/>
+                  <dgm:constr type="r" for="ch" forName="rootConnector1" refType="w"/>
+                  <dgm:constr type="t" for="ch" forName="rootConnector1"/>
+                  <dgm:constr type="w" for="ch" forName="rootConnector1" refType="w" refFor="ch" refForName="rootText1" fact="0.2"/>
+                  <dgm:constr type="h" for="ch" forName="rootConnector1" refType="h" refFor="ch" refForName="rootText1"/>
+                </dgm:constrLst>
+              </dgm:else>
+            </dgm:choose>
+            <dgm:ruleLst/>
+            <dgm:layoutNode name="rootText1" styleLbl="node0">
+              <dgm:varLst>
+                <dgm:chPref val="3"/>
+              </dgm:varLst>
+              <dgm:alg type="tx"/>
+              <dgm:shape xmlns:r="http://schemas.openxmlformats.org/officeDocument/2006/relationships" type="rect" r:blip="">
+                <dgm:adjLst/>
+              </dgm:shape>
+              <dgm:presOf axis="self" ptType="node" cnt="1"/>
+              <dgm:constrLst>
+                <dgm:constr type="primFontSz" val="65"/>
+                <dgm:constr type="lMarg" refType="primFontSz" fact="0.05"/>
+                <dgm:constr type="rMarg" refType="primFontSz" fact="0.05"/>
+                <dgm:constr type="tMarg" refType="primFontSz" fact="0.05"/>
+                <dgm:constr type="bMarg" refType="primFontSz" fact="0.05"/>
+              </dgm:constrLst>
+              <dgm:ruleLst>
+                <dgm:rule type="primFontSz" val="5" fact="NaN" max="NaN"/>
+              </dgm:ruleLst>
+            </dgm:layoutNode>
+            <dgm:layoutNode name="rootConnector1" moveWith="rootText1">
+              <dgm:alg type="sp"/>
+              <dgm:shape xmlns:r="http://schemas.openxmlformats.org/officeDocument/2006/relationships" type="rect" r:blip="" hideGeom="1">
+                <dgm:adjLst/>
+              </dgm:shape>
+              <dgm:presOf axis="self" ptType="node" cnt="1"/>
+              <dgm:constrLst/>
+              <dgm:ruleLst/>
+            </dgm:layoutNode>
+          </dgm:layoutNode>
+          <dgm:layoutNode name="hierChild2">
+            <dgm:choose name="Name21">
+              <dgm:if name="Name22" func="var" arg="hierBranch" op="equ" val="l">
+                <dgm:alg type="hierChild">
+                  <dgm:param type="chAlign" val="r"/>
+                  <dgm:param type="linDir" val="fromT"/>
+                </dgm:alg>
+              </dgm:if>
+              <dgm:if name="Name23" func="var" arg="hierBranch" op="equ" val="r">
+                <dgm:alg type="hierChild">
+                  <dgm:param type="chAlign" val="l"/>
+                  <dgm:param type="linDir" val="fromT"/>
+                </dgm:alg>
+              </dgm:if>
+              <dgm:if name="Name24" func="var" arg="hierBranch" op="equ" val="hang">
+                <dgm:choose name="Name25">
+                  <dgm:if name="Name26" func="var" arg="dir" op="equ" val="norm">
+                    <dgm:alg type="hierChild">
+                      <dgm:param type="chAlign" val="l"/>
+                      <dgm:param type="linDir" val="fromL"/>
+                      <dgm:param type="secChAlign" val="t"/>
+                      <dgm:param type="secLinDir" val="fromT"/>
+                    </dgm:alg>
+                  </dgm:if>
+                  <dgm:else name="Name27">
+                    <dgm:alg type="hierChild">
+                      <dgm:param type="chAlign" val="l"/>
+                      <dgm:param type="linDir" val="fromR"/>
+                      <dgm:param type="secChAlign" val="t"/>
+                      <dgm:param type="secLinDir" val="fromT"/>
+                    </dgm:alg>
+                  </dgm:else>
+                </dgm:choose>
+              </dgm:if>
+              <dgm:else name="Name28">
+                <dgm:choose name="Name29">
+                  <dgm:if name="Name30" func="var" arg="dir" op="equ" val="norm">
+                    <dgm:alg type="hierChild"/>
+                  </dgm:if>
+                  <dgm:else name="Name31">
+                    <dgm:alg type="hierChild">
+                      <dgm:param type="linDir" val="fromR"/>
+                    </dgm:alg>
+                  </dgm:else>
+                </dgm:choose>
+              </dgm:else>
+            </dgm:choose>
+            <dgm:shape xmlns:r="http://schemas.openxmlformats.org/officeDocument/2006/relationships" r:blip="">
+              <dgm:adjLst/>
+            </dgm:shape>
+            <dgm:presOf/>
+            <dgm:constrLst/>
+            <dgm:ruleLst/>
+            <dgm:forEach name="rep2a" axis="ch" ptType="nonAsst">
+              <dgm:forEach name="Name32" axis="precedSib" ptType="parTrans" st="-1" cnt="1">
+                <dgm:choose name="Name33">
+                  <dgm:if name="Name34" func="var" arg="hierBranch" op="equ" val="std">
+                    <dgm:layoutNode name="Name35">
+                      <dgm:alg type="conn">
+                        <dgm:param type="connRout" val="bend"/>
+                        <dgm:param type="dim" val="1D"/>
+                        <dgm:param type="endSty" val="noArr"/>
+                        <dgm:param type="begPts" val="bCtr"/>
+                        <dgm:param type="endPts" val="tCtr"/>
+                        <dgm:param type="bendPt" val="end"/>
+                      </dgm:alg>
+                      <dgm:shape xmlns:r="http://schemas.openxmlformats.org/officeDocument/2006/relationships" type="conn" r:blip="" zOrderOff="-99999">
+                        <dgm:adjLst/>
+                      </dgm:shape>
+                      <dgm:presOf axis="self"/>
+                      <dgm:constrLst>
+                        <dgm:constr type="begPad"/>
+                        <dgm:constr type="endPad"/>
+                      </dgm:constrLst>
+                      <dgm:ruleLst/>
+                    </dgm:layoutNode>
+                  </dgm:if>
+                  <dgm:if name="Name36" func="var" arg="hierBranch" op="equ" val="init">
+                    <dgm:layoutNode name="Name37">
+                      <dgm:choose name="Name38">
+                        <dgm:if name="Name39" axis="self" func="depth" op="lte" val="2">
+                          <dgm:alg type="conn">
+                            <dgm:param type="connRout" val="bend"/>
+                            <dgm:param type="dim" val="1D"/>
+                            <dgm:param type="endSty" val="noArr"/>
+                            <dgm:param type="begPts" val="bCtr"/>
+                            <dgm:param type="endPts" val="tCtr"/>
+                            <dgm:param type="bendPt" val="end"/>
+                          </dgm:alg>
+                        </dgm:if>
+                        <dgm:else name="Name40">
+                          <dgm:choose name="Name41">
+                            <dgm:if name="Name42" axis="par des" func="maxDepth" op="lte" val="1">
+                              <dgm:choose name="Name43">
+                                <dgm:if name="Name44" axis="par ch" ptType="node asst" func="cnt" op="gte" val="1">
+                                  <dgm:alg type="conn">
+                                    <dgm:param type="connRout" val="bend"/>
+                                    <dgm:param type="dim" val="1D"/>
+                                    <dgm:param type="endSty" val="noArr"/>
+                                    <dgm:param type="begPts" val="bCtr"/>
+                                    <dgm:param type="endPts" val="midL midR"/>
+                                  </dgm:alg>
+                                </dgm:if>
+                                <dgm:else name="Name45">
+                                  <dgm:alg type="conn">
+                                    <dgm:param type="connRout" val="bend"/>
+                                    <dgm:param type="dim" val="1D"/>
+                                    <dgm:param type="endSty" val="noArr"/>
+                                    <dgm:param type="begPts" val="bCtr"/>
+                                    <dgm:param type="endPts" val="midL midR"/>
+                                    <dgm:param type="srcNode" val="rootConnector"/>
+                                  </dgm:alg>
+                                </dgm:else>
+                              </dgm:choose>
+                            </dgm:if>
+                            <dgm:else name="Name46">
+                              <dgm:alg type="conn">
+                                <dgm:param type="connRout" val="bend"/>
+                                <dgm:param type="dim" val="1D"/>
+                                <dgm:param type="endSty" val="noArr"/>
+                                <dgm:param type="begPts" val="bCtr"/>
+                                <dgm:param type="endPts" val="tCtr"/>
+                                <dgm:param type="bendPt" val="end"/>
+                              </dgm:alg>
+                            </dgm:else>
+                          </dgm:choose>
+                        </dgm:else>
+                      </dgm:choose>
+                      <dgm:shape xmlns:r="http://schemas.openxmlformats.org/officeDocument/2006/relationships" type="conn" r:blip="" zOrderOff="-99999">
+                        <dgm:adjLst/>
+                      </dgm:shape>
+                      <dgm:presOf axis="self"/>
+                      <dgm:constrLst>
+                        <dgm:constr type="begPad"/>
+                        <dgm:constr type="endPad"/>
+                      </dgm:constrLst>
+                      <dgm:ruleLst/>
+                    </dgm:layoutNode>
+                  </dgm:if>
+                  <dgm:if name="Name47" func="var" arg="hierBranch" op="equ" val="hang">
+                    <dgm:layoutNode name="Name48">
+                      <dgm:alg type="conn">
+                        <dgm:param type="connRout" val="bend"/>
+                        <dgm:param type="dim" val="1D"/>
+                        <dgm:param type="endSty" val="noArr"/>
+                        <dgm:param type="begPts" val="bCtr"/>
+                        <dgm:param type="endPts" val="midL midR"/>
+                      </dgm:alg>
+                      <dgm:shape xmlns:r="http://schemas.openxmlformats.org/officeDocument/2006/relationships" type="conn" r:blip="" zOrderOff="-99999">
+                        <dgm:adjLst/>
+                      </dgm:shape>
+                      <dgm:presOf axis="self"/>
+                      <dgm:constrLst>
+                        <dgm:constr type="begPad"/>
+                        <dgm:constr type="endPad"/>
+                      </dgm:constrLst>
+                      <dgm:ruleLst/>
+                    </dgm:layoutNode>
+                  </dgm:if>
+                  <dgm:else name="Name49">
+                    <dgm:layoutNode name="Name50">
+                      <dgm:choose name="Name51">
+                        <dgm:if name="Name52" axis="self" func="depth" op="lte" val="2">
+                          <dgm:choose name="Name53">
+                            <dgm:if name="Name54" axis="par ch" ptType="node asst" func="cnt" op="gte" val="1">
+                              <dgm:alg type="conn">
+                                <dgm:param type="connRout" val="bend"/>
+                                <dgm:param type="dim" val="1D"/>
+                                <dgm:param type="endSty" val="noArr"/>
+                                <dgm:param type="begPts" val="bCtr"/>
+                                <dgm:param type="endPts" val="midL midR"/>
+                              </dgm:alg>
+                            </dgm:if>
+                            <dgm:else name="Name55">
+                              <dgm:alg type="conn">
+                                <dgm:param type="connRout" val="bend"/>
+                                <dgm:param type="dim" val="1D"/>
+                                <dgm:param type="endSty" val="noArr"/>
+                                <dgm:param type="begPts" val="bCtr"/>
+                                <dgm:param type="endPts" val="midL midR"/>
+                                <dgm:param type="srcNode" val="rootConnector1"/>
+                              </dgm:alg>
+                            </dgm:else>
+                          </dgm:choose>
+                        </dgm:if>
+                        <dgm:else name="Name56">
+                          <dgm:choose name="Name57">
+                            <dgm:if name="Name58" axis="par ch" ptType="node asst" func="cnt" op="gte" val="1">
+                              <dgm:alg type="conn">
+                                <dgm:param type="connRout" val="bend"/>
+                                <dgm:param type="dim" val="1D"/>
+                                <dgm:param type="endSty" val="noArr"/>
+                                <dgm:param type="begPts" val="bCtr"/>
+                                <dgm:param type="endPts" val="midL midR"/>
+                              </dgm:alg>
+                            </dgm:if>
+                            <dgm:else name="Name59">
+                              <dgm:alg type="conn">
+                                <dgm:param type="connRout" val="bend"/>
+                                <dgm:param type="dim" val="1D"/>
+                                <dgm:param type="endSty" val="noArr"/>
+                                <dgm:param type="begPts" val="bCtr"/>
+                                <dgm:param type="endPts" val="midL midR"/>
+                                <dgm:param type="srcNode" val="rootConnector"/>
+                              </dgm:alg>
+                            </dgm:else>
+                          </dgm:choose>
+                        </dgm:else>
+                      </dgm:choose>
+                      <dgm:shape xmlns:r="http://schemas.openxmlformats.org/officeDocument/2006/relationships" type="conn" r:blip="" zOrderOff="-99999">
+                        <dgm:adjLst/>
+                      </dgm:shape>
+                      <dgm:presOf axis="self"/>
+                      <dgm:constrLst>
+                        <dgm:constr type="begPad"/>
+                        <dgm:constr type="endPad"/>
+                      </dgm:constrLst>
+                      <dgm:ruleLst/>
+                    </dgm:layoutNode>
+                  </dgm:else>
+                </dgm:choose>
+              </dgm:forEach>
+              <dgm:layoutNode name="hierRoot2">
+                <dgm:varLst>
+                  <dgm:hierBranch val="init"/>
+                </dgm:varLst>
+                <dgm:choose name="Name60">
+                  <dgm:if name="Name61" func="var" arg="hierBranch" op="equ" val="l">
+                    <dgm:choose name="Name62">
+                      <dgm:if name="Name63" axis="ch" ptType="asst" func="cnt" op="gte" val="1">
+                        <dgm:alg type="hierRoot">
+                          <dgm:param type="hierAlign" val="tR"/>
+                        </dgm:alg>
+                        <dgm:shape xmlns:r="http://schemas.openxmlformats.org/officeDocument/2006/relationships" r:blip="">
+                          <dgm:adjLst/>
+                        </dgm:shape>
+                        <dgm:presOf/>
+                        <dgm:constrLst>
+                          <dgm:constr type="alignOff" val="0.65"/>
+                        </dgm:constrLst>
+                      </dgm:if>
+                      <dgm:else name="Name64">
+                        <dgm:alg type="hierRoot">
+                          <dgm:param type="hierAlign" val="tR"/>
+                        </dgm:alg>
+                        <dgm:shape xmlns:r="http://schemas.openxmlformats.org/officeDocument/2006/relationships" r:blip="">
+                          <dgm:adjLst/>
+                        </dgm:shape>
+                        <dgm:presOf/>
+                        <dgm:constrLst>
+                          <dgm:constr type="alignOff" val="0.25"/>
+                        </dgm:constrLst>
+                      </dgm:else>
+                    </dgm:choose>
+                  </dgm:if>
+                  <dgm:if name="Name65" func="var" arg="hierBranch" op="equ" val="r">
+                    <dgm:choose name="Name66">
+                      <dgm:if name="Name67" axis="ch" ptType="asst" func="cnt" op="gte" val="1">
+                        <dgm:alg type="hierRoot">
+                          <dgm:param type="hierAlign" val="tL"/>
+                        </dgm:alg>
+                        <dgm:shape xmlns:r="http://schemas.openxmlformats.org/officeDocument/2006/relationships" r:blip="">
+                          <dgm:adjLst/>
+                        </dgm:shape>
+                        <dgm:presOf/>
+                        <dgm:constrLst>
+                          <dgm:constr type="alignOff" val="0.65"/>
+                        </dgm:constrLst>
+                      </dgm:if>
+                      <dgm:else name="Name68">
+                        <dgm:alg type="hierRoot">
+                          <dgm:param type="hierAlign" val="tL"/>
+                        </dgm:alg>
+                        <dgm:shape xmlns:r="http://schemas.openxmlformats.org/officeDocument/2006/relationships" r:blip="">
+                          <dgm:adjLst/>
+                        </dgm:shape>
+                        <dgm:presOf/>
+                        <dgm:constrLst>
+                          <dgm:constr type="alignOff" val="0.25"/>
+                        </dgm:constrLst>
+                      </dgm:else>
+                    </dgm:choose>
+                  </dgm:if>
+                  <dgm:if name="Name69" func="var" arg="hierBranch" op="equ" val="std">
+                    <dgm:alg type="hierRoot"/>
+                    <dgm:shape xmlns:r="http://schemas.openxmlformats.org/officeDocument/2006/relationships" r:blip="">
+                      <dgm:adjLst/>
+                    </dgm:shape>
+                    <dgm:presOf/>
+                    <dgm:constrLst>
+                      <dgm:constr type="alignOff"/>
+                      <dgm:constr type="bendDist" for="des" ptType="parTrans" refType="sp" fact="0.5"/>
+                    </dgm:constrLst>
+                  </dgm:if>
+                  <dgm:if name="Name70" func="var" arg="hierBranch" op="equ" val="init">
+                    <dgm:choose name="Name71">
+                      <dgm:if name="Name72" axis="des" func="maxDepth" op="lte" val="1">
+                        <dgm:choose name="Name73">
+                          <dgm:if name="Name74" axis="ch" ptType="asst" func="cnt" op="gte" val="1">
+                            <dgm:alg type="hierRoot">
+                              <dgm:param type="hierAlign" val="tL"/>
+                            </dgm:alg>
+                            <dgm:shape xmlns:r="http://schemas.openxmlformats.org/officeDocument/2006/relationships" r:blip="">
+                              <dgm:adjLst/>
+                            </dgm:shape>
+                            <dgm:presOf/>
+                            <dgm:constrLst>
+                              <dgm:constr type="alignOff" val="0.65"/>
+                            </dgm:constrLst>
+                          </dgm:if>
+                          <dgm:else name="Name75">
+                            <dgm:alg type="hierRoot">
+                              <dgm:param type="hierAlign" val="tL"/>
+                            </dgm:alg>
+                            <dgm:shape xmlns:r="http://schemas.openxmlformats.org/officeDocument/2006/relationships" r:blip="">
+                              <dgm:adjLst/>
+                            </dgm:shape>
+                            <dgm:presOf/>
+                            <dgm:constrLst>
+                              <dgm:constr type="alignOff" val="0.25"/>
+                            </dgm:constrLst>
+                          </dgm:else>
+                        </dgm:choose>
+                      </dgm:if>
+                      <dgm:else name="Name76">
+                        <dgm:alg type="hierRoot"/>
+                        <dgm:shape xmlns:r="http://schemas.openxmlformats.org/officeDocument/2006/relationships" r:blip="">
+                          <dgm:adjLst/>
+                        </dgm:shape>
+                        <dgm:presOf/>
+                        <dgm:constrLst>
+                          <dgm:constr type="alignOff"/>
+                          <dgm:constr type="bendDist" for="des" ptType="parTrans" refType="sp" fact="0.5"/>
+                        </dgm:constrLst>
+                      </dgm:else>
+                    </dgm:choose>
+                  </dgm:if>
+                  <dgm:else name="Name77">
+                    <dgm:alg type="hierRoot"/>
+                    <dgm:shape xmlns:r="http://schemas.openxmlformats.org/officeDocument/2006/relationships" r:blip="">
+                      <dgm:adjLst/>
+                    </dgm:shape>
+                    <dgm:presOf/>
+                    <dgm:constrLst>
+                      <dgm:constr type="alignOff" val="0.65"/>
+                    </dgm:constrLst>
+                  </dgm:else>
+                </dgm:choose>
+                <dgm:ruleLst/>
+                <dgm:layoutNode name="rootComposite">
+                  <dgm:alg type="composite"/>
+                  <dgm:shape xmlns:r="http://schemas.openxmlformats.org/officeDocument/2006/relationships" r:blip="">
+                    <dgm:adjLst/>
+                  </dgm:shape>
+                  <dgm:presOf axis="self" ptType="node" cnt="1"/>
+                  <dgm:choose name="Name78">
+                    <dgm:if name="Name79" func="var" arg="hierBranch" op="equ" val="init">
+                      <dgm:constrLst>
+                        <dgm:constr type="l" for="ch" forName="rootText"/>
+                        <dgm:constr type="t" for="ch" forName="rootText"/>
+                        <dgm:constr type="w" for="ch" forName="rootText" refType="w"/>
+                        <dgm:constr type="h" for="ch" forName="rootText" refType="h"/>
+                        <dgm:constr type="l" for="ch" forName="rootConnector"/>
+                        <dgm:constr type="t" for="ch" forName="rootConnector"/>
+                        <dgm:constr type="w" for="ch" forName="rootConnector" refType="w" refFor="ch" refForName="rootText" fact="0.2"/>
+                        <dgm:constr type="h" for="ch" forName="rootConnector" refType="h" refFor="ch" refForName="rootText"/>
+                      </dgm:constrLst>
+                    </dgm:if>
+                    <dgm:if name="Name80" func="var" arg="hierBranch" op="equ" val="l">
+                      <dgm:constrLst>
+                        <dgm:constr type="l" for="ch" forName="rootText"/>
+                        <dgm:constr type="t" for="ch" forName="rootText"/>
+                        <dgm:constr type="w" for="ch" forName="rootText" refType="w"/>
+                        <dgm:constr type="h" for="ch" forName="rootText" refType="h"/>
+                        <dgm:constr type="r" for="ch" forName="rootConnector" refType="w"/>
+                        <dgm:constr type="t" for="ch" forName="rootConnector"/>
+                        <dgm:constr type="w" for="ch" forName="rootConnector" refType="w" refFor="ch" refForName="rootText" fact="0.2"/>
+                        <dgm:constr type="h" for="ch" forName="rootConnector" refType="h" refFor="ch" refForName="rootText"/>
+                      </dgm:constrLst>
+                    </dgm:if>
+                    <dgm:if name="Name81" func="var" arg="hierBranch" op="equ" val="r">
+                      <dgm:constrLst>
+                        <dgm:constr type="l" for="ch" forName="rootText"/>
+                        <dgm:constr type="t" for="ch" forName="rootText"/>
+                        <dgm:constr type="w" for="ch" forName="rootText" refType="w"/>
+                        <dgm:constr type="h" for="ch" forName="rootText" refType="h"/>
+                        <dgm:constr type="l" for="ch" forName="rootConnector"/>
+                        <dgm:constr type="t" for="ch" forName="rootConnector"/>
+                        <dgm:constr type="w" for="ch" forName="rootConnector" refType="w" refFor="ch" refForName="rootText" fact="0.2"/>
+                        <dgm:constr type="h" for="ch" forName="rootConnector" refType="h" refFor="ch" refForName="rootText"/>
+                      </dgm:constrLst>
+                    </dgm:if>
+                    <dgm:else name="Name82">
+                      <dgm:constrLst>
+                        <dgm:constr type="l" for="ch" forName="rootText"/>
+                        <dgm:constr type="t" for="ch" forName="rootText"/>
+                        <dgm:constr type="w" for="ch" forName="rootText" refType="w"/>
+                        <dgm:constr type="h" for="ch" forName="rootText" refType="h"/>
+                        <dgm:constr type="r" for="ch" forName="rootConnector" refType="w"/>
+                        <dgm:constr type="t" for="ch" forName="rootConnector"/>
+                        <dgm:constr type="w" for="ch" forName="rootConnector" refType="w" refFor="ch" refForName="rootText" fact="0.2"/>
+                        <dgm:constr type="h" for="ch" forName="rootConnector" refType="h" refFor="ch" refForName="rootText"/>
+                      </dgm:constrLst>
+                    </dgm:else>
+                  </dgm:choose>
+                  <dgm:ruleLst/>
+                  <dgm:layoutNode name="rootText">
+                    <dgm:varLst>
+                      <dgm:chPref val="3"/>
+                    </dgm:varLst>
+                    <dgm:alg type="tx"/>
+                    <dgm:shape xmlns:r="http://schemas.openxmlformats.org/officeDocument/2006/relationships" type="rect" r:blip="">
+                      <dgm:adjLst/>
+                    </dgm:shape>
+                    <dgm:presOf axis="self" ptType="node" cnt="1"/>
+                    <dgm:constrLst>
+                      <dgm:constr type="primFontSz" val="65"/>
+                      <dgm:constr type="lMarg" refType="primFontSz" fact="0.05"/>
+                      <dgm:constr type="rMarg" refType="primFontSz" fact="0.05"/>
+                      <dgm:constr type="tMarg" refType="primFontSz" fact="0.05"/>
+                      <dgm:constr type="bMarg" refType="primFontSz" fact="0.05"/>
+                    </dgm:constrLst>
+                    <dgm:ruleLst>
+                      <dgm:rule type="primFontSz" val="5" fact="NaN" max="NaN"/>
+                    </dgm:ruleLst>
+                  </dgm:layoutNode>
+                  <dgm:layoutNode name="rootConnector" moveWith="rootText">
+                    <dgm:alg type="sp"/>
+                    <dgm:shape xmlns:r="http://schemas.openxmlformats.org/officeDocument/2006/relationships" type="rect" r:blip="" hideGeom="1">
+                      <dgm:adjLst/>
+                    </dgm:shape>
+                    <dgm:presOf axis="self" ptType="node" cnt="1"/>
+                    <dgm:constrLst/>
+                    <dgm:ruleLst/>
+                  </dgm:layoutNode>
+                </dgm:layoutNode>
+                <dgm:layoutNode name="hierChild4">
+                  <dgm:choose name="Name83">
+                    <dgm:if name="Name84" func="var" arg="hierBranch" op="equ" val="l">
+                      <dgm:alg type="hierChild">
+                        <dgm:param type="chAlign" val="r"/>
+                        <dgm:param type="linDir" val="fromT"/>
+                      </dgm:alg>
+                    </dgm:if>
+                    <dgm:if name="Name85" func="var" arg="hierBranch" op="equ" val="r">
+                      <dgm:alg type="hierChild">
+                        <dgm:param type="chAlign" val="l"/>
+                        <dgm:param type="linDir" val="fromT"/>
+                      </dgm:alg>
+                    </dgm:if>
+                    <dgm:if name="Name86" func="var" arg="hierBranch" op="equ" val="hang">
+                      <dgm:choose name="Name87">
+                        <dgm:if name="Name88" func="var" arg="dir" op="equ" val="norm">
+                          <dgm:alg type="hierChild">
+                            <dgm:param type="chAlign" val="l"/>
+                            <dgm:param type="linDir" val="fromL"/>
+                            <dgm:param type="secChAlign" val="t"/>
+                            <dgm:param type="secLinDir" val="fromT"/>
+                          </dgm:alg>
+                        </dgm:if>
+                        <dgm:else name="Name89">
+                          <dgm:alg type="hierChild">
+                            <dgm:param type="chAlign" val="l"/>
+                            <dgm:param type="linDir" val="fromR"/>
+                            <dgm:param type="secChAlign" val="t"/>
+                            <dgm:param type="secLinDir" val="fromT"/>
+                          </dgm:alg>
+                        </dgm:else>
+                      </dgm:choose>
+                    </dgm:if>
+                    <dgm:if name="Name90" func="var" arg="hierBranch" op="equ" val="std">
+                      <dgm:choose name="Name91">
+                        <dgm:if name="Name92" func="var" arg="dir" op="equ" val="norm">
+                          <dgm:alg type="hierChild"/>
+                        </dgm:if>
+                        <dgm:else name="Name93">
+                          <dgm:alg type="hierChild">
+                            <dgm:param type="linDir" val="fromR"/>
+                          </dgm:alg>
+                        </dgm:else>
+                      </dgm:choose>
+                    </dgm:if>
+                    <dgm:if name="Name94" func="var" arg="hierBranch" op="equ" val="init">
+                      <dgm:choose name="Name95">
+                        <dgm:if name="Name96" axis="des" func="maxDepth" op="lte" val="1">
+                          <dgm:alg type="hierChild">
+                            <dgm:param type="chAlign" val="l"/>
+                            <dgm:param type="linDir" val="fromT"/>
+                          </dgm:alg>
+                        </dgm:if>
+                        <dgm:else name="Name97">
+                          <dgm:choose name="Name98">
+                            <dgm:if name="Name99" func="var" arg="dir" op="equ" val="norm">
+                              <dgm:alg type="hierChild"/>
+                            </dgm:if>
+                            <dgm:else name="Name100">
+                              <dgm:alg type="hierChild">
+                                <dgm:param type="linDir" val="fromR"/>
+                              </dgm:alg>
+                            </dgm:else>
+                          </dgm:choose>
+                        </dgm:else>
+                      </dgm:choose>
+                    </dgm:if>
+                    <dgm:else name="Name101"/>
+                  </dgm:choose>
+                  <dgm:shape xmlns:r="http://schemas.openxmlformats.org/officeDocument/2006/relationships" r:blip="">
+                    <dgm:adjLst/>
+                  </dgm:shape>
+                  <dgm:presOf/>
+                  <dgm:constrLst/>
+                  <dgm:ruleLst/>
+                  <dgm:forEach name="Name102" ref="rep2a"/>
+                </dgm:layoutNode>
+                <dgm:layoutNode name="hierChild5">
+                  <dgm:choose name="Name103">
+                    <dgm:if name="Name104" func="var" arg="dir" op="equ" val="norm">
+                      <dgm:alg type="hierChild">
+                        <dgm:param type="chAlign" val="l"/>
+                        <dgm:param type="linDir" val="fromL"/>
+                        <dgm:param type="secChAlign" val="t"/>
+                        <dgm:param type="secLinDir" val="fromT"/>
+                      </dgm:alg>
+                    </dgm:if>
+                    <dgm:else name="Name105">
+                      <dgm:alg type="hierChild">
+                        <dgm:param type="chAlign" val="l"/>
+                        <dgm:param type="linDir" val="fromR"/>
+                        <dgm:param type="secChAlign" val="t"/>
+                        <dgm:param type="secLinDir" val="fromT"/>
+                      </dgm:alg>
+                    </dgm:else>
+                  </dgm:choose>
+                  <dgm:shape xmlns:r="http://schemas.openxmlformats.org/officeDocument/2006/relationships" r:blip="">
+                    <dgm:adjLst/>
+                  </dgm:shape>
+                  <dgm:presOf/>
+                  <dgm:constrLst/>
+                  <dgm:ruleLst/>
+                  <dgm:forEach name="Name106" ref="rep2b"/>
+                </dgm:layoutNode>
+              </dgm:layoutNode>
+            </dgm:forEach>
+          </dgm:layoutNode>
+          <dgm:layoutNode name="hierChild3">
+            <dgm:choose name="Name107">
+              <dgm:if name="Name108" func="var" arg="dir" op="equ" val="norm">
+                <dgm:alg type="hierChild">
+                  <dgm:param type="chAlign" val="l"/>
+                  <dgm:param type="linDir" val="fromL"/>
+                  <dgm:param type="secChAlign" val="t"/>
+                  <dgm:param type="secLinDir" val="fromT"/>
+                </dgm:alg>
+              </dgm:if>
+              <dgm:else name="Name109">
+                <dgm:alg type="hierChild">
+                  <dgm:param type="chAlign" val="l"/>
+                  <dgm:param type="linDir" val="fromR"/>
+                  <dgm:param type="secChAlign" val="t"/>
+                  <dgm:param type="secLinDir" val="fromT"/>
+                </dgm:alg>
+              </dgm:else>
+            </dgm:choose>
+            <dgm:shape xmlns:r="http://schemas.openxmlformats.org/officeDocument/2006/relationships" r:blip="">
+              <dgm:adjLst/>
+            </dgm:shape>
+            <dgm:presOf/>
+            <dgm:constrLst/>
+            <dgm:ruleLst/>
+            <dgm:forEach name="rep2b" axis="ch" ptType="asst">
+              <dgm:forEach name="Name110" axis="precedSib" ptType="parTrans" st="-1" cnt="1">
+                <dgm:layoutNode name="Name111">
+                  <dgm:alg type="conn">
+                    <dgm:param type="connRout" val="bend"/>
+                    <dgm:param type="dim" val="1D"/>
+                    <dgm:param type="endSty" val="noArr"/>
+                    <dgm:param type="begPts" val="bCtr"/>
+                    <dgm:param type="endPts" val="midL midR"/>
+                  </dgm:alg>
+                  <dgm:shape xmlns:r="http://schemas.openxmlformats.org/officeDocument/2006/relationships" type="conn" r:blip="" zOrderOff="-99999">
+                    <dgm:adjLst/>
+                  </dgm:shape>
+                  <dgm:presOf axis="self"/>
+                  <dgm:constrLst>
+                    <dgm:constr type="begPad"/>
+                    <dgm:constr type="endPad"/>
+                  </dgm:constrLst>
+                  <dgm:ruleLst/>
+                </dgm:layoutNode>
+              </dgm:forEach>
+              <dgm:layoutNode name="hierRoot3">
+                <dgm:varLst>
+                  <dgm:hierBranch val="init"/>
+                </dgm:varLst>
+                <dgm:choose name="Name112">
+                  <dgm:if name="Name113" func="var" arg="hierBranch" op="equ" val="l">
+                    <dgm:alg type="hierRoot">
+                      <dgm:param type="hierAlign" val="tR"/>
+                    </dgm:alg>
+                    <dgm:shape xmlns:r="http://schemas.openxmlformats.org/officeDocument/2006/relationships" r:blip="">
+                      <dgm:adjLst/>
+                    </dgm:shape>
+                    <dgm:presOf/>
+                    <dgm:constrLst>
+                      <dgm:constr type="alignOff" val="0.65"/>
+                    </dgm:constrLst>
+                  </dgm:if>
+                  <dgm:if name="Name114" func="var" arg="hierBranch" op="equ" val="r">
+                    <dgm:alg type="hierRoot">
+                      <dgm:param type="hierAlign" val="tL"/>
+                    </dgm:alg>
+                    <dgm:shape xmlns:r="http://schemas.openxmlformats.org/officeDocument/2006/relationships" r:blip="">
+                      <dgm:adjLst/>
+                    </dgm:shape>
+                    <dgm:presOf/>
+                    <dgm:constrLst>
+                      <dgm:constr type="alignOff" val="0.65"/>
+                    </dgm:constrLst>
+                  </dgm:if>
+                  <dgm:if name="Name115" func="var" arg="hierBranch" op="equ" val="hang">
+                    <dgm:alg type="hierRoot"/>
+                    <dgm:shape xmlns:r="http://schemas.openxmlformats.org/officeDocument/2006/relationships" r:blip="">
+                      <dgm:adjLst/>
+                    </dgm:shape>
+                    <dgm:presOf/>
+                    <dgm:constrLst>
+                      <dgm:constr type="alignOff" val="0.65"/>
+                    </dgm:constrLst>
+                  </dgm:if>
+                  <dgm:if name="Name116" func="var" arg="hierBranch" op="equ" val="std">
+                    <dgm:alg type="hierRoot"/>
+                    <dgm:shape xmlns:r="http://schemas.openxmlformats.org/officeDocument/2006/relationships" r:blip="">
+                      <dgm:adjLst/>
+                    </dgm:shape>
+                    <dgm:presOf/>
+                    <dgm:constrLst>
+                      <dgm:constr type="alignOff"/>
+                      <dgm:constr type="bendDist" for="des" ptType="parTrans" refType="sp" fact="0.5"/>
+                    </dgm:constrLst>
+                  </dgm:if>
+                  <dgm:if name="Name117" func="var" arg="hierBranch" op="equ" val="init">
+                    <dgm:choose name="Name118">
+                      <dgm:if name="Name119" axis="des" func="maxDepth" op="lte" val="1">
+                        <dgm:alg type="hierRoot">
+                          <dgm:param type="hierAlign" val="tL"/>
+                        </dgm:alg>
+                        <dgm:shape xmlns:r="http://schemas.openxmlformats.org/officeDocument/2006/relationships" r:blip="">
+                          <dgm:adjLst/>
+                        </dgm:shape>
+                        <dgm:presOf/>
+                        <dgm:constrLst>
+                          <dgm:constr type="alignOff" val="0.65"/>
+                        </dgm:constrLst>
+                      </dgm:if>
+                      <dgm:else name="Name120">
+                        <dgm:alg type="hierRoot"/>
+                        <dgm:shape xmlns:r="http://schemas.openxmlformats.org/officeDocument/2006/relationships" r:blip="">
+                          <dgm:adjLst/>
+                        </dgm:shape>
+                        <dgm:presOf/>
+                        <dgm:constrLst>
+                          <dgm:constr type="alignOff"/>
+                          <dgm:constr type="bendDist" for="des" ptType="parTrans" refType="sp" fact="0.5"/>
+                        </dgm:constrLst>
+                      </dgm:else>
+                    </dgm:choose>
+                  </dgm:if>
+                  <dgm:else name="Name121"/>
+                </dgm:choose>
+                <dgm:ruleLst/>
+                <dgm:layoutNode name="rootComposite3">
+                  <dgm:alg type="composite"/>
+                  <dgm:shape xmlns:r="http://schemas.openxmlformats.org/officeDocument/2006/relationships" r:blip="">
+                    <dgm:adjLst/>
+                  </dgm:shape>
+                  <dgm:presOf axis="self" ptType="node" cnt="1"/>
+                  <dgm:choose name="Name122">
+                    <dgm:if name="Name123" func="var" arg="hierBranch" op="equ" val="init">
+                      <dgm:constrLst>
+                        <dgm:constr type="l" for="ch" forName="rootText3"/>
+                        <dgm:constr type="t" for="ch" forName="rootText3"/>
+                        <dgm:constr type="w" for="ch" forName="rootText3" refType="w"/>
+                        <dgm:constr type="h" for="ch" forName="rootText3" refType="h"/>
+                        <dgm:constr type="l" for="ch" forName="rootConnector3"/>
+                        <dgm:constr type="t" for="ch" forName="rootConnector3"/>
+                        <dgm:constr type="w" for="ch" forName="rootConnector3" refType="w" refFor="ch" refForName="rootText3" fact="0.2"/>
+                        <dgm:constr type="h" for="ch" forName="rootConnector3" refType="h" refFor="ch" refForName="rootText3"/>
+                      </dgm:constrLst>
+                    </dgm:if>
+                    <dgm:if name="Name124" func="var" arg="hierBranch" op="equ" val="l">
+                      <dgm:constrLst>
+                        <dgm:constr type="l" for="ch" forName="rootText3"/>
+                        <dgm:constr type="t" for="ch" forName="rootText3"/>
+                        <dgm:constr type="w" for="ch" forName="rootText3" refType="w"/>
+                        <dgm:constr type="h" for="ch" forName="rootText3" refType="h"/>
+                        <dgm:constr type="r" for="ch" forName="rootConnector3" refType="w"/>
+                        <dgm:constr type="t" for="ch" forName="rootConnector3"/>
+                        <dgm:constr type="w" for="ch" forName="rootConnector3" refType="w" refFor="ch" refForName="rootText3" fact="0.2"/>
+                        <dgm:constr type="h" for="ch" forName="rootConnector3" refType="h" refFor="ch" refForName="rootText3"/>
+                      </dgm:constrLst>
+                    </dgm:if>
+                    <dgm:if name="Name125" func="var" arg="hierBranch" op="equ" val="r">
+                      <dgm:constrLst>
+                        <dgm:constr type="l" for="ch" forName="rootText3"/>
+                        <dgm:constr type="t" for="ch" forName="rootText3"/>
+                        <dgm:constr type="w" for="ch" forName="rootText3" refType="w"/>
+                        <dgm:constr type="h" for="ch" forName="rootText3" refType="h"/>
+                        <dgm:constr type="l" for="ch" forName="rootConnector3"/>
+                        <dgm:constr type="t" for="ch" forName="rootConnector3"/>
+                        <dgm:constr type="w" for="ch" forName="rootConnector3" refType="w" refFor="ch" refForName="rootText3" fact="0.2"/>
+                        <dgm:constr type="h" for="ch" forName="rootConnector3" refType="h" refFor="ch" refForName="rootText3"/>
+                      </dgm:constrLst>
+                    </dgm:if>
+                    <dgm:else name="Name126">
+                      <dgm:constrLst>
+                        <dgm:constr type="l" for="ch" forName="rootText3"/>
+                        <dgm:constr type="t" for="ch" forName="rootText3"/>
+                        <dgm:constr type="w" for="ch" forName="rootText3" refType="w"/>
+                        <dgm:constr type="h" for="ch" forName="rootText3" refType="h"/>
+                        <dgm:constr type="r" for="ch" forName="rootConnector3" refType="w"/>
+                        <dgm:constr type="t" for="ch" forName="rootConnector3"/>
+                        <dgm:constr type="w" for="ch" forName="rootConnector3" refType="w" refFor="ch" refForName="rootText3" fact="0.2"/>
+                        <dgm:constr type="h" for="ch" forName="rootConnector3" refType="h" refFor="ch" refForName="rootText3"/>
+                      </dgm:constrLst>
+                    </dgm:else>
+                  </dgm:choose>
+                  <dgm:ruleLst/>
+                  <dgm:layoutNode name="rootText3">
+                    <dgm:varLst>
+                      <dgm:chPref val="3"/>
+                    </dgm:varLst>
+                    <dgm:alg type="tx"/>
+                    <dgm:shape xmlns:r="http://schemas.openxmlformats.org/officeDocument/2006/relationships" type="rect" r:blip="">
+                      <dgm:adjLst/>
+                    </dgm:shape>
+                    <dgm:presOf axis="self" ptType="node" cnt="1"/>
+                    <dgm:constrLst>
+                      <dgm:constr type="primFontSz" val="65"/>
+                      <dgm:constr type="lMarg" refType="primFontSz" fact="0.05"/>
+                      <dgm:constr type="rMarg" refType="primFontSz" fact="0.05"/>
+                      <dgm:constr type="tMarg" refType="primFontSz" fact="0.05"/>
+                      <dgm:constr type="bMarg" refType="primFontSz" fact="0.05"/>
+                    </dgm:constrLst>
+                    <dgm:ruleLst>
+                      <dgm:rule type="primFontSz" val="5" fact="NaN" max="NaN"/>
+                    </dgm:ruleLst>
+                  </dgm:layoutNode>
+                  <dgm:layoutNode name="rootConnector3" moveWith="rootText1">
+                    <dgm:alg type="sp"/>
+                    <dgm:shape xmlns:r="http://schemas.openxmlformats.org/officeDocument/2006/relationships" type="rect" r:blip="" hideGeom="1">
+                      <dgm:adjLst/>
+                    </dgm:shape>
+                    <dgm:presOf axis="self" ptType="node" cnt="1"/>
+                    <dgm:constrLst/>
+                    <dgm:ruleLst/>
+                  </dgm:layoutNode>
+                </dgm:layoutNode>
+                <dgm:layoutNode name="hierChild6">
+                  <dgm:choose name="Name127">
+                    <dgm:if name="Name128" func="var" arg="hierBranch" op="equ" val="l">
+                      <dgm:alg type="hierChild">
+                        <dgm:param type="chAlign" val="r"/>
+                        <dgm:param type="linDir" val="fromT"/>
+                      </dgm:alg>
+                    </dgm:if>
+                    <dgm:if name="Name129" func="var" arg="hierBranch" op="equ" val="r">
+                      <dgm:alg type="hierChild">
+                        <dgm:param type="chAlign" val="l"/>
+                        <dgm:param type="linDir" val="fromT"/>
+                      </dgm:alg>
+                    </dgm:if>
+                    <dgm:if name="Name130" func="var" arg="hierBranch" op="equ" val="hang">
+                      <dgm:choose name="Name131">
+                        <dgm:if name="Name132" func="var" arg="dir" op="equ" val="norm">
+                          <dgm:alg type="hierChild">
+                            <dgm:param type="chAlign" val="l"/>
+                            <dgm:param type="linDir" val="fromL"/>
+                            <dgm:param type="secChAlign" val="t"/>
+                            <dgm:param type="secLinDir" val="fromT"/>
+                          </dgm:alg>
+                        </dgm:if>
+                        <dgm:else name="Name133">
+                          <dgm:alg type="hierChild">
+                            <dgm:param type="chAlign" val="l"/>
+                            <dgm:param type="linDir" val="fromR"/>
+                            <dgm:param type="secChAlign" val="t"/>
+                            <dgm:param type="secLinDir" val="fromT"/>
+                          </dgm:alg>
+                        </dgm:else>
+                      </dgm:choose>
+                    </dgm:if>
+                    <dgm:if name="Name134" func="var" arg="hierBranch" op="equ" val="std">
+                      <dgm:choose name="Name135">
+                        <dgm:if name="Name136" func="var" arg="dir" op="equ" val="norm">
+                          <dgm:alg type="hierChild"/>
+                        </dgm:if>
+                        <dgm:else name="Name137">
+                          <dgm:alg type="hierChild">
+                            <dgm:param type="linDir" val="fromR"/>
+                          </dgm:alg>
+                        </dgm:else>
+                      </dgm:choose>
+                    </dgm:if>
+                    <dgm:if name="Name138" func="var" arg="hierBranch" op="equ" val="init">
+                      <dgm:choose name="Name139">
+                        <dgm:if name="Name140" axis="des" func="maxDepth" op="lte" val="1">
+                          <dgm:alg type="hierChild">
+                            <dgm:param type="chAlign" val="l"/>
+                            <dgm:param type="linDir" val="fromT"/>
+                          </dgm:alg>
+                        </dgm:if>
+                        <dgm:else name="Name141">
+                          <dgm:alg type="hierChild"/>
+                        </dgm:else>
+                      </dgm:choose>
+                    </dgm:if>
+                    <dgm:else name="Name142"/>
+                  </dgm:choose>
+                  <dgm:shape xmlns:r="http://schemas.openxmlformats.org/officeDocument/2006/relationships" r:blip="">
+                    <dgm:adjLst/>
+                  </dgm:shape>
+                  <dgm:presOf/>
+                  <dgm:constrLst/>
+                  <dgm:ruleLst/>
+                  <dgm:forEach name="Name143" ref="rep2a"/>
+                </dgm:layoutNode>
+                <dgm:layoutNode name="hierChild7">
+                  <dgm:choose name="Name144">
+                    <dgm:if name="Name145" func="var" arg="dir" op="equ" val="norm">
+                      <dgm:alg type="hierChild">
+                        <dgm:param type="chAlign" val="l"/>
+                        <dgm:param type="linDir" val="fromL"/>
+                        <dgm:param type="secChAlign" val="t"/>
+                        <dgm:param type="secLinDir" val="fromT"/>
+                      </dgm:alg>
+                    </dgm:if>
+                    <dgm:else name="Name146">
+                      <dgm:alg type="hierChild">
+                        <dgm:param type="chAlign" val="l"/>
+                        <dgm:param type="linDir" val="fromR"/>
+                        <dgm:param type="secChAlign" val="t"/>
+                        <dgm:param type="secLinDir" val="fromT"/>
+                      </dgm:alg>
+                    </dgm:else>
+                  </dgm:choose>
+                  <dgm:shape xmlns:r="http://schemas.openxmlformats.org/officeDocument/2006/relationships" r:blip="">
+                    <dgm:adjLst/>
+                  </dgm:shape>
+                  <dgm:presOf/>
+                  <dgm:constrLst/>
+                  <dgm:ruleLst/>
+                  <dgm:forEach name="Name147" ref="rep2b"/>
+                </dgm:layoutNode>
+              </dgm:layoutNode>
+            </dgm:forEach>
+          </dgm:layoutNode>
+        </dgm:layoutNode>
+      </dgm:forEach>
+    </dgm:forEach>
+  </dgm:layoutNode>
+</dgm:layoutDef>
+</file>
+
+<file path=ppt/diagrams/layout2.xml><?xml version="1.0" encoding="utf-8"?>
 <dgm:layoutDef xmlns:dgm="http://schemas.openxmlformats.org/drawingml/2006/diagram" xmlns:a="http://schemas.openxmlformats.org/drawingml/2006/main" uniqueId="urn:microsoft.com/office/officeart/2005/8/layout/orgChart1">
   <dgm:title val=""/>
   <dgm:desc val=""/>
@@ -5228,6 +8661,1040 @@
 </dgm:styleDef>
 </file>
 
+<file path=ppt/diagrams/quickStyle2.xml><?xml version="1.0" encoding="utf-8"?>
+<dgm:styleDef xmlns:dgm="http://schemas.openxmlformats.org/drawingml/2006/diagram" xmlns:a="http://schemas.openxmlformats.org/drawingml/2006/main" uniqueId="urn:microsoft.com/office/officeart/2005/8/quickstyle/simple1">
+  <dgm:title val=""/>
+  <dgm:desc val=""/>
+  <dgm:catLst>
+    <dgm:cat type="simple" pri="10100"/>
+  </dgm:catLst>
+  <dgm:scene3d>
+    <a:camera prst="orthographicFront"/>
+    <a:lightRig rig="threePt" dir="t"/>
+  </dgm:scene3d>
+  <dgm:styleLbl name="node0">
+    <dgm:scene3d>
+      <a:camera prst="orthographicFront"/>
+      <a:lightRig rig="threePt" dir="t"/>
+    </dgm:scene3d>
+    <dgm:sp3d/>
+    <dgm:txPr/>
+    <dgm:style>
+      <a:lnRef idx="2">
+        <a:scrgbClr r="0" g="0" b="0"/>
+      </a:lnRef>
+      <a:fillRef idx="1">
+        <a:scrgbClr r="0" g="0" b="0"/>
+      </a:fillRef>
+      <a:effectRef idx="0">
+        <a:scrgbClr r="0" g="0" b="0"/>
+      </a:effectRef>
+      <a:fontRef idx="minor">
+        <a:schemeClr val="lt1"/>
+      </a:fontRef>
+    </dgm:style>
+  </dgm:styleLbl>
+  <dgm:styleLbl name="lnNode1">
+    <dgm:scene3d>
+      <a:camera prst="orthographicFront"/>
+      <a:lightRig rig="threePt" dir="t"/>
+    </dgm:scene3d>
+    <dgm:sp3d/>
+    <dgm:txPr/>
+    <dgm:style>
+      <a:lnRef idx="2">
+        <a:scrgbClr r="0" g="0" b="0"/>
+      </a:lnRef>
+      <a:fillRef idx="1">
+        <a:scrgbClr r="0" g="0" b="0"/>
+      </a:fillRef>
+      <a:effectRef idx="0">
+        <a:scrgbClr r="0" g="0" b="0"/>
+      </a:effectRef>
+      <a:fontRef idx="minor">
+        <a:schemeClr val="lt1"/>
+      </a:fontRef>
+    </dgm:style>
+  </dgm:styleLbl>
+  <dgm:styleLbl name="vennNode1">
+    <dgm:scene3d>
+      <a:camera prst="orthographicFront"/>
+      <a:lightRig rig="threePt" dir="t"/>
+    </dgm:scene3d>
+    <dgm:sp3d/>
+    <dgm:txPr/>
+    <dgm:style>
+      <a:lnRef idx="2">
+        <a:scrgbClr r="0" g="0" b="0"/>
+      </a:lnRef>
+      <a:fillRef idx="1">
+        <a:scrgbClr r="0" g="0" b="0"/>
+      </a:fillRef>
+      <a:effectRef idx="0">
+        <a:scrgbClr r="0" g="0" b="0"/>
+      </a:effectRef>
+      <a:fontRef idx="minor">
+        <a:schemeClr val="tx1"/>
+      </a:fontRef>
+    </dgm:style>
+  </dgm:styleLbl>
+  <dgm:styleLbl name="alignNode1">
+    <dgm:scene3d>
+      <a:camera prst="orthographicFront"/>
+      <a:lightRig rig="threePt" dir="t"/>
+    </dgm:scene3d>
+    <dgm:sp3d/>
+    <dgm:txPr/>
+    <dgm:style>
+      <a:lnRef idx="2">
+        <a:scrgbClr r="0" g="0" b="0"/>
+      </a:lnRef>
+      <a:fillRef idx="1">
+        <a:scrgbClr r="0" g="0" b="0"/>
+      </a:fillRef>
+      <a:effectRef idx="0">
+        <a:scrgbClr r="0" g="0" b="0"/>
+      </a:effectRef>
+      <a:fontRef idx="minor">
+        <a:schemeClr val="lt1"/>
+      </a:fontRef>
+    </dgm:style>
+  </dgm:styleLbl>
+  <dgm:styleLbl name="node1">
+    <dgm:scene3d>
+      <a:camera prst="orthographicFront"/>
+      <a:lightRig rig="threePt" dir="t"/>
+    </dgm:scene3d>
+    <dgm:sp3d/>
+    <dgm:txPr/>
+    <dgm:style>
+      <a:lnRef idx="2">
+        <a:scrgbClr r="0" g="0" b="0"/>
+      </a:lnRef>
+      <a:fillRef idx="1">
+        <a:scrgbClr r="0" g="0" b="0"/>
+      </a:fillRef>
+      <a:effectRef idx="0">
+        <a:scrgbClr r="0" g="0" b="0"/>
+      </a:effectRef>
+      <a:fontRef idx="minor">
+        <a:schemeClr val="lt1"/>
+      </a:fontRef>
+    </dgm:style>
+  </dgm:styleLbl>
+  <dgm:styleLbl name="node2">
+    <dgm:scene3d>
+      <a:camera prst="orthographicFront"/>
+      <a:lightRig rig="threePt" dir="t"/>
+    </dgm:scene3d>
+    <dgm:sp3d/>
+    <dgm:txPr/>
+    <dgm:style>
+      <a:lnRef idx="2">
+        <a:scrgbClr r="0" g="0" b="0"/>
+      </a:lnRef>
+      <a:fillRef idx="1">
+        <a:scrgbClr r="0" g="0" b="0"/>
+      </a:fillRef>
+      <a:effectRef idx="0">
+        <a:scrgbClr r="0" g="0" b="0"/>
+      </a:effectRef>
+      <a:fontRef idx="minor">
+        <a:schemeClr val="lt1"/>
+      </a:fontRef>
+    </dgm:style>
+  </dgm:styleLbl>
+  <dgm:styleLbl name="node3">
+    <dgm:scene3d>
+      <a:camera prst="orthographicFront"/>
+      <a:lightRig rig="threePt" dir="t"/>
+    </dgm:scene3d>
+    <dgm:sp3d/>
+    <dgm:txPr/>
+    <dgm:style>
+      <a:lnRef idx="2">
+        <a:scrgbClr r="0" g="0" b="0"/>
+      </a:lnRef>
+      <a:fillRef idx="1">
+        <a:scrgbClr r="0" g="0" b="0"/>
+      </a:fillRef>
+      <a:effectRef idx="0">
+        <a:scrgbClr r="0" g="0" b="0"/>
+      </a:effectRef>
+      <a:fontRef idx="minor">
+        <a:schemeClr val="lt1"/>
+      </a:fontRef>
+    </dgm:style>
+  </dgm:styleLbl>
+  <dgm:styleLbl name="node4">
+    <dgm:scene3d>
+      <a:camera prst="orthographicFront"/>
+      <a:lightRig rig="threePt" dir="t"/>
+    </dgm:scene3d>
+    <dgm:sp3d/>
+    <dgm:txPr/>
+    <dgm:style>
+      <a:lnRef idx="2">
+        <a:scrgbClr r="0" g="0" b="0"/>
+      </a:lnRef>
+      <a:fillRef idx="1">
+        <a:scrgbClr r="0" g="0" b="0"/>
+      </a:fillRef>
+      <a:effectRef idx="0">
+        <a:scrgbClr r="0" g="0" b="0"/>
+      </a:effectRef>
+      <a:fontRef idx="minor">
+        <a:schemeClr val="lt1"/>
+      </a:fontRef>
+    </dgm:style>
+  </dgm:styleLbl>
+  <dgm:styleLbl name="fgImgPlace1">
+    <dgm:scene3d>
+      <a:camera prst="orthographicFront"/>
+      <a:lightRig rig="threePt" dir="t"/>
+    </dgm:scene3d>
+    <dgm:sp3d/>
+    <dgm:txPr/>
+    <dgm:style>
+      <a:lnRef idx="2">
+        <a:scrgbClr r="0" g="0" b="0"/>
+      </a:lnRef>
+      <a:fillRef idx="1">
+        <a:scrgbClr r="0" g="0" b="0"/>
+      </a:fillRef>
+      <a:effectRef idx="0">
+        <a:scrgbClr r="0" g="0" b="0"/>
+      </a:effectRef>
+      <a:fontRef idx="minor"/>
+    </dgm:style>
+  </dgm:styleLbl>
+  <dgm:styleLbl name="alignImgPlace1">
+    <dgm:scene3d>
+      <a:camera prst="orthographicFront"/>
+      <a:lightRig rig="threePt" dir="t"/>
+    </dgm:scene3d>
+    <dgm:sp3d/>
+    <dgm:txPr/>
+    <dgm:style>
+      <a:lnRef idx="2">
+        <a:scrgbClr r="0" g="0" b="0"/>
+      </a:lnRef>
+      <a:fillRef idx="1">
+        <a:scrgbClr r="0" g="0" b="0"/>
+      </a:fillRef>
+      <a:effectRef idx="0">
+        <a:scrgbClr r="0" g="0" b="0"/>
+      </a:effectRef>
+      <a:fontRef idx="minor"/>
+    </dgm:style>
+  </dgm:styleLbl>
+  <dgm:styleLbl name="bgImgPlace1">
+    <dgm:scene3d>
+      <a:camera prst="orthographicFront"/>
+      <a:lightRig rig="threePt" dir="t"/>
+    </dgm:scene3d>
+    <dgm:sp3d/>
+    <dgm:txPr/>
+    <dgm:style>
+      <a:lnRef idx="2">
+        <a:scrgbClr r="0" g="0" b="0"/>
+      </a:lnRef>
+      <a:fillRef idx="1">
+        <a:scrgbClr r="0" g="0" b="0"/>
+      </a:fillRef>
+      <a:effectRef idx="0">
+        <a:scrgbClr r="0" g="0" b="0"/>
+      </a:effectRef>
+      <a:fontRef idx="minor"/>
+    </dgm:style>
+  </dgm:styleLbl>
+  <dgm:styleLbl name="sibTrans2D1">
+    <dgm:scene3d>
+      <a:camera prst="orthographicFront"/>
+      <a:lightRig rig="threePt" dir="t"/>
+    </dgm:scene3d>
+    <dgm:sp3d/>
+    <dgm:txPr/>
+    <dgm:style>
+      <a:lnRef idx="0">
+        <a:scrgbClr r="0" g="0" b="0"/>
+      </a:lnRef>
+      <a:fillRef idx="1">
+        <a:scrgbClr r="0" g="0" b="0"/>
+      </a:fillRef>
+      <a:effectRef idx="0">
+        <a:scrgbClr r="0" g="0" b="0"/>
+      </a:effectRef>
+      <a:fontRef idx="minor">
+        <a:schemeClr val="lt1"/>
+      </a:fontRef>
+    </dgm:style>
+  </dgm:styleLbl>
+  <dgm:styleLbl name="fgSibTrans2D1">
+    <dgm:scene3d>
+      <a:camera prst="orthographicFront"/>
+      <a:lightRig rig="threePt" dir="t"/>
+    </dgm:scene3d>
+    <dgm:sp3d/>
+    <dgm:txPr/>
+    <dgm:style>
+      <a:lnRef idx="0">
+        <a:scrgbClr r="0" g="0" b="0"/>
+      </a:lnRef>
+      <a:fillRef idx="1">
+        <a:scrgbClr r="0" g="0" b="0"/>
+      </a:fillRef>
+      <a:effectRef idx="0">
+        <a:scrgbClr r="0" g="0" b="0"/>
+      </a:effectRef>
+      <a:fontRef idx="minor">
+        <a:schemeClr val="lt1"/>
+      </a:fontRef>
+    </dgm:style>
+  </dgm:styleLbl>
+  <dgm:styleLbl name="bgSibTrans2D1">
+    <dgm:scene3d>
+      <a:camera prst="orthographicFront"/>
+      <a:lightRig rig="threePt" dir="t"/>
+    </dgm:scene3d>
+    <dgm:sp3d/>
+    <dgm:txPr/>
+    <dgm:style>
+      <a:lnRef idx="0">
+        <a:scrgbClr r="0" g="0" b="0"/>
+      </a:lnRef>
+      <a:fillRef idx="1">
+        <a:scrgbClr r="0" g="0" b="0"/>
+      </a:fillRef>
+      <a:effectRef idx="0">
+        <a:scrgbClr r="0" g="0" b="0"/>
+      </a:effectRef>
+      <a:fontRef idx="minor">
+        <a:schemeClr val="lt1"/>
+      </a:fontRef>
+    </dgm:style>
+  </dgm:styleLbl>
+  <dgm:styleLbl name="sibTrans1D1">
+    <dgm:scene3d>
+      <a:camera prst="orthographicFront"/>
+      <a:lightRig rig="threePt" dir="t"/>
+    </dgm:scene3d>
+    <dgm:sp3d/>
+    <dgm:txPr/>
+    <dgm:style>
+      <a:lnRef idx="1">
+        <a:scrgbClr r="0" g="0" b="0"/>
+      </a:lnRef>
+      <a:fillRef idx="0">
+        <a:scrgbClr r="0" g="0" b="0"/>
+      </a:fillRef>
+      <a:effectRef idx="0">
+        <a:scrgbClr r="0" g="0" b="0"/>
+      </a:effectRef>
+      <a:fontRef idx="minor"/>
+    </dgm:style>
+  </dgm:styleLbl>
+  <dgm:styleLbl name="callout">
+    <dgm:scene3d>
+      <a:camera prst="orthographicFront"/>
+      <a:lightRig rig="threePt" dir="t"/>
+    </dgm:scene3d>
+    <dgm:sp3d/>
+    <dgm:txPr/>
+    <dgm:style>
+      <a:lnRef idx="2">
+        <a:scrgbClr r="0" g="0" b="0"/>
+      </a:lnRef>
+      <a:fillRef idx="1">
+        <a:scrgbClr r="0" g="0" b="0"/>
+      </a:fillRef>
+      <a:effectRef idx="0">
+        <a:scrgbClr r="0" g="0" b="0"/>
+      </a:effectRef>
+      <a:fontRef idx="minor"/>
+    </dgm:style>
+  </dgm:styleLbl>
+  <dgm:styleLbl name="asst0">
+    <dgm:scene3d>
+      <a:camera prst="orthographicFront"/>
+      <a:lightRig rig="threePt" dir="t"/>
+    </dgm:scene3d>
+    <dgm:sp3d/>
+    <dgm:txPr/>
+    <dgm:style>
+      <a:lnRef idx="2">
+        <a:scrgbClr r="0" g="0" b="0"/>
+      </a:lnRef>
+      <a:fillRef idx="1">
+        <a:scrgbClr r="0" g="0" b="0"/>
+      </a:fillRef>
+      <a:effectRef idx="0">
+        <a:scrgbClr r="0" g="0" b="0"/>
+      </a:effectRef>
+      <a:fontRef idx="minor">
+        <a:schemeClr val="lt1"/>
+      </a:fontRef>
+    </dgm:style>
+  </dgm:styleLbl>
+  <dgm:styleLbl name="asst1">
+    <dgm:scene3d>
+      <a:camera prst="orthographicFront"/>
+      <a:lightRig rig="threePt" dir="t"/>
+    </dgm:scene3d>
+    <dgm:sp3d/>
+    <dgm:txPr/>
+    <dgm:style>
+      <a:lnRef idx="2">
+        <a:scrgbClr r="0" g="0" b="0"/>
+      </a:lnRef>
+      <a:fillRef idx="1">
+        <a:scrgbClr r="0" g="0" b="0"/>
+      </a:fillRef>
+      <a:effectRef idx="0">
+        <a:scrgbClr r="0" g="0" b="0"/>
+      </a:effectRef>
+      <a:fontRef idx="minor">
+        <a:schemeClr val="lt1"/>
+      </a:fontRef>
+    </dgm:style>
+  </dgm:styleLbl>
+  <dgm:styleLbl name="asst2">
+    <dgm:scene3d>
+      <a:camera prst="orthographicFront"/>
+      <a:lightRig rig="threePt" dir="t"/>
+    </dgm:scene3d>
+    <dgm:sp3d/>
+    <dgm:txPr/>
+    <dgm:style>
+      <a:lnRef idx="2">
+        <a:scrgbClr r="0" g="0" b="0"/>
+      </a:lnRef>
+      <a:fillRef idx="1">
+        <a:scrgbClr r="0" g="0" b="0"/>
+      </a:fillRef>
+      <a:effectRef idx="0">
+        <a:scrgbClr r="0" g="0" b="0"/>
+      </a:effectRef>
+      <a:fontRef idx="minor">
+        <a:schemeClr val="lt1"/>
+      </a:fontRef>
+    </dgm:style>
+  </dgm:styleLbl>
+  <dgm:styleLbl name="asst3">
+    <dgm:scene3d>
+      <a:camera prst="orthographicFront"/>
+      <a:lightRig rig="threePt" dir="t"/>
+    </dgm:scene3d>
+    <dgm:sp3d/>
+    <dgm:txPr/>
+    <dgm:style>
+      <a:lnRef idx="2">
+        <a:scrgbClr r="0" g="0" b="0"/>
+      </a:lnRef>
+      <a:fillRef idx="1">
+        <a:scrgbClr r="0" g="0" b="0"/>
+      </a:fillRef>
+      <a:effectRef idx="0">
+        <a:scrgbClr r="0" g="0" b="0"/>
+      </a:effectRef>
+      <a:fontRef idx="minor">
+        <a:schemeClr val="lt1"/>
+      </a:fontRef>
+    </dgm:style>
+  </dgm:styleLbl>
+  <dgm:styleLbl name="asst4">
+    <dgm:scene3d>
+      <a:camera prst="orthographicFront"/>
+      <a:lightRig rig="threePt" dir="t"/>
+    </dgm:scene3d>
+    <dgm:sp3d/>
+    <dgm:txPr/>
+    <dgm:style>
+      <a:lnRef idx="2">
+        <a:scrgbClr r="0" g="0" b="0"/>
+      </a:lnRef>
+      <a:fillRef idx="1">
+        <a:scrgbClr r="0" g="0" b="0"/>
+      </a:fillRef>
+      <a:effectRef idx="0">
+        <a:scrgbClr r="0" g="0" b="0"/>
+      </a:effectRef>
+      <a:fontRef idx="minor">
+        <a:schemeClr val="lt1"/>
+      </a:fontRef>
+    </dgm:style>
+  </dgm:styleLbl>
+  <dgm:styleLbl name="parChTrans2D1">
+    <dgm:scene3d>
+      <a:camera prst="orthographicFront"/>
+      <a:lightRig rig="threePt" dir="t"/>
+    </dgm:scene3d>
+    <dgm:sp3d/>
+    <dgm:txPr/>
+    <dgm:style>
+      <a:lnRef idx="2">
+        <a:scrgbClr r="0" g="0" b="0"/>
+      </a:lnRef>
+      <a:fillRef idx="1">
+        <a:scrgbClr r="0" g="0" b="0"/>
+      </a:fillRef>
+      <a:effectRef idx="0">
+        <a:scrgbClr r="0" g="0" b="0"/>
+      </a:effectRef>
+      <a:fontRef idx="minor">
+        <a:schemeClr val="lt1"/>
+      </a:fontRef>
+    </dgm:style>
+  </dgm:styleLbl>
+  <dgm:styleLbl name="parChTrans2D2">
+    <dgm:scene3d>
+      <a:camera prst="orthographicFront"/>
+      <a:lightRig rig="threePt" dir="t"/>
+    </dgm:scene3d>
+    <dgm:sp3d/>
+    <dgm:txPr/>
+    <dgm:style>
+      <a:lnRef idx="2">
+        <a:scrgbClr r="0" g="0" b="0"/>
+      </a:lnRef>
+      <a:fillRef idx="1">
+        <a:scrgbClr r="0" g="0" b="0"/>
+      </a:fillRef>
+      <a:effectRef idx="0">
+        <a:scrgbClr r="0" g="0" b="0"/>
+      </a:effectRef>
+      <a:fontRef idx="minor">
+        <a:schemeClr val="lt1"/>
+      </a:fontRef>
+    </dgm:style>
+  </dgm:styleLbl>
+  <dgm:styleLbl name="parChTrans2D3">
+    <dgm:scene3d>
+      <a:camera prst="orthographicFront"/>
+      <a:lightRig rig="threePt" dir="t"/>
+    </dgm:scene3d>
+    <dgm:sp3d/>
+    <dgm:txPr/>
+    <dgm:style>
+      <a:lnRef idx="2">
+        <a:scrgbClr r="0" g="0" b="0"/>
+      </a:lnRef>
+      <a:fillRef idx="1">
+        <a:scrgbClr r="0" g="0" b="0"/>
+      </a:fillRef>
+      <a:effectRef idx="0">
+        <a:scrgbClr r="0" g="0" b="0"/>
+      </a:effectRef>
+      <a:fontRef idx="minor">
+        <a:schemeClr val="lt1"/>
+      </a:fontRef>
+    </dgm:style>
+  </dgm:styleLbl>
+  <dgm:styleLbl name="parChTrans2D4">
+    <dgm:scene3d>
+      <a:camera prst="orthographicFront"/>
+      <a:lightRig rig="threePt" dir="t"/>
+    </dgm:scene3d>
+    <dgm:sp3d/>
+    <dgm:txPr/>
+    <dgm:style>
+      <a:lnRef idx="2">
+        <a:scrgbClr r="0" g="0" b="0"/>
+      </a:lnRef>
+      <a:fillRef idx="1">
+        <a:scrgbClr r="0" g="0" b="0"/>
+      </a:fillRef>
+      <a:effectRef idx="0">
+        <a:scrgbClr r="0" g="0" b="0"/>
+      </a:effectRef>
+      <a:fontRef idx="minor">
+        <a:schemeClr val="lt1"/>
+      </a:fontRef>
+    </dgm:style>
+  </dgm:styleLbl>
+  <dgm:styleLbl name="parChTrans1D1">
+    <dgm:scene3d>
+      <a:camera prst="orthographicFront"/>
+      <a:lightRig rig="threePt" dir="t"/>
+    </dgm:scene3d>
+    <dgm:sp3d/>
+    <dgm:txPr/>
+    <dgm:style>
+      <a:lnRef idx="2">
+        <a:scrgbClr r="0" g="0" b="0"/>
+      </a:lnRef>
+      <a:fillRef idx="0">
+        <a:scrgbClr r="0" g="0" b="0"/>
+      </a:fillRef>
+      <a:effectRef idx="0">
+        <a:scrgbClr r="0" g="0" b="0"/>
+      </a:effectRef>
+      <a:fontRef idx="minor"/>
+    </dgm:style>
+  </dgm:styleLbl>
+  <dgm:styleLbl name="parChTrans1D2">
+    <dgm:scene3d>
+      <a:camera prst="orthographicFront"/>
+      <a:lightRig rig="threePt" dir="t"/>
+    </dgm:scene3d>
+    <dgm:sp3d/>
+    <dgm:txPr/>
+    <dgm:style>
+      <a:lnRef idx="2">
+        <a:scrgbClr r="0" g="0" b="0"/>
+      </a:lnRef>
+      <a:fillRef idx="0">
+        <a:scrgbClr r="0" g="0" b="0"/>
+      </a:fillRef>
+      <a:effectRef idx="0">
+        <a:scrgbClr r="0" g="0" b="0"/>
+      </a:effectRef>
+      <a:fontRef idx="minor"/>
+    </dgm:style>
+  </dgm:styleLbl>
+  <dgm:styleLbl name="parChTrans1D3">
+    <dgm:scene3d>
+      <a:camera prst="orthographicFront"/>
+      <a:lightRig rig="threePt" dir="t"/>
+    </dgm:scene3d>
+    <dgm:sp3d/>
+    <dgm:txPr/>
+    <dgm:style>
+      <a:lnRef idx="2">
+        <a:scrgbClr r="0" g="0" b="0"/>
+      </a:lnRef>
+      <a:fillRef idx="0">
+        <a:scrgbClr r="0" g="0" b="0"/>
+      </a:fillRef>
+      <a:effectRef idx="0">
+        <a:scrgbClr r="0" g="0" b="0"/>
+      </a:effectRef>
+      <a:fontRef idx="minor"/>
+    </dgm:style>
+  </dgm:styleLbl>
+  <dgm:styleLbl name="parChTrans1D4">
+    <dgm:scene3d>
+      <a:camera prst="orthographicFront"/>
+      <a:lightRig rig="threePt" dir="t"/>
+    </dgm:scene3d>
+    <dgm:sp3d/>
+    <dgm:txPr/>
+    <dgm:style>
+      <a:lnRef idx="2">
+        <a:scrgbClr r="0" g="0" b="0"/>
+      </a:lnRef>
+      <a:fillRef idx="0">
+        <a:scrgbClr r="0" g="0" b="0"/>
+      </a:fillRef>
+      <a:effectRef idx="0">
+        <a:scrgbClr r="0" g="0" b="0"/>
+      </a:effectRef>
+      <a:fontRef idx="minor"/>
+    </dgm:style>
+  </dgm:styleLbl>
+  <dgm:styleLbl name="fgAcc1">
+    <dgm:scene3d>
+      <a:camera prst="orthographicFront"/>
+      <a:lightRig rig="threePt" dir="t"/>
+    </dgm:scene3d>
+    <dgm:sp3d/>
+    <dgm:txPr/>
+    <dgm:style>
+      <a:lnRef idx="2">
+        <a:scrgbClr r="0" g="0" b="0"/>
+      </a:lnRef>
+      <a:fillRef idx="1">
+        <a:scrgbClr r="0" g="0" b="0"/>
+      </a:fillRef>
+      <a:effectRef idx="0">
+        <a:scrgbClr r="0" g="0" b="0"/>
+      </a:effectRef>
+      <a:fontRef idx="minor"/>
+    </dgm:style>
+  </dgm:styleLbl>
+  <dgm:styleLbl name="conFgAcc1">
+    <dgm:scene3d>
+      <a:camera prst="orthographicFront"/>
+      <a:lightRig rig="threePt" dir="t"/>
+    </dgm:scene3d>
+    <dgm:sp3d/>
+    <dgm:txPr/>
+    <dgm:style>
+      <a:lnRef idx="2">
+        <a:scrgbClr r="0" g="0" b="0"/>
+      </a:lnRef>
+      <a:fillRef idx="1">
+        <a:scrgbClr r="0" g="0" b="0"/>
+      </a:fillRef>
+      <a:effectRef idx="0">
+        <a:scrgbClr r="0" g="0" b="0"/>
+      </a:effectRef>
+      <a:fontRef idx="minor"/>
+    </dgm:style>
+  </dgm:styleLbl>
+  <dgm:styleLbl name="alignAcc1">
+    <dgm:scene3d>
+      <a:camera prst="orthographicFront"/>
+      <a:lightRig rig="threePt" dir="t"/>
+    </dgm:scene3d>
+    <dgm:sp3d/>
+    <dgm:txPr/>
+    <dgm:style>
+      <a:lnRef idx="2">
+        <a:scrgbClr r="0" g="0" b="0"/>
+      </a:lnRef>
+      <a:fillRef idx="1">
+        <a:scrgbClr r="0" g="0" b="0"/>
+      </a:fillRef>
+      <a:effectRef idx="0">
+        <a:scrgbClr r="0" g="0" b="0"/>
+      </a:effectRef>
+      <a:fontRef idx="minor"/>
+    </dgm:style>
+  </dgm:styleLbl>
+  <dgm:styleLbl name="trAlignAcc1">
+    <dgm:scene3d>
+      <a:camera prst="orthographicFront"/>
+      <a:lightRig rig="threePt" dir="t"/>
+    </dgm:scene3d>
+    <dgm:sp3d/>
+    <dgm:txPr/>
+    <dgm:style>
+      <a:lnRef idx="1">
+        <a:scrgbClr r="0" g="0" b="0"/>
+      </a:lnRef>
+      <a:fillRef idx="1">
+        <a:scrgbClr r="0" g="0" b="0"/>
+      </a:fillRef>
+      <a:effectRef idx="0">
+        <a:scrgbClr r="0" g="0" b="0"/>
+      </a:effectRef>
+      <a:fontRef idx="minor"/>
+    </dgm:style>
+  </dgm:styleLbl>
+  <dgm:styleLbl name="bgAcc1">
+    <dgm:scene3d>
+      <a:camera prst="orthographicFront"/>
+      <a:lightRig rig="threePt" dir="t"/>
+    </dgm:scene3d>
+    <dgm:sp3d/>
+    <dgm:txPr/>
+    <dgm:style>
+      <a:lnRef idx="2">
+        <a:scrgbClr r="0" g="0" b="0"/>
+      </a:lnRef>
+      <a:fillRef idx="1">
+        <a:scrgbClr r="0" g="0" b="0"/>
+      </a:fillRef>
+      <a:effectRef idx="0">
+        <a:scrgbClr r="0" g="0" b="0"/>
+      </a:effectRef>
+      <a:fontRef idx="minor"/>
+    </dgm:style>
+  </dgm:styleLbl>
+  <dgm:styleLbl name="solidFgAcc1">
+    <dgm:scene3d>
+      <a:camera prst="orthographicFront"/>
+      <a:lightRig rig="threePt" dir="t"/>
+    </dgm:scene3d>
+    <dgm:sp3d/>
+    <dgm:txPr/>
+    <dgm:style>
+      <a:lnRef idx="2">
+        <a:scrgbClr r="0" g="0" b="0"/>
+      </a:lnRef>
+      <a:fillRef idx="1">
+        <a:scrgbClr r="0" g="0" b="0"/>
+      </a:fillRef>
+      <a:effectRef idx="0">
+        <a:scrgbClr r="0" g="0" b="0"/>
+      </a:effectRef>
+      <a:fontRef idx="minor"/>
+    </dgm:style>
+  </dgm:styleLbl>
+  <dgm:styleLbl name="solidAlignAcc1">
+    <dgm:scene3d>
+      <a:camera prst="orthographicFront"/>
+      <a:lightRig rig="threePt" dir="t"/>
+    </dgm:scene3d>
+    <dgm:sp3d/>
+    <dgm:txPr/>
+    <dgm:style>
+      <a:lnRef idx="2">
+        <a:scrgbClr r="0" g="0" b="0"/>
+      </a:lnRef>
+      <a:fillRef idx="1">
+        <a:scrgbClr r="0" g="0" b="0"/>
+      </a:fillRef>
+      <a:effectRef idx="0">
+        <a:scrgbClr r="0" g="0" b="0"/>
+      </a:effectRef>
+      <a:fontRef idx="minor"/>
+    </dgm:style>
+  </dgm:styleLbl>
+  <dgm:styleLbl name="solidBgAcc1">
+    <dgm:scene3d>
+      <a:camera prst="orthographicFront"/>
+      <a:lightRig rig="threePt" dir="t"/>
+    </dgm:scene3d>
+    <dgm:sp3d/>
+    <dgm:txPr/>
+    <dgm:style>
+      <a:lnRef idx="2">
+        <a:scrgbClr r="0" g="0" b="0"/>
+      </a:lnRef>
+      <a:fillRef idx="1">
+        <a:scrgbClr r="0" g="0" b="0"/>
+      </a:fillRef>
+      <a:effectRef idx="0">
+        <a:scrgbClr r="0" g="0" b="0"/>
+      </a:effectRef>
+      <a:fontRef idx="minor"/>
+    </dgm:style>
+  </dgm:styleLbl>
+  <dgm:styleLbl name="fgAccFollowNode1">
+    <dgm:scene3d>
+      <a:camera prst="orthographicFront"/>
+      <a:lightRig rig="threePt" dir="t"/>
+    </dgm:scene3d>
+    <dgm:sp3d/>
+    <dgm:txPr/>
+    <dgm:style>
+      <a:lnRef idx="2">
+        <a:scrgbClr r="0" g="0" b="0"/>
+      </a:lnRef>
+      <a:fillRef idx="1">
+        <a:scrgbClr r="0" g="0" b="0"/>
+      </a:fillRef>
+      <a:effectRef idx="0">
+        <a:scrgbClr r="0" g="0" b="0"/>
+      </a:effectRef>
+      <a:fontRef idx="minor"/>
+    </dgm:style>
+  </dgm:styleLbl>
+  <dgm:styleLbl name="alignAccFollowNode1">
+    <dgm:scene3d>
+      <a:camera prst="orthographicFront"/>
+      <a:lightRig rig="threePt" dir="t"/>
+    </dgm:scene3d>
+    <dgm:sp3d/>
+    <dgm:txPr/>
+    <dgm:style>
+      <a:lnRef idx="2">
+        <a:scrgbClr r="0" g="0" b="0"/>
+      </a:lnRef>
+      <a:fillRef idx="1">
+        <a:scrgbClr r="0" g="0" b="0"/>
+      </a:fillRef>
+      <a:effectRef idx="0">
+        <a:scrgbClr r="0" g="0" b="0"/>
+      </a:effectRef>
+      <a:fontRef idx="minor"/>
+    </dgm:style>
+  </dgm:styleLbl>
+  <dgm:styleLbl name="bgAccFollowNode1">
+    <dgm:scene3d>
+      <a:camera prst="orthographicFront"/>
+      <a:lightRig rig="threePt" dir="t"/>
+    </dgm:scene3d>
+    <dgm:sp3d/>
+    <dgm:txPr/>
+    <dgm:style>
+      <a:lnRef idx="2">
+        <a:scrgbClr r="0" g="0" b="0"/>
+      </a:lnRef>
+      <a:fillRef idx="1">
+        <a:scrgbClr r="0" g="0" b="0"/>
+      </a:fillRef>
+      <a:effectRef idx="0">
+        <a:scrgbClr r="0" g="0" b="0"/>
+      </a:effectRef>
+      <a:fontRef idx="minor"/>
+    </dgm:style>
+  </dgm:styleLbl>
+  <dgm:styleLbl name="fgAcc0">
+    <dgm:scene3d>
+      <a:camera prst="orthographicFront"/>
+      <a:lightRig rig="threePt" dir="t"/>
+    </dgm:scene3d>
+    <dgm:sp3d/>
+    <dgm:txPr/>
+    <dgm:style>
+      <a:lnRef idx="2">
+        <a:scrgbClr r="0" g="0" b="0"/>
+      </a:lnRef>
+      <a:fillRef idx="1">
+        <a:scrgbClr r="0" g="0" b="0"/>
+      </a:fillRef>
+      <a:effectRef idx="0">
+        <a:scrgbClr r="0" g="0" b="0"/>
+      </a:effectRef>
+      <a:fontRef idx="minor"/>
+    </dgm:style>
+  </dgm:styleLbl>
+  <dgm:styleLbl name="fgAcc2">
+    <dgm:scene3d>
+      <a:camera prst="orthographicFront"/>
+      <a:lightRig rig="threePt" dir="t"/>
+    </dgm:scene3d>
+    <dgm:sp3d/>
+    <dgm:txPr/>
+    <dgm:style>
+      <a:lnRef idx="2">
+        <a:scrgbClr r="0" g="0" b="0"/>
+      </a:lnRef>
+      <a:fillRef idx="1">
+        <a:scrgbClr r="0" g="0" b="0"/>
+      </a:fillRef>
+      <a:effectRef idx="0">
+        <a:scrgbClr r="0" g="0" b="0"/>
+      </a:effectRef>
+      <a:fontRef idx="minor"/>
+    </dgm:style>
+  </dgm:styleLbl>
+  <dgm:styleLbl name="fgAcc3">
+    <dgm:scene3d>
+      <a:camera prst="orthographicFront"/>
+      <a:lightRig rig="threePt" dir="t"/>
+    </dgm:scene3d>
+    <dgm:sp3d/>
+    <dgm:txPr/>
+    <dgm:style>
+      <a:lnRef idx="2">
+        <a:scrgbClr r="0" g="0" b="0"/>
+      </a:lnRef>
+      <a:fillRef idx="1">
+        <a:scrgbClr r="0" g="0" b="0"/>
+      </a:fillRef>
+      <a:effectRef idx="0">
+        <a:scrgbClr r="0" g="0" b="0"/>
+      </a:effectRef>
+      <a:fontRef idx="minor"/>
+    </dgm:style>
+  </dgm:styleLbl>
+  <dgm:styleLbl name="fgAcc4">
+    <dgm:scene3d>
+      <a:camera prst="orthographicFront"/>
+      <a:lightRig rig="threePt" dir="t"/>
+    </dgm:scene3d>
+    <dgm:sp3d/>
+    <dgm:txPr/>
+    <dgm:style>
+      <a:lnRef idx="2">
+        <a:scrgbClr r="0" g="0" b="0"/>
+      </a:lnRef>
+      <a:fillRef idx="1">
+        <a:scrgbClr r="0" g="0" b="0"/>
+      </a:fillRef>
+      <a:effectRef idx="0">
+        <a:scrgbClr r="0" g="0" b="0"/>
+      </a:effectRef>
+      <a:fontRef idx="minor"/>
+    </dgm:style>
+  </dgm:styleLbl>
+  <dgm:styleLbl name="bgShp">
+    <dgm:scene3d>
+      <a:camera prst="orthographicFront"/>
+      <a:lightRig rig="threePt" dir="t"/>
+    </dgm:scene3d>
+    <dgm:sp3d/>
+    <dgm:txPr/>
+    <dgm:style>
+      <a:lnRef idx="0">
+        <a:scrgbClr r="0" g="0" b="0"/>
+      </a:lnRef>
+      <a:fillRef idx="1">
+        <a:scrgbClr r="0" g="0" b="0"/>
+      </a:fillRef>
+      <a:effectRef idx="0">
+        <a:scrgbClr r="0" g="0" b="0"/>
+      </a:effectRef>
+      <a:fontRef idx="minor"/>
+    </dgm:style>
+  </dgm:styleLbl>
+  <dgm:styleLbl name="dkBgShp">
+    <dgm:scene3d>
+      <a:camera prst="orthographicFront"/>
+      <a:lightRig rig="threePt" dir="t"/>
+    </dgm:scene3d>
+    <dgm:sp3d/>
+    <dgm:txPr/>
+    <dgm:style>
+      <a:lnRef idx="0">
+        <a:scrgbClr r="0" g="0" b="0"/>
+      </a:lnRef>
+      <a:fillRef idx="1">
+        <a:scrgbClr r="0" g="0" b="0"/>
+      </a:fillRef>
+      <a:effectRef idx="0">
+        <a:scrgbClr r="0" g="0" b="0"/>
+      </a:effectRef>
+      <a:fontRef idx="minor"/>
+    </dgm:style>
+  </dgm:styleLbl>
+  <dgm:styleLbl name="trBgShp">
+    <dgm:scene3d>
+      <a:camera prst="orthographicFront"/>
+      <a:lightRig rig="threePt" dir="t"/>
+    </dgm:scene3d>
+    <dgm:sp3d/>
+    <dgm:txPr/>
+    <dgm:style>
+      <a:lnRef idx="0">
+        <a:scrgbClr r="0" g="0" b="0"/>
+      </a:lnRef>
+      <a:fillRef idx="1">
+        <a:scrgbClr r="0" g="0" b="0"/>
+      </a:fillRef>
+      <a:effectRef idx="0">
+        <a:scrgbClr r="0" g="0" b="0"/>
+      </a:effectRef>
+      <a:fontRef idx="minor"/>
+    </dgm:style>
+  </dgm:styleLbl>
+  <dgm:styleLbl name="fgShp">
+    <dgm:scene3d>
+      <a:camera prst="orthographicFront"/>
+      <a:lightRig rig="threePt" dir="t"/>
+    </dgm:scene3d>
+    <dgm:sp3d/>
+    <dgm:txPr/>
+    <dgm:style>
+      <a:lnRef idx="2">
+        <a:scrgbClr r="0" g="0" b="0"/>
+      </a:lnRef>
+      <a:fillRef idx="1">
+        <a:scrgbClr r="0" g="0" b="0"/>
+      </a:fillRef>
+      <a:effectRef idx="0">
+        <a:scrgbClr r="0" g="0" b="0"/>
+      </a:effectRef>
+      <a:fontRef idx="minor"/>
+    </dgm:style>
+  </dgm:styleLbl>
+  <dgm:styleLbl name="revTx">
+    <dgm:scene3d>
+      <a:camera prst="orthographicFront"/>
+      <a:lightRig rig="threePt" dir="t"/>
+    </dgm:scene3d>
+    <dgm:sp3d/>
+    <dgm:txPr/>
+    <dgm:style>
+      <a:lnRef idx="0">
+        <a:scrgbClr r="0" g="0" b="0"/>
+      </a:lnRef>
+      <a:fillRef idx="0">
+        <a:scrgbClr r="0" g="0" b="0"/>
+      </a:fillRef>
+      <a:effectRef idx="0">
+        <a:scrgbClr r="0" g="0" b="0"/>
+      </a:effectRef>
+      <a:fontRef idx="minor"/>
+    </dgm:style>
+  </dgm:styleLbl>
+</dgm:styleDef>
+</file>
+
 <file path=ppt/ink/ink1.xml><?xml version="1.0" encoding="utf-8"?>
 <inkml:ink xmlns:inkml="http://www.w3.org/2003/InkML">
   <inkml:definitions>
@@ -5435,7 +9902,7 @@
   <inkml:trace contextRef="#ctx0" brushRef="#br0" timeOffset="-167598.53">17629 1871 502 0,'0'-3'521'0,"0"-1"-62"0,0 4-96 0,8-3-80 0,-2 3-71 0,0 0-44 0,0-4-26 16,8 4-18-16,-1 0-13 0,0-4-13 0,6 4-14 0,1-3-13 16,-1 3-13-16,1-4-13 0,6 4-12 0,0-4-13 0,0 4-18 0,-7-3-21 15,8 3-23-15,-1-4-24 0,0 4-27 0,-7-4-30 0,7 4-36 0,0-3-43 16,-6-1-50-16,6 4-69 0,-7 0-81 0,1-4-56 0,0 1-44 0,-1 3-17 16,-5-4 381-16</inkml:trace>
   <inkml:trace contextRef="#ctx0" brushRef="#br0" timeOffset="-167023.65">18320 1813 0 0,'0'0'124'0,"0"-4"366"0,6 4 1 15,-6 0-59-15,0 0-88 0,0 0-90 0,7 0-89 0,-7 0-50 0,6 4-34 16,1-4-17-16,0 4-9 0,5-1-4 0,-4 1-4 0,-2 3-4 0,7-3-5 16,0 3-2-16,0 1-3 0,-7-5-3 0,8 5-3 0,-2 2-3 0,2-2-5 15,5 0-3-15,-6-1-3 0,-6 4-2 0,12-4-2 0,-12 4-2 16,5-4-2-16,-5 1-1 0,6 3-1 0,0-4 0 0,1 0-2 0,-8 1-1 15,6-1 1-15,-5-3 0 0,0 3 0 0,6-4 0 0,-7 1 0 0,-6 3 3 16,6-3 1-16,2-4 4 0,-8 4 6 0,6-4 6 0,-6 3 11 0,0-3 10 16,0 0 10-16,0 0 10 0,0 0 9 0,0 0 5 0,0 0 2 15,6-3 3-15,-6-1 3 0,6 4 0 0,-6-4-1 0,8-3 0 0,-8 3-2 16,6-3-5-16,0 4-9 0,-6-5-7 0,7 1-11 0,-1 0-7 0,1-4-8 16,0 3-5-16,-1-3-3 0,-6 4-2 0,6-4-3 0,0 0-3 0,2 0-2 15,-2 0-5-15,0 0-8 0,1 0-7 0,6 0-10 0,-6-4-10 16,-1 4-12-16,0 0-13 0,8 0-13 0,-8 1-15 0,0-1-17 0,1 0-20 15,0 0-25-15,6 3-25 0,-7 1-27 0,0 0-30 0,1-1-29 0,6 4-27 16,-7 1-31-16,1-1-21 0,6 4-19 0,-6-4-11 0,6 4-9 16,0 0-6-16,-7 0-6 0</inkml:trace>
   <inkml:trace contextRef="#ctx0" brushRef="#br0" timeOffset="-166518.15">19036 1729 257 0,'-6'4'266'0,"0"-4"-18"0,-2 3-18 15,2-3-19-15,-6 4-18 0,5-4-18 0,0 4-17 0,-6-1-15 0,7 1-15 16,-8 0-13-16,8-1-13 0,0 1-11 0,0 0-11 0,-8 3-10 15,8 0-10-15,-1 1-6 0,1-5-7 0,-8 4-6 0,8 1-5 0,0-1-3 16,-1 4-5-16,0-4-4 0,7 1-4 0,-6-1-4 0,0 0-4 0,6 1-2 16,0-1-3-16,0-4-4 0,0 5-2 0,0 0-1 0,0-5-1 0,0 5-1 15,0-5-1-15,0 1-2 0,6 0-1 0,-6-1-1 0,6 1-1 0,1-1-2 16,0 1-2-16,-1-4 0 0,-6 0-4 0,13 4-1 0,-6-4-3 0,6 0-2 16,-7 0-4-16,8 0-2 0,-2-4-4 0,2 4-1 0,-2-4 0 0,1 4 0 15,1-3 0-15,-2-1 3 0,2 1 1 0,-2-1 4 0,2 0 4 16,5 1 5-16,-6-1 8 0,0-3 7 0,-7 3 7 0,8-3 7 15,-1 2 10-15,0-2 5 0,-7 4 7 0,7-5 6 0,-7 1 8 0,2 0 3 0,4 3 5 16,-5-3 5-16,-1 3 3 0,1-3 1 0,-7 3 2 0,6 0-1 16,1-3 1-16,-1 7-4 0,-6-4-3 0,0 1-6 0,6 3-6 0,-6-4-6 15,8 4-8-15,-8 0-7 0,0 0-6 0,0 0-6 0,0 0-6 0,0 0-4 16,0 4-6-16,6-4-3 0,-6 3-4 0,6-3 0 0,-6 4-1 16,0 3 1-16,0-3 1 0,0 0 1 0,0-1 3 0,0 1 1 0,0 3 2 0,0-3 0 15,0 0 1-15,0-1 1 0,0 1-1 0,0 0 1 0,0-1 2 16,0 1 0-16,0 0 2 0,0-4 2 0,0 3 2 0,0 1 2 0,0-4 1 15,0 0 4-15,0 0 4 0,0 0 2 0,0 0 5 0,0 0 3 0,0 0 8 16,0 0 3-16,0 0 7 0,0 0 4 16,7 0 3-16,0-4 2 0,-1 4-1 0,-6 0 0 0,6-3-2 0,1 3-2 0,-1-4-3 0,1 0-2 0,6 1-2 15,-7-1-2-15,1 0-3 0,0 1-4 0,5-5-3 0,-5 5-3 16,-1-1-3-16,8 0-1 0,-8 1-1 0,0-1 1 0,8 0 1 0,-8 1-1 16,1-1 2-16,-1 4-4 0,1-4-4 0,-7 4-5 0,6 0-7 0,-6 0-3 15,0 0-4-15,0 0-4 0,0 0-1 0,0 0-3 0,7 4-1 16,-7-4-6-16,6 4-2 0,-6-4-7 0,0 3-6 0,6 1-9 0,-6-4-7 15,8 4-10-15,-8-1-11 0,0 1-16 0,0-4-18 0,0 4-21 16,0-4-23-16,0 3-30 0,0-3-32 0,0 4-38 0,0-4-42 0,0 0-51 0,0 0-54 16,0 0-71-16,0 0-80 0,0 0-35 0,0 0-13 0</inkml:trace>
-  <inkml:trace contextRef="#ctx0" brushRef="#br0" timeOffset="-166270.71">19681 1721 290 0,'0'0'356'15,"0"0"-47"-15,0 0-48 0,0 0-36 0,0 0-31 0,0 0-23 0,-6 4-22 16,6-4-18-16,-6 4-15 0,-2 0-13 0,2-1-13 0,0 1-13 0,-1 0-9 16,1 3-6-16,-1-3-5 0,-6-1-5 0,7 5-4 0,0-5-5 0,-2 1-7 15,2 3-6-15,0-3-4 0,-1 0-4 0,7 3-6 0,-7-4-3 0,1 1-4 16,6 0-4-16,0-1-3 0,-7 1-8 0,7 0-8 0,0-1-8 15,0-3-10-15,7 4-8 0,-7-4-12 0,6 4-11 0,1-4-12 0,-7 0-14 16,13 3-17-16,-7-3-19 0,2 0-21 0,4 0-23 0,-6-3-22 0,8 3-27 16,-8 0-29-16,1-4-41 0,5 4-48 0,-4-4-43 0,-2 1 16 15</inkml:trace>
+  <inkml:trace contextRef="#ctx0" brushRef="#br0" timeOffset="-166270.72">19681 1721 290 0,'0'0'356'15,"0"0"-47"-15,0 0-48 0,0 0-36 0,0 0-31 0,0 0-23 0,-6 4-22 16,6-4-18-16,-6 4-15 0,-2 0-13 0,2-1-13 0,0 1-13 0,-1 0-9 16,1 3-6-16,-1-3-5 0,-6-1-5 0,7 5-4 0,0-5-5 0,-2 1-7 15,2 3-6-15,0-3-4 0,-1 0-4 0,7 3-6 0,-7-4-3 0,1 1-4 16,6 0-4-16,0-1-3 0,-7 1-8 0,7 0-8 0,0-1-8 15,0-3-10-15,7 4-8 0,-7-4-12 0,6 4-11 0,1-4-12 0,-7 0-14 16,13 3-17-16,-7-3-19 0,2 0-21 0,4 0-23 0,-6-3-22 0,8 3-27 16,-8 0-29-16,1-4-41 0,5 4-48 0,-4-4-43 0,-2 1 16 15</inkml:trace>
   <inkml:trace contextRef="#ctx0" brushRef="#br0" timeOffset="-165826.84">19779 1425 302 0,'0'-4'520'0,"-7"-3"-33"0,7 7-53 0,0-4-85 0,-6 0-104 0,6 4-59 15,0 0-39-15,0 0-22 0,0 0-13 0,-6 0-11 0,6 4-9 0,-8 0-6 16,8-1-10-16,-6 5-5 0,6-1-6 0,0 0-2 0,0 1-2 0,0 3 1 16,0 0 2-16,0 0 0 0,0 0 0 0,6 0-2 0,-6 3-2 0,8-3-6 15,-2 4-7-15,0-4-4 0,1 0-6 0,-1 3-6 0,1-3-4 0,0 1-4 16,-1 2-4-16,0-3-3 0,0 0-4 0,2 0-1 0,-2 0-2 0,0-3-2 15,1 3 0-15,0-4-2 0,-1 4 0 0,-6-4-2 0,7 0 1 16,-1 1-2-16,-6-5 0 0,6 5 0 0,-6-1 1 0,0-3-1 0,8 0 0 16,-8-1 2-16,6 1 0 0,-6 0 2 0,0-4 2 0,6 3 2 0,-6-3 2 15,6 0 3-15,-6 0 3 0,0 0 2 0,7 0 2 16,0 0 2-16,-1 0 1 0,1-3 0 0,-1 3-1 0,1-4 1 0,6 4 0 0,-7-4-3 16,8 1 1-16,-2-1-3 0,-5 0-1 0,6 4-2 0,0-3-2 15,-7-1-2-15,8 0-3 0,-8 0-1 0,7 4-1 0,-6-3-2 0,-1 3-3 0,-6 0-2 16,7 0-2-16,-7 0-1 0,0 0-1 0,6 0-2 0,-6 0-1 15,6 3 0-15,-6-3-1 0,0 4 0 0,0 0 0 0,0 0 0 0,0-1 0 16,0 1 0-16,0 0 1 0,-6-1 3 0,6 1 2 0,-6 0 2 0,-1-1-1 16,1 1 0-16,-1 0 0 0,-6-1-2 0,-1 1-2 15,8 0-3-15,-13-1-7 0,6 1-8 0,0 0-11 0,-7-4-11 0,8 3-11 0,-8-3-16 16,7 4-17-16,-7-4-21 0,8 0-22 0,-8 0-25 0,7 0-24 16,-1 0-32-16,2 0-36 0,-2 0-40 0,8 0-41 0,0-4-53 0,-1 1-55 0,7 3-48 15,-7-8-44-15,7 5-14 0,7-1 282 0</inkml:trace>
   <inkml:trace contextRef="#ctx0" brushRef="#br0" timeOffset="-165446.75">20150 1476 0 0,'6'-11'43'16,"1"4"495"-16,-7 0 13 0,7 3-43 0,-7 0-74 0,6-3-82 0,-6 3-90 16,0 0-56-16,0 4-40 0,0-3-26 0,0 3-17 0,0 0-16 0,0 0-14 15,0 3-12-15,0-3-12 0,0 4-11 0,0 3-9 0,0 1-7 0,0-1-2 16,0 1-1-16,0 3 2 0,0 0 1 0,0-1 2 0,0 5 1 15,6-4 0-15,-6 0-1 0,0 4-2 0,0-1-5 0,8-3-5 0,-8 4-3 16,6-4-5-16,-6 0-2 0,0 4-5 0,6-4-3 0,-6 0-3 0,7 0 0 0,-1 0-2 16,1 0 0-16,-1-4 0 0,-6 4-2 0,7-4 1 0,5 0-1 15,-4 1 0-15,-2-5 1 0,0 5 0 0,8-4 1 0,-8-1 1 0,0 1 0 16,1 0 0-16,6-1 0 0,-6-3 0 0,5 4 0 0,2-4 0 0,-8 0-1 16,7-4-2-16,0 4-2 0,0-3-4 0,1-1-3 0,5 0-2 15,-6 1-3-15,0-1 0 0,-1 0-2 0,2-3-2 0,-1 3 1 0,0-3 0 16,0-1 1-16,0 5 0 0,0-5 2 0,-7 5 4 0,8-4 2 0,-8 3 4 15,0 0 3-15,7 1 1 0,-6-1-1 0,-7 0 1 0,7 4-1 16,-1-3-4-16,-6 3-3 0,6-4-2 0,-6 4-3 0,0 0 0 0,0 4-2 0,8-4-1 16,-2 3 0-16,0-3-2 0,0 4 0 0,-6-4 1 0,7 4 0 15,6-1 1-15,-6 1 2 0,-1 0 4 0,8-4 0 0,-8 3 2 0,6 1-2 16,2-1-3-16,-1-3-7 0,0 4-10 0,6 0-14 0,-5-4-16 0,5 0-20 16,1 3-23-16,0-3-28 0,-2 0-34 0,2 0-44 0,7 0-49 15,-9 0-80-15,2-3-94 0,0 3-70 0,-1 0-60 0,1-4-25 0,-7 0-8 16</inkml:trace>
   <inkml:trace contextRef="#ctx0" brushRef="#br0" timeOffset="-162274.16">14021 12353 331 0,'-12'-4'562'0,"5"1"-40"0,-6-1-68 16,6 0-75-16,1 1-79 0,-7-1-47 0,6 1-29 0,1-2-18 0,6 2-14 16,-6 3-14-16,-1-4-17 0,7 4-16 0,0-4-18 0,-7 1-16 15,7 3-13-15,0 0-11 0,0 0-11 0,0 0-8 0,0 0-10 16,0 0-7-16,7 0-7 0,-7 0-8 0,0 0-7 0,0 0-5 0,7 0-8 15,-1 0-2-15,-6 0-4 0,6 3-2 0,1-3-2 16,6 4-2-16,-7 0-1 0,7-1 1 0,1 5-2 0,6-1 1 0,-1 1 2 0,0-1 2 16,0 4 2-16,1 0 2 0,6 0 4 0,1 0-1 0,-1 0 2 15,-1 0 0-15,1 0 1 0,7 3-1 0,-1-3 2 0,-6 0 0 16,7 1 0-16,-7-1 2 0,0 0 0 0,1 0 0 0,-1-4-1 0,0 4-2 16,-1 0-1-16,1-4-2 0,-6 0 0 0,-1 1-3 0,1-1-3 15,0-3-6-15,-1-1-5 0,-5 5-8 0,-2-5-8 0,2 1-11 0,-2 0-12 16,-5-1-16-16,6-3-15 0,-6 4-19 0,-1-4-21 0,0 0-23 15,1 0-26-15,-7 3-29 0,0-3-32 0,0 0-48 0,0 0-57 16,0 0-83-16,0 0-94 0,13 0-54 0,-7-3-36 0,-6 3-11 16,7 0 3-16</inkml:trace>
@@ -5491,7 +9958,7 @@
   <inkml:trace contextRef="#ctx0" brushRef="#br0" timeOffset="-11170.62">33072 12316 0 0,'-7'0'231'0,"7"-4"285"0,-7 1 6 0,7 3-80 16,-6 0-124-16,6-4-78 0,0 4-58 0,0 0-37 0,0 0-28 16,0 0-15-16,-6 0-9 0,6 4-11 0,-7-4-10 0,7 3-13 15,0 1-10-15,0 0-12 0,0 4-9 0,0-1-8 0,0 0-3 0,0 0-2 16,0 4 2-16,0 0 0 0,0-3 2 0,0 3 0 0,0 0-2 16,-6-1-2-16,6 1-2 0,0 0-3 0,0 0-2 0,0-3-4 0,0 3-5 15,0-4-7-15,0 4-7 0,0-3-12 0,0-1-15 0,0 0-18 16,0 1-18-16,0-1-26 0,0 0-25 0,6-3-32 0,-6-1-34 15,7 5-43-15,-7-5-48 0,6 1-57 0,-6 0-61 0,0-1-46 0,0-3-39 16</inkml:trace>
   <inkml:trace contextRef="#ctx0" brushRef="#br0" timeOffset="-10755.95">33007 12342 0 0,'0'-4'49'0,"0"1"392"0,6-1-45 0,-6 1-61 16,6-2-66-16,-6 2-44 0,0-1-31 0,7 0-21 0,-7 1-16 0,7-1-11 15,-7 0-10-15,6 1-9 0,1-1-10 0,-1 1-8 0,0-1-9 16,1 4-9-16,0-4-9 0,-1 1-6 0,8 3-5 0,-8-4-5 0,0 4-4 16,7-4-4-16,0 4-1 0,0-3-6 0,1 3-2 0,-2-4-3 15,8 4-2-15,-7 0-3 0,7-4-1 0,-8 4-3 0,8 0-2 0,-7 0-3 16,0 0-2-16,0 0-5 0,0 0-1 0,0 0-3 0,0 4-1 15,-6-4-2-15,-1 4-3 0,7-1-2 0,-7 1-4 0,2 3-1 16,-2-3-3-16,0 3 1 0,1-3-2 0,-1 3 1 0,-6 0-1 0,7 1 1 16,-7 0-1-16,0-1 1 0,0 0-2 0,0 0 2 0,0 1 0 15,0-1 3-15,-7 4 2 0,7-4 2 0,-6 1 0 0,-1-1 3 0,1 0 1 16,6 0 2-16,-14 1 3 0,8 3 1 0,0-4 3 0,-1 0 2 16,-6 1 2-16,0-1 2 0,7 0-1 0,-8 1 0 0,2-1 1 15,-2 1-1-15,1-5-1 0,-6 5-2 0,6-5-1 0,-7 5-2 0,1-5-4 16,6 1-4-16,0 3-6 0,-7-3-7 0,1-1-7 0,6 1-7 15,0 0-10-15,-1-4-9 0,2 3-11 0,5-3-11 0,-6 4-14 16,0-4-11-16,7 0-14 0,-1 4-16 0,0-4-17 0,-5 0-18 16,12 0-18-16,-7 0-21 0,0 0-26 0,7 0-30 0,-6 0-33 0,0-4-37 15,6 0-39-15,-7 1-62 0,7-1-76 0,0 0-34 0,0-3-17 0</inkml:trace>
   <inkml:trace contextRef="#ctx0" brushRef="#br0" timeOffset="-10309.98">33378 12137 0 0,'6'-4'273'0,"-6"0"194"0,7 1-26 0,-7 3-68 0,6-4-86 0,-6 4-54 15,0-4-36-15,0 1-20 0,7 3-14 0,-7-4-10 0,0 4-7 16,6 0-11-16,-6 0-11 0,0 0-15 0,0 0-15 0,0 0-13 16,0 0-11-16,7-4-7 0,-7 4-6 0,0 0 0 0,0 0-2 0,6 0 1 0,0 4 0 15,2-4 2-15,-2 0 0 0,7 4 2 0,0-4-2 0,0 3 0 16,0 1-1-16,0 0-2 0,0-1-1 0,6 1-2 0,-5 0-4 16,5 3-3-16,1 0-4 0,-1 1-4 0,1-1-3 0,0 0-3 15,-2 0-3-15,2 4-2 0,0 1-2 0,-1-5-2 0,1 4-1 0,-1 0-1 16,-5 0-1-16,5 4-1 0,-6-4-1 0,7 0-1 0,-7 0-1 0,-1-1 1 15,2 1-1-15,-14 0-2 0,0 4 1 0,0-4-1 0,0 0 3 16,0 0 0-16,0 0 1 0,0 0 1 0,0 0 0 0,0 0 1 0,0 0 1 16,0-4 1-16,0 4 1 0,0-3 0 0,0-1 1 0,0 4 1 15,0-3 2-15,0-1 0 0,0 0-1 0,0 1 0 0,0-1-2 16,0 0-2-16,0 1-7 0,0-1-10 0,-14 0-17 0,-5 0-18 0,-1 1-20 16,1-1-23-16,-7 0-26 0,0-3-32 0,0 3-36 15,0 1-45-15,-7-1-52 0,7 0-73 0,-7 0-88 0,1 1-88 0,6 0-92 16,-7-5-40-16,1 5-12 0,6-1 3 0,-1-4 235 0</inkml:trace>
-  <inkml:trace contextRef="#ctx0" brushRef="#br0" timeOffset="-8696.63">29523 13668 78 0,'0'0'505'0,"0"0"-31"0,0 0-54 0,0 0-84 16,0 0-99-16,-8 0-58 0,8 0-39 0,-6 0-21 0,6 0-13 0,0 4-4 15,-6-4-1-15,-1 3-2 0,1 1-3 0,-1-4-6 0,0 4-7 16,1 3-5-16,0-3-5 0,-2-1-2 0,-4 5 1 0,6-1 2 0,-8-3 5 16,1 7 3-16,1-4 4 0,-2 0 0 0,2 4 2 0,-8 1 2 15,7-1 1-15,-1-1 0 0,-4 5 0 0,-2 0 0 0,0-1-2 16,1 1-1-16,-1 3-1 0,0-3-2 0,1 7-2 0,-1-7-3 16,1 7-3-16,-1-4-4 0,1 4-4 0,6-4-5 0,-1 4-7 0,-5-4-6 15,6 5-5-15,7-5-5 0,-7 0-3 0,7 0-7 0,-2 1-4 0,2-1-4 16,6-3-5-16,0-1-4 0,0 4-3 0,0-3 0 0,0-4-4 15,6 4 0-15,2-4-1 0,-2 0-3 0,0 0-1 16,1 0 0-16,6-4-2 0,0 0-2 0,-1 1 1 0,2-1-1 0,-1 0-1 16,0-3-5-16,6 0-5 0,-5-1-11 0,5 1-15 0,0-4-17 0,1 4-18 15,7-4-22-15,-9 0-21 0,2-4-23 0,7 4-28 0,-9-4-29 16,2 4-30-16,0-3-39 0,-1-1-41 0,1 0-52 0,-7 4-57 0,0-7-71 16,0 3-77-16,-1 1-31 0,2-1-8 0,-1 0 8 0,0 1 356 0</inkml:trace>
+  <inkml:trace contextRef="#ctx0" brushRef="#br0" timeOffset="-8696.64">29523 13668 78 0,'0'0'505'0,"0"0"-31"0,0 0-54 0,0 0-84 16,0 0-99-16,-8 0-58 0,8 0-39 0,-6 0-21 0,6 0-13 0,0 4-4 15,-6-4-1-15,-1 3-2 0,1 1-3 0,-1-4-6 0,0 4-7 16,1 3-5-16,0-3-5 0,-2-1-2 0,-4 5 1 0,6-1 2 0,-8-3 5 16,1 7 3-16,1-4 4 0,-2 0 0 0,2 4 2 0,-8 1 2 15,7-1 1-15,-1-1 0 0,-4 5 0 0,-2 0 0 0,0-1-2 16,1 1-1-16,-1 3-1 0,0-3-2 0,1 7-2 0,-1-7-3 16,1 7-3-16,-1-4-4 0,1 4-4 0,6-4-5 0,-1 4-7 0,-5-4-6 15,6 5-5-15,7-5-5 0,-7 0-3 0,7 0-7 0,-2 1-4 0,2-1-4 16,6-3-5-16,0-1-4 0,0 4-3 0,0-3 0 0,0-4-4 15,6 4 0-15,2-4-1 0,-2 0-3 0,0 0-1 16,1 0 0-16,6-4-2 0,0 0-2 0,-1 1 1 0,2-1-1 0,-1 0-1 16,0-3-5-16,6 0-5 0,-5-1-11 0,5 1-15 0,0-4-17 0,1 4-18 15,7-4-22-15,-9 0-21 0,2-4-23 0,7 4-28 0,-9-4-29 16,2 4-30-16,0-3-39 0,-1-1-41 0,1 0-52 0,-7 4-57 0,0-7-71 16,0 3-77-16,-1 1-31 0,2-1-8 0,-1 0 8 0,0 1 356 0</inkml:trace>
   <inkml:trace contextRef="#ctx0" brushRef="#br0" timeOffset="-3333.01">29639 13972 439 0,'-6'-3'509'0,"-1"-1"-46"0,1 0-74 16,0 4-74-16,6-3-71 0,0 3-44 0,-8 0-28 0,8-4-14 16,0 4-10-16,0 0-5 0,0 0-5 0,0 0-9 0,0 0-15 0,0 0-12 15,0 0-17-15,0 0-14 0,0 0-13 0,0 0-8 0,0 0-7 16,0 0-5-16,0 0-4 0,0 0-4 0,0 0-2 0,0 0-3 16,0 0-4-16,0 0 1 0,0 4-1 0,0-4 3 0,-6 3 2 0,6 1 1 15,0 0 2-15,-6-1 2 0,6 1 2 0,0 3 1 0,0 0 1 0,-6 1 1 16,6-1 1-16,-8 0-1 0,8 1 0 0,0-1-4 0,-6 4-2 15,6-3-6-15,0 3-2 0,-6-4-5 0,6 4-4 0,0 0-2 16,0-4-2-16,0 4-1 0,0 0-2 0,0-4-1 0,0 1 0 0,0 3-3 16,0-4-2-16,0 0-5 0,0 1-8 0,0-1-9 0,0-4-12 15,0 5-14-15,0-5-17 0,0 2-17 0,0-2-19 0,0 0-24 16,6 2-24-16,-6-2-28 0,0-3-27 0,6 4-34 0,-6-4-40 0,0 0-42 16,0 0-43-16,0 0-60 0,0 0-67 0,8 0-34 0,4-4-14 15,2 1-1-15,-8-2 520 0</inkml:trace>
   <inkml:trace contextRef="#ctx0" brushRef="#br0" timeOffset="-2901.92">29529 14027 360 0,'-6'-4'363'0,"-2"4"-42"0,8-3-40 0,-6-1-27 0,6 4-20 0,0-4-17 0,0 4-17 15,0-3-14-15,6 3-14 0,-6 0-14 0,8-4-17 0,-8 4-13 16,0 0-15-16,6 0-12 0,-6-4-11 0,6 4-10 0,-6 0-9 0,6-3-6 15,1 3-5-15,-7-4-5 0,7 4-2 0,-1-4-3 0,7 4-3 16,-7-3-2-16,8 3-1 0,-8-4-3 0,8 4 1 0,-2-4-2 16,-5 4 1-16,6-3 1 0,0 3-1 0,-1-4 0 0,-4 1-3 0,4 3-1 15,2-4-3-15,-1 4-3 0,-7 0-1 0,7 0-3 0,0 0-2 16,-7 0 1-16,1 0-2 0,0 0 0 0,-1 0-3 0,1 0-1 0,-1 0-1 16,0 4-1-16,1-4 0 0,-7 3-1 0,7 1 0 0,-1-1 0 15,-6 1 0-15,6 0 0 0,-6-1-2 0,0 5 1 0,8-5-1 0,-8 5 1 16,6-5-2-16,-6 5 2 0,0-1-1 0,0 0 0 0,0 1 1 15,-6-1 0-15,6 1 0 0,-8-1-1 0,8 0 1 0,-6-3 1 16,0 3 0-16,-1 0 0 0,0 1 0 0,-5-1-1 0,5-3 1 16,1 3 0-16,-8 0 0 0,8 1-1 0,-7-5 0 0,0 5-2 0,7-5 1 15,-7 5-1-15,-1-5 0 0,2 1-2 0,-2 3 0 0,8-3-1 16,-7-1-2-16,0 1 0 0,0 0-2 0,7-1-2 0,-8 2-1 0,2-2-3 16,4-3-5-16,-4 3-5 0,-1-3-8 0,6 5-6 15,-6-5-11-15,1 3-9 0,4-3-10 0,2 4-12 0,-7-4-12 0,7 0-16 16,-1 0-12-16,0 0-20 0,7 0-20 0,-6 0-25 0,0 0-25 0,-2 0-29 15,2-4-29-15,6 4-38 0,0 0-42 0,0-3-51 0,0-2-52 16,6 2-50-16,-6 0-48 0,8-5-16 0,-2 4 50 0</inkml:trace>
   <inkml:trace contextRef="#ctx0" brushRef="#br0" timeOffset="-2484.27">29789 13833 252 0,'-6'-4'514'0,"6"1"-20"0,0-5-39 15,0 5-80-15,0-1-103 0,0 4-59 0,0-4-38 16,0 1-20-16,0 3-12 0,0-4-8 0,0 0-4 0,0 4-10 0,6 0-12 16,-6-3-15-16,0 3-17 0,0 0-14 0,6 0-13 0,-6 0-8 0,0 0-6 15,7 0 0-15,-7 0 2 0,0 0 2 0,7 0 2 0,-1 0 2 16,0 0 3-16,2 0 1 0,-2 0 3 0,0 0 2 0,7 0 1 0,-6 3 2 15,6-3 3-15,-7 4 0 0,8 0 0 0,-2-1-2 0,2 1-2 16,-2 0-2-16,1-1-2 0,7 1-2 0,-7 3-1 0,7-3-2 0,-8 3-2 16,8 1-2-16,0-5-1 0,-1 8-2 0,1-4-1 0,-8 1-2 15,8-1-1-15,-7 0-1 0,7 1-1 0,-7 3-1 0,0-4 1 16,7 1 0-16,-8 3-2 0,-5-4-2 0,6 4 1 0,0-4-3 16,-7 4-2-16,8-4 0 0,-8 4 0 0,0-3-1 0,1-1-2 15,6 4 1-15,-13-4-2 0,7 4 0 0,-1-3-2 0,-6-1-1 0,6 4 0 0,-6-3 0 16,8-1 0-16,-8 0 0 0,0 4 0 0,0-4 0 0,-8 1 0 15,8-1 0-15,-6 0-1 0,0 4 0 0,-1-3-2 0,1-1-6 16,-8 0-5-16,2 1-10 0,6-1-14 0,-8 0-17 0,-6 0-21 0,7 1-23 16,1 0-25-16,-8 2-29 0,7-6-29 0,-7 3-35 15,7 1-38-15,-6-1-44 0,5 0-50 0,2-3-60 0,-1 3-67 0,0-3-74 16,0 3-79-16,7-3-31 0,-8 0-9 0,8-1 9 0,-8 1 287 16</inkml:trace>
@@ -5650,7 +10117,7 @@
           <a:p>
             <a:fld id="{B1A9C85A-64D6-442D-AA9A-43C6DB859335}" type="datetimeFigureOut">
               <a:rPr lang="en-IN" smtClean="0"/>
-              <a:t>09-10-2021</a:t>
+              <a:t>10-10-2021</a:t>
             </a:fld>
             <a:endParaRPr lang="en-IN"/>
           </a:p>
@@ -5850,7 +10317,7 @@
           <a:p>
             <a:fld id="{B1A9C85A-64D6-442D-AA9A-43C6DB859335}" type="datetimeFigureOut">
               <a:rPr lang="en-IN" smtClean="0"/>
-              <a:t>09-10-2021</a:t>
+              <a:t>10-10-2021</a:t>
             </a:fld>
             <a:endParaRPr lang="en-IN"/>
           </a:p>
@@ -6060,7 +10527,7 @@
           <a:p>
             <a:fld id="{B1A9C85A-64D6-442D-AA9A-43C6DB859335}" type="datetimeFigureOut">
               <a:rPr lang="en-IN" smtClean="0"/>
-              <a:t>09-10-2021</a:t>
+              <a:t>10-10-2021</a:t>
             </a:fld>
             <a:endParaRPr lang="en-IN"/>
           </a:p>
@@ -6260,7 +10727,7 @@
           <a:p>
             <a:fld id="{B1A9C85A-64D6-442D-AA9A-43C6DB859335}" type="datetimeFigureOut">
               <a:rPr lang="en-IN" smtClean="0"/>
-              <a:t>09-10-2021</a:t>
+              <a:t>10-10-2021</a:t>
             </a:fld>
             <a:endParaRPr lang="en-IN"/>
           </a:p>
@@ -6536,7 +11003,7 @@
           <a:p>
             <a:fld id="{B1A9C85A-64D6-442D-AA9A-43C6DB859335}" type="datetimeFigureOut">
               <a:rPr lang="en-IN" smtClean="0"/>
-              <a:t>09-10-2021</a:t>
+              <a:t>10-10-2021</a:t>
             </a:fld>
             <a:endParaRPr lang="en-IN"/>
           </a:p>
@@ -6804,7 +11271,7 @@
           <a:p>
             <a:fld id="{B1A9C85A-64D6-442D-AA9A-43C6DB859335}" type="datetimeFigureOut">
               <a:rPr lang="en-IN" smtClean="0"/>
-              <a:t>09-10-2021</a:t>
+              <a:t>10-10-2021</a:t>
             </a:fld>
             <a:endParaRPr lang="en-IN"/>
           </a:p>
@@ -7219,7 +11686,7 @@
           <a:p>
             <a:fld id="{B1A9C85A-64D6-442D-AA9A-43C6DB859335}" type="datetimeFigureOut">
               <a:rPr lang="en-IN" smtClean="0"/>
-              <a:t>09-10-2021</a:t>
+              <a:t>10-10-2021</a:t>
             </a:fld>
             <a:endParaRPr lang="en-IN"/>
           </a:p>
@@ -7361,7 +11828,7 @@
           <a:p>
             <a:fld id="{B1A9C85A-64D6-442D-AA9A-43C6DB859335}" type="datetimeFigureOut">
               <a:rPr lang="en-IN" smtClean="0"/>
-              <a:t>09-10-2021</a:t>
+              <a:t>10-10-2021</a:t>
             </a:fld>
             <a:endParaRPr lang="en-IN"/>
           </a:p>
@@ -7474,7 +11941,7 @@
           <a:p>
             <a:fld id="{B1A9C85A-64D6-442D-AA9A-43C6DB859335}" type="datetimeFigureOut">
               <a:rPr lang="en-IN" smtClean="0"/>
-              <a:t>09-10-2021</a:t>
+              <a:t>10-10-2021</a:t>
             </a:fld>
             <a:endParaRPr lang="en-IN"/>
           </a:p>
@@ -7787,7 +12254,7 @@
           <a:p>
             <a:fld id="{B1A9C85A-64D6-442D-AA9A-43C6DB859335}" type="datetimeFigureOut">
               <a:rPr lang="en-IN" smtClean="0"/>
-              <a:t>09-10-2021</a:t>
+              <a:t>10-10-2021</a:t>
             </a:fld>
             <a:endParaRPr lang="en-IN"/>
           </a:p>
@@ -8076,7 +12543,7 @@
           <a:p>
             <a:fld id="{B1A9C85A-64D6-442D-AA9A-43C6DB859335}" type="datetimeFigureOut">
               <a:rPr lang="en-IN" smtClean="0"/>
-              <a:t>09-10-2021</a:t>
+              <a:t>10-10-2021</a:t>
             </a:fld>
             <a:endParaRPr lang="en-IN"/>
           </a:p>
@@ -8319,7 +12786,7 @@
           <a:p>
             <a:fld id="{B1A9C85A-64D6-442D-AA9A-43C6DB859335}" type="datetimeFigureOut">
               <a:rPr lang="en-IN" smtClean="0"/>
-              <a:t>09-10-2021</a:t>
+              <a:t>10-10-2021</a:t>
             </a:fld>
             <a:endParaRPr lang="en-IN"/>
           </a:p>
@@ -8842,6 +13309,1380 @@
 </p:sld>
 </file>
 
+<file path=ppt/slides/slide10.xml><?xml version="1.0" encoding="utf-8"?>
+<p:sld xmlns:a="http://schemas.openxmlformats.org/drawingml/2006/main" xmlns:r="http://schemas.openxmlformats.org/officeDocument/2006/relationships" xmlns:p="http://schemas.openxmlformats.org/presentationml/2006/main">
+  <p:cSld>
+    <p:spTree>
+      <p:nvGrpSpPr>
+        <p:cNvPr id="1" name=""/>
+        <p:cNvGrpSpPr/>
+        <p:nvPr/>
+      </p:nvGrpSpPr>
+      <p:grpSpPr>
+        <a:xfrm>
+          <a:off x="0" y="0"/>
+          <a:ext cx="0" cy="0"/>
+          <a:chOff x="0" y="0"/>
+          <a:chExt cx="0" cy="0"/>
+        </a:xfrm>
+      </p:grpSpPr>
+      <p:sp>
+        <p:nvSpPr>
+          <p:cNvPr id="3" name="TextBox 2">
+            <a:extLst>
+              <a:ext uri="{FF2B5EF4-FFF2-40B4-BE49-F238E27FC236}">
+                <a16:creationId xmlns:a16="http://schemas.microsoft.com/office/drawing/2014/main" id="{10DAE09F-375B-48D8-8E66-9FDDBC058554}"/>
+              </a:ext>
+            </a:extLst>
+          </p:cNvPr>
+          <p:cNvSpPr txBox="1"/>
+          <p:nvPr/>
+        </p:nvSpPr>
+        <p:spPr>
+          <a:xfrm>
+            <a:off x="276726" y="548443"/>
+            <a:ext cx="11398717" cy="2677656"/>
+          </a:xfrm>
+          <a:prstGeom prst="rect">
+            <a:avLst/>
+          </a:prstGeom>
+          <a:noFill/>
+        </p:spPr>
+        <p:txBody>
+          <a:bodyPr wrap="square">
+            <a:spAutoFit/>
+          </a:bodyPr>
+          <a:lstStyle/>
+          <a:p>
+            <a:r>
+              <a:rPr lang="en-US" sz="2800" dirty="0">
+                <a:solidFill>
+                  <a:prstClr val="black"/>
+                </a:solidFill>
+                <a:cs typeface="Times New Roman" pitchFamily="18" charset="0"/>
+              </a:rPr>
+              <a:t>Johnnie Talkers soft drinks division sales manager has been planning to launch a new sales incentive program for their sales executives. The sales executives felt that adults (&gt;40 </a:t>
+            </a:r>
+            <a:r>
+              <a:rPr lang="en-US" sz="2800" dirty="0" err="1">
+                <a:solidFill>
+                  <a:prstClr val="black"/>
+                </a:solidFill>
+                <a:cs typeface="Times New Roman" pitchFamily="18" charset="0"/>
+              </a:rPr>
+              <a:t>yrs</a:t>
+            </a:r>
+            <a:r>
+              <a:rPr lang="en-US" sz="2800" dirty="0">
+                <a:solidFill>
+                  <a:prstClr val="black"/>
+                </a:solidFill>
+                <a:cs typeface="Times New Roman" pitchFamily="18" charset="0"/>
+              </a:rPr>
+              <a:t>) won’t buy, children will &amp; hence requested sales manager not to launch the program. Analyze the data &amp; determine whether there is evidence at 10% significance level to support the hypothesis</a:t>
+            </a:r>
+          </a:p>
+        </p:txBody>
+      </p:sp>
+      <p:sp>
+        <p:nvSpPr>
+          <p:cNvPr id="4" name="TextBox 3">
+            <a:extLst>
+              <a:ext uri="{FF2B5EF4-FFF2-40B4-BE49-F238E27FC236}">
+                <a16:creationId xmlns:a16="http://schemas.microsoft.com/office/drawing/2014/main" id="{5D752085-E2ED-4376-9AF3-84AABE6BCAB4}"/>
+              </a:ext>
+            </a:extLst>
+          </p:cNvPr>
+          <p:cNvSpPr txBox="1"/>
+          <p:nvPr/>
+        </p:nvSpPr>
+        <p:spPr>
+          <a:xfrm>
+            <a:off x="673768" y="3429000"/>
+            <a:ext cx="3105594" cy="2585323"/>
+          </a:xfrm>
+          <a:prstGeom prst="rect">
+            <a:avLst/>
+          </a:prstGeom>
+          <a:noFill/>
+        </p:spPr>
+        <p:txBody>
+          <a:bodyPr wrap="none" rtlCol="0">
+            <a:spAutoFit/>
+          </a:bodyPr>
+          <a:lstStyle/>
+          <a:p>
+            <a:r>
+              <a:rPr lang="en-IN" dirty="0"/>
+              <a:t>Y – Sales (B/N) (D)</a:t>
+            </a:r>
+          </a:p>
+          <a:p>
+            <a:r>
+              <a:rPr lang="en-IN" dirty="0"/>
+              <a:t>X – Age(A/C)  (D)</a:t>
+            </a:r>
+          </a:p>
+          <a:p>
+            <a:endParaRPr lang="en-IN" dirty="0"/>
+          </a:p>
+          <a:p>
+            <a:r>
+              <a:rPr lang="en-IN" dirty="0"/>
+              <a:t>Alpha = 0.10</a:t>
+            </a:r>
+          </a:p>
+          <a:p>
+            <a:endParaRPr lang="en-IN" dirty="0"/>
+          </a:p>
+          <a:p>
+            <a:r>
+              <a:rPr lang="en-IN" dirty="0"/>
+              <a:t>2 proportion test</a:t>
+            </a:r>
+            <a:br>
+              <a:rPr lang="en-IN" dirty="0"/>
+            </a:br>
+            <a:endParaRPr lang="en-IN" dirty="0"/>
+          </a:p>
+          <a:p>
+            <a:r>
+              <a:rPr lang="en-IN" dirty="0"/>
+              <a:t>H0: X doesn’t affect Y (</a:t>
+            </a:r>
+            <a:r>
+              <a:rPr lang="en-IN" dirty="0" err="1"/>
+              <a:t>pA</a:t>
+            </a:r>
+            <a:r>
+              <a:rPr lang="en-IN" dirty="0"/>
+              <a:t> = </a:t>
+            </a:r>
+            <a:r>
+              <a:rPr lang="en-IN" dirty="0" err="1"/>
+              <a:t>pC</a:t>
+            </a:r>
+            <a:r>
+              <a:rPr lang="en-IN" dirty="0"/>
+              <a:t>)</a:t>
+            </a:r>
+          </a:p>
+          <a:p>
+            <a:r>
+              <a:rPr lang="en-IN" dirty="0"/>
+              <a:t>H1: X affects Y (</a:t>
+            </a:r>
+            <a:r>
+              <a:rPr lang="en-IN" dirty="0" err="1"/>
+              <a:t>pA</a:t>
+            </a:r>
+            <a:r>
+              <a:rPr lang="en-IN" dirty="0"/>
+              <a:t>!= </a:t>
+            </a:r>
+            <a:r>
+              <a:rPr lang="en-IN" dirty="0" err="1"/>
+              <a:t>pC</a:t>
+            </a:r>
+            <a:r>
+              <a:rPr lang="en-IN" dirty="0"/>
+              <a:t>)</a:t>
+            </a:r>
+          </a:p>
+        </p:txBody>
+      </p:sp>
+      <p:sp>
+        <p:nvSpPr>
+          <p:cNvPr id="5" name="TextBox 4">
+            <a:extLst>
+              <a:ext uri="{FF2B5EF4-FFF2-40B4-BE49-F238E27FC236}">
+                <a16:creationId xmlns:a16="http://schemas.microsoft.com/office/drawing/2014/main" id="{2DECB45C-65F4-4777-BB07-BC9AC617BD8A}"/>
+              </a:ext>
+            </a:extLst>
+          </p:cNvPr>
+          <p:cNvSpPr txBox="1"/>
+          <p:nvPr/>
+        </p:nvSpPr>
+        <p:spPr>
+          <a:xfrm>
+            <a:off x="6910939" y="3226099"/>
+            <a:ext cx="3791807" cy="2585323"/>
+          </a:xfrm>
+          <a:prstGeom prst="rect">
+            <a:avLst/>
+          </a:prstGeom>
+          <a:noFill/>
+        </p:spPr>
+        <p:txBody>
+          <a:bodyPr wrap="none" rtlCol="0">
+            <a:spAutoFit/>
+          </a:bodyPr>
+          <a:lstStyle/>
+          <a:p>
+            <a:r>
+              <a:rPr lang="en-IN" dirty="0"/>
+              <a:t>P value = 0.00013</a:t>
+            </a:r>
+          </a:p>
+          <a:p>
+            <a:endParaRPr lang="en-IN" dirty="0"/>
+          </a:p>
+          <a:p>
+            <a:r>
+              <a:rPr lang="en-IN" dirty="0"/>
+              <a:t>P low</a:t>
+            </a:r>
+          </a:p>
+          <a:p>
+            <a:endParaRPr lang="en-IN" dirty="0"/>
+          </a:p>
+          <a:p>
+            <a:r>
+              <a:rPr lang="en-IN" dirty="0"/>
+              <a:t>Null Rejected</a:t>
+            </a:r>
+          </a:p>
+          <a:p>
+            <a:endParaRPr lang="en-IN" dirty="0"/>
+          </a:p>
+          <a:p>
+            <a:r>
+              <a:rPr lang="en-IN" dirty="0"/>
+              <a:t>Children is buying more than the adult</a:t>
+            </a:r>
+          </a:p>
+          <a:p>
+            <a:endParaRPr lang="en-IN" dirty="0"/>
+          </a:p>
+          <a:p>
+            <a:r>
+              <a:rPr lang="en-IN" dirty="0"/>
+              <a:t>Do not launch the program</a:t>
+            </a:r>
+          </a:p>
+        </p:txBody>
+      </p:sp>
+    </p:spTree>
+    <p:extLst>
+      <p:ext uri="{BB962C8B-B14F-4D97-AF65-F5344CB8AC3E}">
+        <p14:creationId xmlns:p14="http://schemas.microsoft.com/office/powerpoint/2010/main" val="739685652"/>
+      </p:ext>
+    </p:extLst>
+  </p:cSld>
+  <p:clrMapOvr>
+    <a:masterClrMapping/>
+  </p:clrMapOvr>
+</p:sld>
+</file>
+
+<file path=ppt/slides/slide11.xml><?xml version="1.0" encoding="utf-8"?>
+<p:sld xmlns:a="http://schemas.openxmlformats.org/drawingml/2006/main" xmlns:r="http://schemas.openxmlformats.org/officeDocument/2006/relationships" xmlns:p="http://schemas.openxmlformats.org/presentationml/2006/main">
+  <p:cSld>
+    <p:spTree>
+      <p:nvGrpSpPr>
+        <p:cNvPr id="1" name=""/>
+        <p:cNvGrpSpPr/>
+        <p:nvPr/>
+      </p:nvGrpSpPr>
+      <p:grpSpPr>
+        <a:xfrm>
+          <a:off x="0" y="0"/>
+          <a:ext cx="0" cy="0"/>
+          <a:chOff x="0" y="0"/>
+          <a:chExt cx="0" cy="0"/>
+        </a:xfrm>
+      </p:grpSpPr>
+      <p:sp>
+        <p:nvSpPr>
+          <p:cNvPr id="3" name="TextBox 2">
+            <a:extLst>
+              <a:ext uri="{FF2B5EF4-FFF2-40B4-BE49-F238E27FC236}">
+                <a16:creationId xmlns:a16="http://schemas.microsoft.com/office/drawing/2014/main" id="{ABCF0F13-261E-4452-BE7A-3D684DEE44CE}"/>
+              </a:ext>
+            </a:extLst>
+          </p:cNvPr>
+          <p:cNvSpPr txBox="1"/>
+          <p:nvPr/>
+        </p:nvSpPr>
+        <p:spPr>
+          <a:xfrm>
+            <a:off x="344103" y="502450"/>
+            <a:ext cx="11398718" cy="2308324"/>
+          </a:xfrm>
+          <a:prstGeom prst="rect">
+            <a:avLst/>
+          </a:prstGeom>
+          <a:noFill/>
+        </p:spPr>
+        <p:txBody>
+          <a:bodyPr wrap="square">
+            <a:spAutoFit/>
+          </a:bodyPr>
+          <a:lstStyle/>
+          <a:p>
+            <a:r>
+              <a:rPr lang="en-US" sz="2400" dirty="0" err="1">
+                <a:solidFill>
+                  <a:prstClr val="black"/>
+                </a:solidFill>
+                <a:cs typeface="Times New Roman" pitchFamily="18" charset="0"/>
+              </a:rPr>
+              <a:t>Bahamantech</a:t>
+            </a:r>
+            <a:r>
+              <a:rPr lang="en-US" sz="2400" dirty="0">
+                <a:solidFill>
+                  <a:prstClr val="black"/>
+                </a:solidFill>
+                <a:cs typeface="Times New Roman" pitchFamily="18" charset="0"/>
+              </a:rPr>
+              <a:t> Research Company uses 4 regional centers in South Asia (India, China, </a:t>
+            </a:r>
+            <a:r>
+              <a:rPr lang="en-US" sz="2400" dirty="0" err="1">
+                <a:solidFill>
+                  <a:prstClr val="black"/>
+                </a:solidFill>
+                <a:cs typeface="Times New Roman" pitchFamily="18" charset="0"/>
+              </a:rPr>
+              <a:t>Srilanka</a:t>
+            </a:r>
+            <a:r>
+              <a:rPr lang="en-US" sz="2400" dirty="0">
+                <a:solidFill>
+                  <a:prstClr val="black"/>
+                </a:solidFill>
+                <a:cs typeface="Times New Roman" pitchFamily="18" charset="0"/>
+              </a:rPr>
+              <a:t> and Bangladesh) to input data of questionnaire responses. They audit a certain % of the questionnaire responses versus data entry. Any error in data entry renders it defective. The chief data scientist wants to check whether the defective % varies by country. Analyze the data at 5% significance level and help the manager draw appropriate inferences. [‘0’ means not defectives &amp; ‘1’ means defective]</a:t>
+            </a:r>
+          </a:p>
+        </p:txBody>
+      </p:sp>
+      <p:sp>
+        <p:nvSpPr>
+          <p:cNvPr id="4" name="TextBox 3">
+            <a:extLst>
+              <a:ext uri="{FF2B5EF4-FFF2-40B4-BE49-F238E27FC236}">
+                <a16:creationId xmlns:a16="http://schemas.microsoft.com/office/drawing/2014/main" id="{2A398EAD-CAB5-49F9-BE33-E95B9D4BCDAB}"/>
+              </a:ext>
+            </a:extLst>
+          </p:cNvPr>
+          <p:cNvSpPr txBox="1"/>
+          <p:nvPr/>
+        </p:nvSpPr>
+        <p:spPr>
+          <a:xfrm>
+            <a:off x="462013" y="3291840"/>
+            <a:ext cx="4358886" cy="2862322"/>
+          </a:xfrm>
+          <a:prstGeom prst="rect">
+            <a:avLst/>
+          </a:prstGeom>
+          <a:noFill/>
+        </p:spPr>
+        <p:txBody>
+          <a:bodyPr wrap="none" rtlCol="0">
+            <a:spAutoFit/>
+          </a:bodyPr>
+          <a:lstStyle/>
+          <a:p>
+            <a:r>
+              <a:rPr lang="en-US" b="0" i="0" dirty="0">
+                <a:solidFill>
+                  <a:srgbClr val="000000"/>
+                </a:solidFill>
+                <a:effectLst/>
+                <a:latin typeface="Segoe UI" panose="020B0502040204020203" pitchFamily="34" charset="0"/>
+              </a:rPr>
+              <a:t>y – Defects (D)</a:t>
+            </a:r>
+          </a:p>
+          <a:p>
+            <a:r>
+              <a:rPr lang="en-US" b="0" i="0" dirty="0">
+                <a:solidFill>
+                  <a:srgbClr val="000000"/>
+                </a:solidFill>
+                <a:effectLst/>
+                <a:latin typeface="Segoe UI" panose="020B0502040204020203" pitchFamily="34" charset="0"/>
+              </a:rPr>
+              <a:t>x – country(I/C/S/B) (D)</a:t>
+            </a:r>
+          </a:p>
+          <a:p>
+            <a:endParaRPr lang="en-US" dirty="0">
+              <a:solidFill>
+                <a:srgbClr val="000000"/>
+              </a:solidFill>
+              <a:latin typeface="Segoe UI" panose="020B0502040204020203" pitchFamily="34" charset="0"/>
+            </a:endParaRPr>
+          </a:p>
+          <a:p>
+            <a:r>
+              <a:rPr lang="en-US" b="0" i="0" dirty="0">
+                <a:solidFill>
+                  <a:srgbClr val="000000"/>
+                </a:solidFill>
+                <a:effectLst/>
+                <a:latin typeface="Segoe UI" panose="020B0502040204020203" pitchFamily="34" charset="0"/>
+              </a:rPr>
+              <a:t>alpha - 0.05</a:t>
+            </a:r>
+          </a:p>
+          <a:p>
+            <a:endParaRPr lang="en-US" dirty="0">
+              <a:solidFill>
+                <a:srgbClr val="000000"/>
+              </a:solidFill>
+              <a:latin typeface="Segoe UI" panose="020B0502040204020203" pitchFamily="34" charset="0"/>
+            </a:endParaRPr>
+          </a:p>
+          <a:p>
+            <a:r>
+              <a:rPr lang="en-US" b="0" i="0" dirty="0">
+                <a:solidFill>
+                  <a:srgbClr val="000000"/>
+                </a:solidFill>
+                <a:effectLst/>
+                <a:latin typeface="Segoe UI" panose="020B0502040204020203" pitchFamily="34" charset="0"/>
+              </a:rPr>
+              <a:t>Chi square test</a:t>
+            </a:r>
+          </a:p>
+          <a:p>
+            <a:endParaRPr lang="en-US" dirty="0">
+              <a:solidFill>
+                <a:srgbClr val="000000"/>
+              </a:solidFill>
+              <a:latin typeface="Segoe UI" panose="020B0502040204020203" pitchFamily="34" charset="0"/>
+            </a:endParaRPr>
+          </a:p>
+          <a:p>
+            <a:r>
+              <a:rPr lang="en-US" b="0" i="0" dirty="0">
+                <a:solidFill>
+                  <a:srgbClr val="000000"/>
+                </a:solidFill>
+                <a:effectLst/>
+                <a:latin typeface="Segoe UI" panose="020B0502040204020203" pitchFamily="34" charset="0"/>
+              </a:rPr>
+              <a:t>Ho: X doesn’t affect Y ( </a:t>
+            </a:r>
+            <a:r>
+              <a:rPr lang="en-US" b="0" i="0" dirty="0" err="1">
+                <a:solidFill>
+                  <a:srgbClr val="000000"/>
+                </a:solidFill>
+                <a:effectLst/>
+                <a:latin typeface="Segoe UI" panose="020B0502040204020203" pitchFamily="34" charset="0"/>
+              </a:rPr>
+              <a:t>pI</a:t>
+            </a:r>
+            <a:r>
+              <a:rPr lang="en-US" b="0" i="0" dirty="0">
+                <a:solidFill>
+                  <a:srgbClr val="000000"/>
+                </a:solidFill>
+                <a:effectLst/>
+                <a:latin typeface="Segoe UI" panose="020B0502040204020203" pitchFamily="34" charset="0"/>
+              </a:rPr>
+              <a:t> =</a:t>
+            </a:r>
+            <a:r>
+              <a:rPr lang="en-US" b="0" i="0" dirty="0" err="1">
+                <a:solidFill>
+                  <a:srgbClr val="000000"/>
+                </a:solidFill>
+                <a:effectLst/>
+                <a:latin typeface="Segoe UI" panose="020B0502040204020203" pitchFamily="34" charset="0"/>
+              </a:rPr>
+              <a:t>pB</a:t>
+            </a:r>
+            <a:r>
+              <a:rPr lang="en-US" b="0" i="0" dirty="0">
+                <a:solidFill>
+                  <a:srgbClr val="000000"/>
+                </a:solidFill>
+                <a:effectLst/>
+                <a:latin typeface="Segoe UI" panose="020B0502040204020203" pitchFamily="34" charset="0"/>
+              </a:rPr>
+              <a:t>= </a:t>
+            </a:r>
+            <a:r>
+              <a:rPr lang="en-US" b="0" i="0" dirty="0" err="1">
+                <a:solidFill>
+                  <a:srgbClr val="000000"/>
+                </a:solidFill>
+                <a:effectLst/>
+                <a:latin typeface="Segoe UI" panose="020B0502040204020203" pitchFamily="34" charset="0"/>
+              </a:rPr>
+              <a:t>pC</a:t>
+            </a:r>
+            <a:r>
+              <a:rPr lang="en-US" b="0" i="0" dirty="0">
+                <a:solidFill>
+                  <a:srgbClr val="000000"/>
+                </a:solidFill>
+                <a:effectLst/>
+                <a:latin typeface="Segoe UI" panose="020B0502040204020203" pitchFamily="34" charset="0"/>
+              </a:rPr>
+              <a:t> = </a:t>
+            </a:r>
+            <a:r>
+              <a:rPr lang="en-US" b="0" i="0" dirty="0" err="1">
+                <a:solidFill>
+                  <a:srgbClr val="000000"/>
+                </a:solidFill>
+                <a:effectLst/>
+                <a:latin typeface="Segoe UI" panose="020B0502040204020203" pitchFamily="34" charset="0"/>
+              </a:rPr>
+              <a:t>pS</a:t>
+            </a:r>
+            <a:r>
+              <a:rPr lang="en-US" b="0" i="0" dirty="0">
+                <a:solidFill>
+                  <a:srgbClr val="000000"/>
+                </a:solidFill>
+                <a:effectLst/>
+                <a:latin typeface="Segoe UI" panose="020B0502040204020203" pitchFamily="34" charset="0"/>
+              </a:rPr>
+              <a:t>)</a:t>
+            </a:r>
+          </a:p>
+          <a:p>
+            <a:r>
+              <a:rPr lang="en-US" dirty="0">
+                <a:solidFill>
+                  <a:srgbClr val="000000"/>
+                </a:solidFill>
+                <a:latin typeface="Segoe UI" panose="020B0502040204020203" pitchFamily="34" charset="0"/>
+              </a:rPr>
+              <a:t>H1:X affects Y (</a:t>
+            </a:r>
+            <a:r>
+              <a:rPr lang="en-US" b="0" i="0" dirty="0" err="1">
+                <a:solidFill>
+                  <a:srgbClr val="000000"/>
+                </a:solidFill>
+                <a:effectLst/>
+                <a:latin typeface="Segoe UI" panose="020B0502040204020203" pitchFamily="34" charset="0"/>
+              </a:rPr>
+              <a:t>pI</a:t>
+            </a:r>
+            <a:r>
+              <a:rPr lang="en-US" b="0" i="0" dirty="0">
+                <a:solidFill>
+                  <a:srgbClr val="000000"/>
+                </a:solidFill>
+                <a:effectLst/>
+                <a:latin typeface="Segoe UI" panose="020B0502040204020203" pitchFamily="34" charset="0"/>
+              </a:rPr>
+              <a:t> != </a:t>
+            </a:r>
+            <a:r>
+              <a:rPr lang="en-US" b="0" i="0" dirty="0" err="1">
+                <a:solidFill>
+                  <a:srgbClr val="000000"/>
+                </a:solidFill>
+                <a:effectLst/>
+                <a:latin typeface="Segoe UI" panose="020B0502040204020203" pitchFamily="34" charset="0"/>
+              </a:rPr>
+              <a:t>pB</a:t>
+            </a:r>
+            <a:r>
+              <a:rPr lang="en-US" b="0" i="0" dirty="0">
+                <a:solidFill>
+                  <a:srgbClr val="000000"/>
+                </a:solidFill>
+                <a:effectLst/>
+                <a:latin typeface="Segoe UI" panose="020B0502040204020203" pitchFamily="34" charset="0"/>
+              </a:rPr>
+              <a:t> != </a:t>
+            </a:r>
+            <a:r>
+              <a:rPr lang="en-US" b="0" i="0" dirty="0" err="1">
+                <a:solidFill>
+                  <a:srgbClr val="000000"/>
+                </a:solidFill>
+                <a:effectLst/>
+                <a:latin typeface="Segoe UI" panose="020B0502040204020203" pitchFamily="34" charset="0"/>
+              </a:rPr>
+              <a:t>pC</a:t>
+            </a:r>
+            <a:r>
+              <a:rPr lang="en-US" b="0" i="0" dirty="0">
+                <a:solidFill>
+                  <a:srgbClr val="000000"/>
+                </a:solidFill>
+                <a:effectLst/>
+                <a:latin typeface="Segoe UI" panose="020B0502040204020203" pitchFamily="34" charset="0"/>
+              </a:rPr>
+              <a:t> != </a:t>
+            </a:r>
+            <a:r>
+              <a:rPr lang="en-US" b="0" i="0" dirty="0" err="1">
+                <a:solidFill>
+                  <a:srgbClr val="000000"/>
+                </a:solidFill>
+                <a:effectLst/>
+                <a:latin typeface="Segoe UI" panose="020B0502040204020203" pitchFamily="34" charset="0"/>
+              </a:rPr>
+              <a:t>pS</a:t>
+            </a:r>
+            <a:r>
+              <a:rPr lang="en-US" b="0" i="0" dirty="0">
+                <a:solidFill>
+                  <a:srgbClr val="000000"/>
+                </a:solidFill>
+                <a:effectLst/>
+                <a:latin typeface="Segoe UI" panose="020B0502040204020203" pitchFamily="34" charset="0"/>
+              </a:rPr>
+              <a:t>)</a:t>
+            </a:r>
+          </a:p>
+          <a:p>
+            <a:endParaRPr lang="en-IN" dirty="0"/>
+          </a:p>
+        </p:txBody>
+      </p:sp>
+      <p:sp>
+        <p:nvSpPr>
+          <p:cNvPr id="5" name="TextBox 4">
+            <a:extLst>
+              <a:ext uri="{FF2B5EF4-FFF2-40B4-BE49-F238E27FC236}">
+                <a16:creationId xmlns:a16="http://schemas.microsoft.com/office/drawing/2014/main" id="{6DB7B5CA-9F85-4ED2-A183-4D472560CA7F}"/>
+              </a:ext>
+            </a:extLst>
+          </p:cNvPr>
+          <p:cNvSpPr txBox="1"/>
+          <p:nvPr/>
+        </p:nvSpPr>
+        <p:spPr>
+          <a:xfrm>
+            <a:off x="5938787" y="3291840"/>
+            <a:ext cx="4875502" cy="2031325"/>
+          </a:xfrm>
+          <a:prstGeom prst="rect">
+            <a:avLst/>
+          </a:prstGeom>
+          <a:noFill/>
+        </p:spPr>
+        <p:txBody>
+          <a:bodyPr wrap="none" rtlCol="0">
+            <a:spAutoFit/>
+          </a:bodyPr>
+          <a:lstStyle/>
+          <a:p>
+            <a:r>
+              <a:rPr lang="en-IN" dirty="0"/>
+              <a:t>P value = 0.63</a:t>
+            </a:r>
+          </a:p>
+          <a:p>
+            <a:endParaRPr lang="en-IN" dirty="0"/>
+          </a:p>
+          <a:p>
+            <a:r>
+              <a:rPr lang="en-IN" dirty="0"/>
+              <a:t>P high</a:t>
+            </a:r>
+          </a:p>
+          <a:p>
+            <a:endParaRPr lang="en-IN" dirty="0"/>
+          </a:p>
+          <a:p>
+            <a:r>
+              <a:rPr lang="en-IN" dirty="0"/>
+              <a:t>Null Accepted</a:t>
+            </a:r>
+          </a:p>
+          <a:p>
+            <a:endParaRPr lang="en-IN" dirty="0"/>
+          </a:p>
+          <a:p>
+            <a:r>
+              <a:rPr lang="en-IN" dirty="0"/>
+              <a:t>Defects percentages are same for all the countries</a:t>
+            </a:r>
+          </a:p>
+        </p:txBody>
+      </p:sp>
+    </p:spTree>
+    <p:extLst>
+      <p:ext uri="{BB962C8B-B14F-4D97-AF65-F5344CB8AC3E}">
+        <p14:creationId xmlns:p14="http://schemas.microsoft.com/office/powerpoint/2010/main" val="3279804027"/>
+      </p:ext>
+    </p:extLst>
+  </p:cSld>
+  <p:clrMapOvr>
+    <a:masterClrMapping/>
+  </p:clrMapOvr>
+</p:sld>
+</file>
+
+<file path=ppt/slides/slide12.xml><?xml version="1.0" encoding="utf-8"?>
+<p:sld xmlns:a="http://schemas.openxmlformats.org/drawingml/2006/main" xmlns:r="http://schemas.openxmlformats.org/officeDocument/2006/relationships" xmlns:p="http://schemas.openxmlformats.org/presentationml/2006/main">
+  <p:cSld>
+    <p:spTree>
+      <p:nvGrpSpPr>
+        <p:cNvPr id="1" name=""/>
+        <p:cNvGrpSpPr/>
+        <p:nvPr/>
+      </p:nvGrpSpPr>
+      <p:grpSpPr>
+        <a:xfrm>
+          <a:off x="0" y="0"/>
+          <a:ext cx="0" cy="0"/>
+          <a:chOff x="0" y="0"/>
+          <a:chExt cx="0" cy="0"/>
+        </a:xfrm>
+      </p:grpSpPr>
+      <p:graphicFrame>
+        <p:nvGraphicFramePr>
+          <p:cNvPr id="2" name="Diagram 1">
+            <a:extLst>
+              <a:ext uri="{FF2B5EF4-FFF2-40B4-BE49-F238E27FC236}">
+                <a16:creationId xmlns:a16="http://schemas.microsoft.com/office/drawing/2014/main" id="{38DBA64E-725E-400F-A3BF-BD9CD9E7FDF9}"/>
+              </a:ext>
+            </a:extLst>
+          </p:cNvPr>
+          <p:cNvGraphicFramePr/>
+          <p:nvPr>
+            <p:extLst>
+              <p:ext uri="{D42A27DB-BD31-4B8C-83A1-F6EECF244321}">
+                <p14:modId xmlns:p14="http://schemas.microsoft.com/office/powerpoint/2010/main" val="1900457647"/>
+              </p:ext>
+            </p:extLst>
+          </p:nvPr>
+        </p:nvGraphicFramePr>
+        <p:xfrm>
+          <a:off x="2032000" y="719666"/>
+          <a:ext cx="8128000" cy="5418667"/>
+        </p:xfrm>
+        <a:graphic>
+          <a:graphicData uri="http://schemas.openxmlformats.org/drawingml/2006/diagram">
+            <dgm:relIds xmlns:dgm="http://schemas.openxmlformats.org/drawingml/2006/diagram" xmlns:r="http://schemas.openxmlformats.org/officeDocument/2006/relationships" r:dm="rId2" r:lo="rId3" r:qs="rId4" r:cs="rId5"/>
+          </a:graphicData>
+        </a:graphic>
+      </p:graphicFrame>
+    </p:spTree>
+    <p:extLst>
+      <p:ext uri="{BB962C8B-B14F-4D97-AF65-F5344CB8AC3E}">
+        <p14:creationId xmlns:p14="http://schemas.microsoft.com/office/powerpoint/2010/main" val="611083852"/>
+      </p:ext>
+    </p:extLst>
+  </p:cSld>
+  <p:clrMapOvr>
+    <a:masterClrMapping/>
+  </p:clrMapOvr>
+</p:sld>
+</file>
+
+<file path=ppt/slides/slide13.xml><?xml version="1.0" encoding="utf-8"?>
+<p:sld xmlns:a="http://schemas.openxmlformats.org/drawingml/2006/main" xmlns:r="http://schemas.openxmlformats.org/officeDocument/2006/relationships" xmlns:p="http://schemas.openxmlformats.org/presentationml/2006/main">
+  <p:cSld>
+    <p:spTree>
+      <p:nvGrpSpPr>
+        <p:cNvPr id="1" name=""/>
+        <p:cNvGrpSpPr/>
+        <p:nvPr/>
+      </p:nvGrpSpPr>
+      <p:grpSpPr>
+        <a:xfrm>
+          <a:off x="0" y="0"/>
+          <a:ext cx="0" cy="0"/>
+          <a:chOff x="0" y="0"/>
+          <a:chExt cx="0" cy="0"/>
+        </a:xfrm>
+      </p:grpSpPr>
+      <p:sp>
+        <p:nvSpPr>
+          <p:cNvPr id="3" name="Content Placeholder 2">
+            <a:extLst>
+              <a:ext uri="{FF2B5EF4-FFF2-40B4-BE49-F238E27FC236}">
+                <a16:creationId xmlns:a16="http://schemas.microsoft.com/office/drawing/2014/main" id="{5FBB69BA-1D71-4BBF-97B3-C9A3B279AB0C}"/>
+              </a:ext>
+            </a:extLst>
+          </p:cNvPr>
+          <p:cNvSpPr>
+            <a:spLocks noGrp="1"/>
+          </p:cNvSpPr>
+          <p:nvPr>
+            <p:ph idx="1"/>
+          </p:nvPr>
+        </p:nvSpPr>
+        <p:spPr/>
+        <p:txBody>
+          <a:bodyPr/>
+          <a:lstStyle/>
+          <a:p>
+            <a:r>
+              <a:rPr lang="en-IN" dirty="0"/>
+              <a:t>Find whether the average mileage driven by you is equal to 40KMPh for your data. (note Use =NORM.INV(RAND(),30,2.5) in excel to generate data.  Take at least 50 rows of data)</a:t>
+            </a:r>
+          </a:p>
+          <a:p>
+            <a:endParaRPr lang="en-IN" dirty="0"/>
+          </a:p>
+        </p:txBody>
+      </p:sp>
+      <p:sp>
+        <p:nvSpPr>
+          <p:cNvPr id="4" name="TextBox 3">
+            <a:extLst>
+              <a:ext uri="{FF2B5EF4-FFF2-40B4-BE49-F238E27FC236}">
+                <a16:creationId xmlns:a16="http://schemas.microsoft.com/office/drawing/2014/main" id="{F504A733-2360-4C75-9045-893B3E00A7C9}"/>
+              </a:ext>
+            </a:extLst>
+          </p:cNvPr>
+          <p:cNvSpPr txBox="1"/>
+          <p:nvPr/>
+        </p:nvSpPr>
+        <p:spPr>
+          <a:xfrm>
+            <a:off x="1288111" y="930303"/>
+            <a:ext cx="4977518" cy="584775"/>
+          </a:xfrm>
+          <a:prstGeom prst="rect">
+            <a:avLst/>
+          </a:prstGeom>
+          <a:solidFill>
+            <a:schemeClr val="accent6"/>
+          </a:solidFill>
+        </p:spPr>
+        <p:txBody>
+          <a:bodyPr wrap="square" rtlCol="0">
+            <a:spAutoFit/>
+          </a:bodyPr>
+          <a:lstStyle/>
+          <a:p>
+            <a:r>
+              <a:rPr lang="en-IN" sz="3200" dirty="0"/>
+              <a:t>Do the test and find results</a:t>
+            </a:r>
+          </a:p>
+        </p:txBody>
+      </p:sp>
+    </p:spTree>
+    <p:extLst>
+      <p:ext uri="{BB962C8B-B14F-4D97-AF65-F5344CB8AC3E}">
+        <p14:creationId xmlns:p14="http://schemas.microsoft.com/office/powerpoint/2010/main" val="1407973274"/>
+      </p:ext>
+    </p:extLst>
+  </p:cSld>
+  <p:clrMapOvr>
+    <a:masterClrMapping/>
+  </p:clrMapOvr>
+</p:sld>
+</file>
+
+<file path=ppt/slides/slide14.xml><?xml version="1.0" encoding="utf-8"?>
+<p:sld xmlns:a="http://schemas.openxmlformats.org/drawingml/2006/main" xmlns:r="http://schemas.openxmlformats.org/officeDocument/2006/relationships" xmlns:p="http://schemas.openxmlformats.org/presentationml/2006/main">
+  <p:cSld>
+    <p:spTree>
+      <p:nvGrpSpPr>
+        <p:cNvPr id="1" name=""/>
+        <p:cNvGrpSpPr/>
+        <p:nvPr/>
+      </p:nvGrpSpPr>
+      <p:grpSpPr>
+        <a:xfrm>
+          <a:off x="0" y="0"/>
+          <a:ext cx="0" cy="0"/>
+          <a:chOff x="0" y="0"/>
+          <a:chExt cx="0" cy="0"/>
+        </a:xfrm>
+      </p:grpSpPr>
+      <p:sp>
+        <p:nvSpPr>
+          <p:cNvPr id="3" name="Content Placeholder 2">
+            <a:extLst>
+              <a:ext uri="{FF2B5EF4-FFF2-40B4-BE49-F238E27FC236}">
+                <a16:creationId xmlns:a16="http://schemas.microsoft.com/office/drawing/2014/main" id="{5FBB69BA-1D71-4BBF-97B3-C9A3B279AB0C}"/>
+              </a:ext>
+            </a:extLst>
+          </p:cNvPr>
+          <p:cNvSpPr>
+            <a:spLocks noGrp="1"/>
+          </p:cNvSpPr>
+          <p:nvPr>
+            <p:ph idx="1"/>
+          </p:nvPr>
+        </p:nvSpPr>
+        <p:spPr/>
+        <p:txBody>
+          <a:bodyPr/>
+          <a:lstStyle/>
+          <a:p>
+            <a:r>
+              <a:rPr lang="en-IN" dirty="0"/>
+              <a:t>Find whether the average mileage driven by you is equal to 40KMPh for your data. (note Use =NORM.INV(RAND(),30,2.5) in excel to generate data.  Take at least 50 rows of data)</a:t>
+            </a:r>
+          </a:p>
+          <a:p>
+            <a:endParaRPr lang="en-IN" dirty="0"/>
+          </a:p>
+        </p:txBody>
+      </p:sp>
+      <p:sp>
+        <p:nvSpPr>
+          <p:cNvPr id="4" name="TextBox 3">
+            <a:extLst>
+              <a:ext uri="{FF2B5EF4-FFF2-40B4-BE49-F238E27FC236}">
+                <a16:creationId xmlns:a16="http://schemas.microsoft.com/office/drawing/2014/main" id="{F504A733-2360-4C75-9045-893B3E00A7C9}"/>
+              </a:ext>
+            </a:extLst>
+          </p:cNvPr>
+          <p:cNvSpPr txBox="1"/>
+          <p:nvPr/>
+        </p:nvSpPr>
+        <p:spPr>
+          <a:xfrm>
+            <a:off x="1288111" y="930303"/>
+            <a:ext cx="4977518" cy="584775"/>
+          </a:xfrm>
+          <a:prstGeom prst="rect">
+            <a:avLst/>
+          </a:prstGeom>
+          <a:solidFill>
+            <a:schemeClr val="accent6"/>
+          </a:solidFill>
+        </p:spPr>
+        <p:txBody>
+          <a:bodyPr wrap="square" rtlCol="0">
+            <a:spAutoFit/>
+          </a:bodyPr>
+          <a:lstStyle/>
+          <a:p>
+            <a:r>
+              <a:rPr lang="en-IN" sz="3200" dirty="0"/>
+              <a:t>Do the test and find results</a:t>
+            </a:r>
+          </a:p>
+        </p:txBody>
+      </p:sp>
+    </p:spTree>
+    <p:extLst>
+      <p:ext uri="{BB962C8B-B14F-4D97-AF65-F5344CB8AC3E}">
+        <p14:creationId xmlns:p14="http://schemas.microsoft.com/office/powerpoint/2010/main" val="2576721389"/>
+      </p:ext>
+    </p:extLst>
+  </p:cSld>
+  <p:clrMapOvr>
+    <a:masterClrMapping/>
+  </p:clrMapOvr>
+</p:sld>
+</file>
+
+<file path=ppt/slides/slide15.xml><?xml version="1.0" encoding="utf-8"?>
+<p:sld xmlns:a="http://schemas.openxmlformats.org/drawingml/2006/main" xmlns:r="http://schemas.openxmlformats.org/officeDocument/2006/relationships" xmlns:p="http://schemas.openxmlformats.org/presentationml/2006/main">
+  <p:cSld>
+    <p:spTree>
+      <p:nvGrpSpPr>
+        <p:cNvPr id="1" name=""/>
+        <p:cNvGrpSpPr/>
+        <p:nvPr/>
+      </p:nvGrpSpPr>
+      <p:grpSpPr>
+        <a:xfrm>
+          <a:off x="0" y="0"/>
+          <a:ext cx="0" cy="0"/>
+          <a:chOff x="0" y="0"/>
+          <a:chExt cx="0" cy="0"/>
+        </a:xfrm>
+      </p:grpSpPr>
+      <p:sp>
+        <p:nvSpPr>
+          <p:cNvPr id="3" name="Content Placeholder 2">
+            <a:extLst>
+              <a:ext uri="{FF2B5EF4-FFF2-40B4-BE49-F238E27FC236}">
+                <a16:creationId xmlns:a16="http://schemas.microsoft.com/office/drawing/2014/main" id="{5FBB69BA-1D71-4BBF-97B3-C9A3B279AB0C}"/>
+              </a:ext>
+            </a:extLst>
+          </p:cNvPr>
+          <p:cNvSpPr>
+            <a:spLocks noGrp="1"/>
+          </p:cNvSpPr>
+          <p:nvPr>
+            <p:ph idx="1"/>
+          </p:nvPr>
+        </p:nvSpPr>
+        <p:spPr/>
+        <p:txBody>
+          <a:bodyPr/>
+          <a:lstStyle/>
+          <a:p>
+            <a:r>
+              <a:rPr lang="en-IN" dirty="0"/>
+              <a:t>Find whether there is any significance difference in mileage between you and your driver while riding in the motor vehicle. </a:t>
+            </a:r>
+          </a:p>
+          <a:p>
+            <a:pPr marL="0" indent="0">
+              <a:buNone/>
+            </a:pPr>
+            <a:r>
+              <a:rPr lang="en-IN" dirty="0"/>
+              <a:t>(note: Use =NORM.INV(RAND(),35,.4) in excel to generate data for you.</a:t>
+            </a:r>
+          </a:p>
+          <a:p>
+            <a:pPr marL="0" indent="0">
+              <a:buNone/>
+            </a:pPr>
+            <a:r>
+              <a:rPr lang="en-IN" dirty="0"/>
+              <a:t>Use =NORM.INV(RAND(),33,3) in excel to generate data for your Driver.</a:t>
+            </a:r>
+          </a:p>
+          <a:p>
+            <a:pPr marL="0" indent="0">
+              <a:buNone/>
+            </a:pPr>
+            <a:r>
+              <a:rPr lang="en-IN" dirty="0"/>
+              <a:t>  Take at least 50 rows of data)</a:t>
+            </a:r>
+          </a:p>
+          <a:p>
+            <a:r>
+              <a:rPr lang="en-IN" dirty="0"/>
+              <a:t>Take decision whether to fire the driver because of the transportation cost</a:t>
+            </a:r>
+          </a:p>
+        </p:txBody>
+      </p:sp>
+      <p:sp>
+        <p:nvSpPr>
+          <p:cNvPr id="4" name="TextBox 3">
+            <a:extLst>
+              <a:ext uri="{FF2B5EF4-FFF2-40B4-BE49-F238E27FC236}">
+                <a16:creationId xmlns:a16="http://schemas.microsoft.com/office/drawing/2014/main" id="{F504A733-2360-4C75-9045-893B3E00A7C9}"/>
+              </a:ext>
+            </a:extLst>
+          </p:cNvPr>
+          <p:cNvSpPr txBox="1"/>
+          <p:nvPr/>
+        </p:nvSpPr>
+        <p:spPr>
+          <a:xfrm>
+            <a:off x="1288111" y="930303"/>
+            <a:ext cx="4977518" cy="584775"/>
+          </a:xfrm>
+          <a:prstGeom prst="rect">
+            <a:avLst/>
+          </a:prstGeom>
+          <a:solidFill>
+            <a:schemeClr val="accent6"/>
+          </a:solidFill>
+        </p:spPr>
+        <p:txBody>
+          <a:bodyPr wrap="square" rtlCol="0">
+            <a:spAutoFit/>
+          </a:bodyPr>
+          <a:lstStyle/>
+          <a:p>
+            <a:r>
+              <a:rPr lang="en-IN" sz="3200" dirty="0"/>
+              <a:t>Do the test and find results</a:t>
+            </a:r>
+          </a:p>
+        </p:txBody>
+      </p:sp>
+    </p:spTree>
+    <p:extLst>
+      <p:ext uri="{BB962C8B-B14F-4D97-AF65-F5344CB8AC3E}">
+        <p14:creationId xmlns:p14="http://schemas.microsoft.com/office/powerpoint/2010/main" val="3930692870"/>
+      </p:ext>
+    </p:extLst>
+  </p:cSld>
+  <p:clrMapOvr>
+    <a:masterClrMapping/>
+  </p:clrMapOvr>
+</p:sld>
+</file>
+
+<file path=ppt/slides/slide16.xml><?xml version="1.0" encoding="utf-8"?>
+<p:sld xmlns:a="http://schemas.openxmlformats.org/drawingml/2006/main" xmlns:r="http://schemas.openxmlformats.org/officeDocument/2006/relationships" xmlns:p="http://schemas.openxmlformats.org/presentationml/2006/main">
+  <p:cSld>
+    <p:spTree>
+      <p:nvGrpSpPr>
+        <p:cNvPr id="1" name=""/>
+        <p:cNvGrpSpPr/>
+        <p:nvPr/>
+      </p:nvGrpSpPr>
+      <p:grpSpPr>
+        <a:xfrm>
+          <a:off x="0" y="0"/>
+          <a:ext cx="0" cy="0"/>
+          <a:chOff x="0" y="0"/>
+          <a:chExt cx="0" cy="0"/>
+        </a:xfrm>
+      </p:grpSpPr>
+      <p:sp>
+        <p:nvSpPr>
+          <p:cNvPr id="3" name="Content Placeholder 2">
+            <a:extLst>
+              <a:ext uri="{FF2B5EF4-FFF2-40B4-BE49-F238E27FC236}">
+                <a16:creationId xmlns:a16="http://schemas.microsoft.com/office/drawing/2014/main" id="{5FBB69BA-1D71-4BBF-97B3-C9A3B279AB0C}"/>
+              </a:ext>
+            </a:extLst>
+          </p:cNvPr>
+          <p:cNvSpPr>
+            <a:spLocks noGrp="1"/>
+          </p:cNvSpPr>
+          <p:nvPr>
+            <p:ph idx="1"/>
+          </p:nvPr>
+        </p:nvSpPr>
+        <p:spPr/>
+        <p:txBody>
+          <a:bodyPr/>
+          <a:lstStyle/>
+          <a:p>
+            <a:r>
+              <a:rPr lang="en-IN" dirty="0"/>
+              <a:t>Test whether changing your the tyre pressure affects your milage or not. </a:t>
+            </a:r>
+          </a:p>
+          <a:p>
+            <a:pPr marL="0" indent="0">
+              <a:buNone/>
+            </a:pPr>
+            <a:r>
+              <a:rPr lang="en-IN" dirty="0"/>
+              <a:t>(note: Use =NORM.INV(RAND(),34,1) in excel to generate data for 30 PSI.</a:t>
+            </a:r>
+          </a:p>
+          <a:p>
+            <a:pPr marL="0" indent="0">
+              <a:buNone/>
+            </a:pPr>
+            <a:r>
+              <a:rPr lang="en-IN" dirty="0"/>
+              <a:t>Use =NORM.INV(RAND(),36,3) in excel to generate data 33 PSI.</a:t>
+            </a:r>
+          </a:p>
+          <a:p>
+            <a:pPr marL="0" indent="0">
+              <a:buNone/>
+            </a:pPr>
+            <a:r>
+              <a:rPr lang="en-IN" dirty="0"/>
+              <a:t>Use =NORM.INV(RAND(),37,2) in excel to generate data 35 PSI.</a:t>
+            </a:r>
+          </a:p>
+          <a:p>
+            <a:pPr marL="0" indent="0">
+              <a:buNone/>
+            </a:pPr>
+            <a:r>
+              <a:rPr lang="en-IN" dirty="0"/>
+              <a:t>  Take at least 150 rows of data)</a:t>
+            </a:r>
+          </a:p>
+          <a:p>
+            <a:pPr marL="0" indent="0">
+              <a:buNone/>
+            </a:pPr>
+            <a:r>
+              <a:rPr lang="en-IN" dirty="0"/>
+              <a:t>Find out the best tyre pressure to have.</a:t>
+            </a:r>
+          </a:p>
+        </p:txBody>
+      </p:sp>
+      <p:sp>
+        <p:nvSpPr>
+          <p:cNvPr id="4" name="TextBox 3">
+            <a:extLst>
+              <a:ext uri="{FF2B5EF4-FFF2-40B4-BE49-F238E27FC236}">
+                <a16:creationId xmlns:a16="http://schemas.microsoft.com/office/drawing/2014/main" id="{F504A733-2360-4C75-9045-893B3E00A7C9}"/>
+              </a:ext>
+            </a:extLst>
+          </p:cNvPr>
+          <p:cNvSpPr txBox="1"/>
+          <p:nvPr/>
+        </p:nvSpPr>
+        <p:spPr>
+          <a:xfrm>
+            <a:off x="1288111" y="930303"/>
+            <a:ext cx="4977518" cy="584775"/>
+          </a:xfrm>
+          <a:prstGeom prst="rect">
+            <a:avLst/>
+          </a:prstGeom>
+          <a:solidFill>
+            <a:schemeClr val="accent6"/>
+          </a:solidFill>
+        </p:spPr>
+        <p:txBody>
+          <a:bodyPr wrap="square" rtlCol="0">
+            <a:spAutoFit/>
+          </a:bodyPr>
+          <a:lstStyle/>
+          <a:p>
+            <a:r>
+              <a:rPr lang="en-IN" sz="3200" dirty="0"/>
+              <a:t>Do the test and find results</a:t>
+            </a:r>
+          </a:p>
+        </p:txBody>
+      </p:sp>
+    </p:spTree>
+    <p:extLst>
+      <p:ext uri="{BB962C8B-B14F-4D97-AF65-F5344CB8AC3E}">
+        <p14:creationId xmlns:p14="http://schemas.microsoft.com/office/powerpoint/2010/main" val="1032328320"/>
+      </p:ext>
+    </p:extLst>
+  </p:cSld>
+  <p:clrMapOvr>
+    <a:masterClrMapping/>
+  </p:clrMapOvr>
+</p:sld>
+</file>
+
+<file path=ppt/slides/slide17.xml><?xml version="1.0" encoding="utf-8"?>
+<p:sld xmlns:a="http://schemas.openxmlformats.org/drawingml/2006/main" xmlns:r="http://schemas.openxmlformats.org/officeDocument/2006/relationships" xmlns:p="http://schemas.openxmlformats.org/presentationml/2006/main">
+  <p:cSld>
+    <p:spTree>
+      <p:nvGrpSpPr>
+        <p:cNvPr id="1" name=""/>
+        <p:cNvGrpSpPr/>
+        <p:nvPr/>
+      </p:nvGrpSpPr>
+      <p:grpSpPr>
+        <a:xfrm>
+          <a:off x="0" y="0"/>
+          <a:ext cx="0" cy="0"/>
+          <a:chOff x="0" y="0"/>
+          <a:chExt cx="0" cy="0"/>
+        </a:xfrm>
+      </p:grpSpPr>
+      <p:sp>
+        <p:nvSpPr>
+          <p:cNvPr id="3" name="Content Placeholder 2">
+            <a:extLst>
+              <a:ext uri="{FF2B5EF4-FFF2-40B4-BE49-F238E27FC236}">
+                <a16:creationId xmlns:a16="http://schemas.microsoft.com/office/drawing/2014/main" id="{5FBB69BA-1D71-4BBF-97B3-C9A3B279AB0C}"/>
+              </a:ext>
+            </a:extLst>
+          </p:cNvPr>
+          <p:cNvSpPr>
+            <a:spLocks noGrp="1"/>
+          </p:cNvSpPr>
+          <p:nvPr>
+            <p:ph idx="1"/>
+          </p:nvPr>
+        </p:nvSpPr>
+        <p:spPr/>
+        <p:txBody>
+          <a:bodyPr/>
+          <a:lstStyle/>
+          <a:p>
+            <a:r>
+              <a:rPr lang="en-IN" dirty="0"/>
+              <a:t>Test whether driving on different road condition changes your mileage or not</a:t>
+            </a:r>
+          </a:p>
+          <a:p>
+            <a:pPr marL="0" indent="0">
+              <a:buNone/>
+            </a:pPr>
+            <a:r>
+              <a:rPr lang="en-IN" dirty="0"/>
+              <a:t>(note: Use =NORM.INV(RAND(),15,1) in excel to generate data for Gravel</a:t>
+            </a:r>
+          </a:p>
+          <a:p>
+            <a:pPr marL="0" indent="0">
+              <a:buNone/>
+            </a:pPr>
+            <a:r>
+              <a:rPr lang="en-IN" dirty="0"/>
+              <a:t>Use =NORM.INV(RAND(),20,2) in excel to generate data Asphalt.</a:t>
+            </a:r>
+          </a:p>
+          <a:p>
+            <a:pPr marL="0" indent="0">
+              <a:buNone/>
+            </a:pPr>
+            <a:r>
+              <a:rPr lang="en-IN" dirty="0"/>
+              <a:t>Use =NORM.INV(RAND(),17,4) in excel to generate data Cement.</a:t>
+            </a:r>
+          </a:p>
+          <a:p>
+            <a:pPr marL="0" indent="0">
+              <a:buNone/>
+            </a:pPr>
+            <a:r>
+              <a:rPr lang="en-IN" dirty="0"/>
+              <a:t>  Take at least 200 rows of data)</a:t>
+            </a:r>
+          </a:p>
+          <a:p>
+            <a:pPr marL="0" indent="0">
+              <a:buNone/>
+            </a:pPr>
+            <a:r>
+              <a:rPr lang="en-IN" dirty="0"/>
+              <a:t>Find out the right road condition to drive on.</a:t>
+            </a:r>
+          </a:p>
+        </p:txBody>
+      </p:sp>
+      <p:sp>
+        <p:nvSpPr>
+          <p:cNvPr id="4" name="TextBox 3">
+            <a:extLst>
+              <a:ext uri="{FF2B5EF4-FFF2-40B4-BE49-F238E27FC236}">
+                <a16:creationId xmlns:a16="http://schemas.microsoft.com/office/drawing/2014/main" id="{F504A733-2360-4C75-9045-893B3E00A7C9}"/>
+              </a:ext>
+            </a:extLst>
+          </p:cNvPr>
+          <p:cNvSpPr txBox="1"/>
+          <p:nvPr/>
+        </p:nvSpPr>
+        <p:spPr>
+          <a:xfrm>
+            <a:off x="1288111" y="930303"/>
+            <a:ext cx="4977518" cy="584775"/>
+          </a:xfrm>
+          <a:prstGeom prst="rect">
+            <a:avLst/>
+          </a:prstGeom>
+          <a:solidFill>
+            <a:schemeClr val="accent6"/>
+          </a:solidFill>
+        </p:spPr>
+        <p:txBody>
+          <a:bodyPr wrap="square" rtlCol="0">
+            <a:spAutoFit/>
+          </a:bodyPr>
+          <a:lstStyle/>
+          <a:p>
+            <a:r>
+              <a:rPr lang="en-IN" sz="3200" dirty="0"/>
+              <a:t>Do the test and find results</a:t>
+            </a:r>
+          </a:p>
+        </p:txBody>
+      </p:sp>
+    </p:spTree>
+    <p:extLst>
+      <p:ext uri="{BB962C8B-B14F-4D97-AF65-F5344CB8AC3E}">
+        <p14:creationId xmlns:p14="http://schemas.microsoft.com/office/powerpoint/2010/main" val="4139504562"/>
+      </p:ext>
+    </p:extLst>
+  </p:cSld>
+  <p:clrMapOvr>
+    <a:masterClrMapping/>
+  </p:clrMapOvr>
+</p:sld>
+</file>
+
 <file path=ppt/slides/slide2.xml><?xml version="1.0" encoding="utf-8"?>
 <p:sld xmlns:a="http://schemas.openxmlformats.org/drawingml/2006/main" xmlns:r="http://schemas.openxmlformats.org/officeDocument/2006/relationships" xmlns:p="http://schemas.openxmlformats.org/presentationml/2006/main">
   <p:cSld>
@@ -11322,6 +17163,241 @@
     <p:extLst>
       <p:ext uri="{BB962C8B-B14F-4D97-AF65-F5344CB8AC3E}">
         <p14:creationId xmlns:p14="http://schemas.microsoft.com/office/powerpoint/2010/main" val="2415534356"/>
+      </p:ext>
+    </p:extLst>
+  </p:cSld>
+  <p:clrMapOvr>
+    <a:masterClrMapping/>
+  </p:clrMapOvr>
+</p:sld>
+</file>
+
+<file path=ppt/slides/slide9.xml><?xml version="1.0" encoding="utf-8"?>
+<p:sld xmlns:a="http://schemas.openxmlformats.org/drawingml/2006/main" xmlns:r="http://schemas.openxmlformats.org/officeDocument/2006/relationships" xmlns:p="http://schemas.openxmlformats.org/presentationml/2006/main">
+  <p:cSld>
+    <p:spTree>
+      <p:nvGrpSpPr>
+        <p:cNvPr id="1" name=""/>
+        <p:cNvGrpSpPr/>
+        <p:nvPr/>
+      </p:nvGrpSpPr>
+      <p:grpSpPr>
+        <a:xfrm>
+          <a:off x="0" y="0"/>
+          <a:ext cx="0" cy="0"/>
+          <a:chOff x="0" y="0"/>
+          <a:chExt cx="0" cy="0"/>
+        </a:xfrm>
+      </p:grpSpPr>
+      <p:sp>
+        <p:nvSpPr>
+          <p:cNvPr id="3" name="TextBox 2">
+            <a:extLst>
+              <a:ext uri="{FF2B5EF4-FFF2-40B4-BE49-F238E27FC236}">
+                <a16:creationId xmlns:a16="http://schemas.microsoft.com/office/drawing/2014/main" id="{1EBD770D-4AA0-4549-AA29-60C0C4E2FAF3}"/>
+              </a:ext>
+            </a:extLst>
+          </p:cNvPr>
+          <p:cNvSpPr txBox="1"/>
+          <p:nvPr/>
+        </p:nvSpPr>
+        <p:spPr>
+          <a:xfrm>
+            <a:off x="392229" y="323315"/>
+            <a:ext cx="11119586" cy="3108543"/>
+          </a:xfrm>
+          <a:prstGeom prst="rect">
+            <a:avLst/>
+          </a:prstGeom>
+          <a:noFill/>
+        </p:spPr>
+        <p:txBody>
+          <a:bodyPr wrap="square">
+            <a:spAutoFit/>
+          </a:bodyPr>
+          <a:lstStyle/>
+          <a:p>
+            <a:r>
+              <a:rPr lang="en-US" sz="2800" dirty="0"/>
+              <a:t>A poll  is  carried  out  to  ﬁnd  the  acceptability  of  new  football  coach  by  the  people.  It  was  decided  that  if  the  support  rate  for  the  coach  for  the  entire  population  was  truly  less  then 25%,  the  coach  would  be  ﬁred  </a:t>
+            </a:r>
+          </a:p>
+          <a:p>
+            <a:pPr marL="0" indent="0">
+              <a:buNone/>
+            </a:pPr>
+            <a:r>
+              <a:rPr lang="en-US" sz="2800" dirty="0"/>
+              <a:t>• 2000  people  participated  and  482  people  supported  the  new  coach  </a:t>
+            </a:r>
+          </a:p>
+          <a:p>
+            <a:pPr marL="0" indent="0">
+              <a:buNone/>
+            </a:pPr>
+            <a:r>
+              <a:rPr lang="en-US" sz="2800" dirty="0"/>
+              <a:t>• Conduct  a  test  to  check  if  the  new  coach  should  be  ﬁred  with  90%  level  of  conﬁdence </a:t>
+            </a:r>
+          </a:p>
+        </p:txBody>
+      </p:sp>
+      <p:sp>
+        <p:nvSpPr>
+          <p:cNvPr id="4" name="TextBox 3">
+            <a:extLst>
+              <a:ext uri="{FF2B5EF4-FFF2-40B4-BE49-F238E27FC236}">
+                <a16:creationId xmlns:a16="http://schemas.microsoft.com/office/drawing/2014/main" id="{DECFB829-AB2F-4F72-9F03-1A9CADA31BFA}"/>
+              </a:ext>
+            </a:extLst>
+          </p:cNvPr>
+          <p:cNvSpPr txBox="1"/>
+          <p:nvPr/>
+        </p:nvSpPr>
+        <p:spPr>
+          <a:xfrm>
+            <a:off x="548640" y="3917482"/>
+            <a:ext cx="3142463" cy="2585323"/>
+          </a:xfrm>
+          <a:prstGeom prst="rect">
+            <a:avLst/>
+          </a:prstGeom>
+          <a:noFill/>
+        </p:spPr>
+        <p:txBody>
+          <a:bodyPr wrap="none" rtlCol="0">
+            <a:spAutoFit/>
+          </a:bodyPr>
+          <a:lstStyle/>
+          <a:p>
+            <a:r>
+              <a:rPr lang="en-IN" dirty="0"/>
+              <a:t>Y – poll Result (D)</a:t>
+            </a:r>
+          </a:p>
+          <a:p>
+            <a:r>
+              <a:rPr lang="en-IN" dirty="0"/>
+              <a:t>X – Current / (25%) (D)</a:t>
+            </a:r>
+          </a:p>
+          <a:p>
+            <a:endParaRPr lang="en-IN" dirty="0"/>
+          </a:p>
+          <a:p>
+            <a:r>
+              <a:rPr lang="en-IN" dirty="0"/>
+              <a:t>Alpha = .10</a:t>
+            </a:r>
+          </a:p>
+          <a:p>
+            <a:endParaRPr lang="en-IN" dirty="0"/>
+          </a:p>
+          <a:p>
+            <a:r>
+              <a:rPr lang="en-IN" dirty="0"/>
+              <a:t>1 proportion test</a:t>
+            </a:r>
+          </a:p>
+          <a:p>
+            <a:endParaRPr lang="en-IN" dirty="0"/>
+          </a:p>
+          <a:p>
+            <a:r>
+              <a:rPr lang="en-IN" dirty="0"/>
+              <a:t>H0: X doesn’t affect Y (</a:t>
+            </a:r>
+            <a:r>
+              <a:rPr lang="en-IN" dirty="0" err="1"/>
+              <a:t>pC</a:t>
+            </a:r>
+            <a:r>
+              <a:rPr lang="en-IN" dirty="0"/>
+              <a:t> = .25)</a:t>
+            </a:r>
+          </a:p>
+          <a:p>
+            <a:r>
+              <a:rPr lang="en-IN" dirty="0"/>
+              <a:t>H1: x affects Y (</a:t>
+            </a:r>
+            <a:r>
+              <a:rPr lang="en-IN" dirty="0" err="1"/>
+              <a:t>pC</a:t>
+            </a:r>
+            <a:r>
+              <a:rPr lang="en-IN" dirty="0"/>
+              <a:t> != .25)</a:t>
+            </a:r>
+          </a:p>
+        </p:txBody>
+      </p:sp>
+      <p:sp>
+        <p:nvSpPr>
+          <p:cNvPr id="5" name="TextBox 4">
+            <a:extLst>
+              <a:ext uri="{FF2B5EF4-FFF2-40B4-BE49-F238E27FC236}">
+                <a16:creationId xmlns:a16="http://schemas.microsoft.com/office/drawing/2014/main" id="{7DF80AA6-F2AD-43A6-A177-145B3534C344}"/>
+              </a:ext>
+            </a:extLst>
+          </p:cNvPr>
+          <p:cNvSpPr txBox="1"/>
+          <p:nvPr/>
+        </p:nvSpPr>
+        <p:spPr>
+          <a:xfrm>
+            <a:off x="5024387" y="4023360"/>
+            <a:ext cx="2197909" cy="2031325"/>
+          </a:xfrm>
+          <a:prstGeom prst="rect">
+            <a:avLst/>
+          </a:prstGeom>
+          <a:noFill/>
+        </p:spPr>
+        <p:txBody>
+          <a:bodyPr wrap="none" rtlCol="0">
+            <a:spAutoFit/>
+          </a:bodyPr>
+          <a:lstStyle/>
+          <a:p>
+            <a:r>
+              <a:rPr lang="en-IN" dirty="0"/>
+              <a:t>P value = 0.34</a:t>
+            </a:r>
+          </a:p>
+          <a:p>
+            <a:endParaRPr lang="en-IN" dirty="0"/>
+          </a:p>
+          <a:p>
+            <a:r>
+              <a:rPr lang="en-IN" dirty="0"/>
+              <a:t>P high</a:t>
+            </a:r>
+          </a:p>
+          <a:p>
+            <a:endParaRPr lang="en-IN" dirty="0"/>
+          </a:p>
+          <a:p>
+            <a:r>
+              <a:rPr lang="en-IN" dirty="0"/>
+              <a:t>Null accept</a:t>
+            </a:r>
+          </a:p>
+          <a:p>
+            <a:endParaRPr lang="en-IN" dirty="0"/>
+          </a:p>
+          <a:p>
+            <a:r>
+              <a:rPr lang="en-IN" dirty="0"/>
+              <a:t>Cannot fire the coach</a:t>
+            </a:r>
+          </a:p>
+        </p:txBody>
+      </p:sp>
+    </p:spTree>
+    <p:extLst>
+      <p:ext uri="{BB962C8B-B14F-4D97-AF65-F5344CB8AC3E}">
+        <p14:creationId xmlns:p14="http://schemas.microsoft.com/office/powerpoint/2010/main" val="1404122335"/>
       </p:ext>
     </p:extLst>
   </p:cSld>
